--- a/Presentazioni/TEDxLearn_part2.pptx
+++ b/Presentazioni/TEDxLearn_part2.pptx
@@ -7,6 +7,12 @@
   <p:sldIdLst>
     <p:sldId id="256" r:id="rId2"/>
     <p:sldId id="257" r:id="rId3"/>
+    <p:sldId id="260" r:id="rId4"/>
+    <p:sldId id="262" r:id="rId5"/>
+    <p:sldId id="258" r:id="rId6"/>
+    <p:sldId id="261" r:id="rId7"/>
+    <p:sldId id="263" r:id="rId8"/>
+    <p:sldId id="259" r:id="rId9"/>
   </p:sldIdLst>
   <p:sldSz cx="12192000" cy="6858000"/>
   <p:notesSz cx="6858000" cy="9144000"/>
@@ -105,7 +111,147 @@
       </a:defRPr>
     </a:lvl9pPr>
   </p:defaultTextStyle>
+  <p:extLst>
+    <p:ext uri="{EFAFB233-063F-42B5-8137-9DF3F51BA10A}">
+      <p15:sldGuideLst xmlns:p15="http://schemas.microsoft.com/office/powerpoint/2012/main"/>
+    </p:ext>
+  </p:extLst>
 </p:presentation>
+</file>
+
+<file path=ppt/changesInfos/changesInfo1.xml><?xml version="1.0" encoding="utf-8"?>
+<pc:chgInfo xmlns:a="http://schemas.openxmlformats.org/drawingml/2006/main" xmlns:r="http://schemas.openxmlformats.org/officeDocument/2006/relationships" xmlns:ac="http://schemas.microsoft.com/office/drawing/2013/main/command" xmlns:pc="http://schemas.microsoft.com/office/powerpoint/2013/main/command">
+  <pc:docChgLst>
+    <pc:chgData name="FEDERICO CARRARA" userId="e93417db-f703-4389-ad82-be8964ade4b4" providerId="ADAL" clId="{0309C4B6-76EA-4E16-A834-3D75629C819D}"/>
+    <pc:docChg chg="undo custSel addSld modSld">
+      <pc:chgData name="FEDERICO CARRARA" userId="e93417db-f703-4389-ad82-be8964ade4b4" providerId="ADAL" clId="{0309C4B6-76EA-4E16-A834-3D75629C819D}" dt="2024-05-12T13:50:50.368" v="2196" actId="20577"/>
+      <pc:docMkLst>
+        <pc:docMk/>
+      </pc:docMkLst>
+      <pc:sldChg chg="modSp mod">
+        <pc:chgData name="FEDERICO CARRARA" userId="e93417db-f703-4389-ad82-be8964ade4b4" providerId="ADAL" clId="{0309C4B6-76EA-4E16-A834-3D75629C819D}" dt="2024-05-12T13:49:14.808" v="2129" actId="20577"/>
+        <pc:sldMkLst>
+          <pc:docMk/>
+          <pc:sldMk cId="235306207" sldId="257"/>
+        </pc:sldMkLst>
+        <pc:spChg chg="mod">
+          <ac:chgData name="FEDERICO CARRARA" userId="e93417db-f703-4389-ad82-be8964ade4b4" providerId="ADAL" clId="{0309C4B6-76EA-4E16-A834-3D75629C819D}" dt="2024-05-12T13:49:14.808" v="2129" actId="20577"/>
+          <ac:spMkLst>
+            <pc:docMk/>
+            <pc:sldMk cId="235306207" sldId="257"/>
+            <ac:spMk id="2" creationId="{BB2FCF09-B988-24C6-3880-5EDE2D735210}"/>
+          </ac:spMkLst>
+        </pc:spChg>
+        <pc:spChg chg="mod">
+          <ac:chgData name="FEDERICO CARRARA" userId="e93417db-f703-4389-ad82-be8964ade4b4" providerId="ADAL" clId="{0309C4B6-76EA-4E16-A834-3D75629C819D}" dt="2024-05-12T13:44:51.996" v="1963" actId="20577"/>
+          <ac:spMkLst>
+            <pc:docMk/>
+            <pc:sldMk cId="235306207" sldId="257"/>
+            <ac:spMk id="3" creationId="{C45E5088-01B3-451F-98A4-AC99F973E652}"/>
+          </ac:spMkLst>
+        </pc:spChg>
+      </pc:sldChg>
+      <pc:sldChg chg="modSp new mod">
+        <pc:chgData name="FEDERICO CARRARA" userId="e93417db-f703-4389-ad82-be8964ade4b4" providerId="ADAL" clId="{0309C4B6-76EA-4E16-A834-3D75629C819D}" dt="2024-05-12T13:49:48.352" v="2150" actId="20577"/>
+        <pc:sldMkLst>
+          <pc:docMk/>
+          <pc:sldMk cId="1702770151" sldId="258"/>
+        </pc:sldMkLst>
+        <pc:spChg chg="mod">
+          <ac:chgData name="FEDERICO CARRARA" userId="e93417db-f703-4389-ad82-be8964ade4b4" providerId="ADAL" clId="{0309C4B6-76EA-4E16-A834-3D75629C819D}" dt="2024-05-12T13:49:48.352" v="2150" actId="20577"/>
+          <ac:spMkLst>
+            <pc:docMk/>
+            <pc:sldMk cId="1702770151" sldId="258"/>
+            <ac:spMk id="2" creationId="{A8A61F1F-97DE-763F-7743-901A71FDC74A}"/>
+          </ac:spMkLst>
+        </pc:spChg>
+        <pc:spChg chg="mod">
+          <ac:chgData name="FEDERICO CARRARA" userId="e93417db-f703-4389-ad82-be8964ade4b4" providerId="ADAL" clId="{0309C4B6-76EA-4E16-A834-3D75629C819D}" dt="2024-05-12T13:46:14.433" v="2077" actId="20577"/>
+          <ac:spMkLst>
+            <pc:docMk/>
+            <pc:sldMk cId="1702770151" sldId="258"/>
+            <ac:spMk id="3" creationId="{BD725893-AB40-BDCF-E470-F2767653E72B}"/>
+          </ac:spMkLst>
+        </pc:spChg>
+      </pc:sldChg>
+      <pc:sldChg chg="modSp new mod">
+        <pc:chgData name="FEDERICO CARRARA" userId="e93417db-f703-4389-ad82-be8964ade4b4" providerId="ADAL" clId="{0309C4B6-76EA-4E16-A834-3D75629C819D}" dt="2024-05-12T13:46:50.041" v="2079" actId="313"/>
+        <pc:sldMkLst>
+          <pc:docMk/>
+          <pc:sldMk cId="2738979331" sldId="259"/>
+        </pc:sldMkLst>
+        <pc:spChg chg="mod">
+          <ac:chgData name="FEDERICO CARRARA" userId="e93417db-f703-4389-ad82-be8964ade4b4" providerId="ADAL" clId="{0309C4B6-76EA-4E16-A834-3D75629C819D}" dt="2024-05-12T13:46:50.041" v="2079" actId="313"/>
+          <ac:spMkLst>
+            <pc:docMk/>
+            <pc:sldMk cId="2738979331" sldId="259"/>
+            <ac:spMk id="2" creationId="{1E4B3A5D-5CC1-F2FB-9192-C7AF4FCA52B2}"/>
+          </ac:spMkLst>
+        </pc:spChg>
+      </pc:sldChg>
+      <pc:sldChg chg="modSp new mod">
+        <pc:chgData name="FEDERICO CARRARA" userId="e93417db-f703-4389-ad82-be8964ade4b4" providerId="ADAL" clId="{0309C4B6-76EA-4E16-A834-3D75629C819D}" dt="2024-05-12T13:49:29.693" v="2145" actId="20577"/>
+        <pc:sldMkLst>
+          <pc:docMk/>
+          <pc:sldMk cId="428157161" sldId="260"/>
+        </pc:sldMkLst>
+        <pc:spChg chg="mod">
+          <ac:chgData name="FEDERICO CARRARA" userId="e93417db-f703-4389-ad82-be8964ade4b4" providerId="ADAL" clId="{0309C4B6-76EA-4E16-A834-3D75629C819D}" dt="2024-05-12T13:49:29.693" v="2145" actId="20577"/>
+          <ac:spMkLst>
+            <pc:docMk/>
+            <pc:sldMk cId="428157161" sldId="260"/>
+            <ac:spMk id="2" creationId="{7B677879-E956-E8FA-CE9E-67529F1E0E68}"/>
+          </ac:spMkLst>
+        </pc:spChg>
+      </pc:sldChg>
+      <pc:sldChg chg="modSp new mod">
+        <pc:chgData name="FEDERICO CARRARA" userId="e93417db-f703-4389-ad82-be8964ade4b4" providerId="ADAL" clId="{0309C4B6-76EA-4E16-A834-3D75629C819D}" dt="2024-05-12T13:50:08.442" v="2156" actId="20577"/>
+        <pc:sldMkLst>
+          <pc:docMk/>
+          <pc:sldMk cId="3387681182" sldId="261"/>
+        </pc:sldMkLst>
+        <pc:spChg chg="mod">
+          <ac:chgData name="FEDERICO CARRARA" userId="e93417db-f703-4389-ad82-be8964ade4b4" providerId="ADAL" clId="{0309C4B6-76EA-4E16-A834-3D75629C819D}" dt="2024-05-12T13:50:08.442" v="2156" actId="20577"/>
+          <ac:spMkLst>
+            <pc:docMk/>
+            <pc:sldMk cId="3387681182" sldId="261"/>
+            <ac:spMk id="2" creationId="{CE4858FB-F8B7-F921-D22A-2DDD9C9BC4EE}"/>
+          </ac:spMkLst>
+        </pc:spChg>
+      </pc:sldChg>
+      <pc:sldChg chg="modSp new mod">
+        <pc:chgData name="FEDERICO CARRARA" userId="e93417db-f703-4389-ad82-be8964ade4b4" providerId="ADAL" clId="{0309C4B6-76EA-4E16-A834-3D75629C819D}" dt="2024-05-12T13:50:30.688" v="2176" actId="20577"/>
+        <pc:sldMkLst>
+          <pc:docMk/>
+          <pc:sldMk cId="1319968381" sldId="262"/>
+        </pc:sldMkLst>
+        <pc:spChg chg="mod">
+          <ac:chgData name="FEDERICO CARRARA" userId="e93417db-f703-4389-ad82-be8964ade4b4" providerId="ADAL" clId="{0309C4B6-76EA-4E16-A834-3D75629C819D}" dt="2024-05-12T13:50:30.688" v="2176" actId="20577"/>
+          <ac:spMkLst>
+            <pc:docMk/>
+            <pc:sldMk cId="1319968381" sldId="262"/>
+            <ac:spMk id="2" creationId="{F71B00BF-BE13-2071-FB87-2D032F6A77E6}"/>
+          </ac:spMkLst>
+        </pc:spChg>
+      </pc:sldChg>
+      <pc:sldChg chg="modSp new mod">
+        <pc:chgData name="FEDERICO CARRARA" userId="e93417db-f703-4389-ad82-be8964ade4b4" providerId="ADAL" clId="{0309C4B6-76EA-4E16-A834-3D75629C819D}" dt="2024-05-12T13:50:50.368" v="2196" actId="20577"/>
+        <pc:sldMkLst>
+          <pc:docMk/>
+          <pc:sldMk cId="1529259052" sldId="263"/>
+        </pc:sldMkLst>
+        <pc:spChg chg="mod">
+          <ac:chgData name="FEDERICO CARRARA" userId="e93417db-f703-4389-ad82-be8964ade4b4" providerId="ADAL" clId="{0309C4B6-76EA-4E16-A834-3D75629C819D}" dt="2024-05-12T13:50:50.368" v="2196" actId="20577"/>
+          <ac:spMkLst>
+            <pc:docMk/>
+            <pc:sldMk cId="1529259052" sldId="263"/>
+            <ac:spMk id="2" creationId="{C77F9FF6-FF05-7B4D-3E6B-79C1E74A6029}"/>
+          </ac:spMkLst>
+        </pc:spChg>
+      </pc:sldChg>
+    </pc:docChg>
+  </pc:docChgLst>
+</pc:chgInfo>
 </file>
 
 <file path=ppt/slideLayouts/slideLayout1.xml><?xml version="1.0" encoding="utf-8"?>
@@ -165,7 +311,7 @@
           <a:noFill/>
           <a:extLst>
             <a:ext uri="{909E8E84-426E-40dd-AFC4-6F175D3DCCD1}">
-              <a14:hiddenFill xmlns:a14="http://schemas.microsoft.com/office/drawing/2010/main" xmlns="">
+              <a14:hiddenFill xmlns="" xmlns:a14="http://schemas.microsoft.com/office/drawing/2010/main">
                 <a:solidFill>
                   <a:srgbClr val="FFFFFF"/>
                 </a:solidFill>
@@ -224,7 +370,7 @@
             </a:ln>
             <a:extLst>
               <a:ext uri="{91240B29-F687-4f45-9708-019B960494DF}">
-                <a14:hiddenLine xmlns:a14="http://schemas.microsoft.com/office/drawing/2010/main" xmlns="" w="9525">
+                <a14:hiddenLine xmlns="" xmlns:a14="http://schemas.microsoft.com/office/drawing/2010/main" w="9525">
                   <a:solidFill>
                     <a:srgbClr val="000000"/>
                   </a:solidFill>
@@ -314,7 +460,7 @@
             </a:ln>
             <a:extLst>
               <a:ext uri="{91240B29-F687-4f45-9708-019B960494DF}">
-                <a14:hiddenLine xmlns:a14="http://schemas.microsoft.com/office/drawing/2010/main" xmlns="" w="9525">
+                <a14:hiddenLine xmlns="" xmlns:a14="http://schemas.microsoft.com/office/drawing/2010/main" w="9525">
                   <a:solidFill>
                     <a:srgbClr val="000000"/>
                   </a:solidFill>
@@ -404,7 +550,7 @@
             </a:ln>
             <a:extLst>
               <a:ext uri="{91240B29-F687-4f45-9708-019B960494DF}">
-                <a14:hiddenLine xmlns:a14="http://schemas.microsoft.com/office/drawing/2010/main" xmlns="" w="9525">
+                <a14:hiddenLine xmlns="" xmlns:a14="http://schemas.microsoft.com/office/drawing/2010/main" w="9525">
                   <a:solidFill>
                     <a:srgbClr val="000000"/>
                   </a:solidFill>
@@ -438,7 +584,7 @@
             </a:ln>
             <a:extLst>
               <a:ext uri="{91240B29-F687-4f45-9708-019B960494DF}">
-                <a14:hiddenLine xmlns:a14="http://schemas.microsoft.com/office/drawing/2010/main" xmlns="" w="9525">
+                <a14:hiddenLine xmlns="" xmlns:a14="http://schemas.microsoft.com/office/drawing/2010/main" w="9525">
                   <a:solidFill>
                     <a:srgbClr val="000000"/>
                   </a:solidFill>
@@ -528,7 +674,7 @@
             </a:ln>
             <a:extLst>
               <a:ext uri="{91240B29-F687-4f45-9708-019B960494DF}">
-                <a14:hiddenLine xmlns:a14="http://schemas.microsoft.com/office/drawing/2010/main" xmlns="" w="9525">
+                <a14:hiddenLine xmlns="" xmlns:a14="http://schemas.microsoft.com/office/drawing/2010/main" w="9525">
                   <a:solidFill>
                     <a:srgbClr val="000000"/>
                   </a:solidFill>
@@ -590,7 +736,7 @@
             </a:ln>
             <a:extLst>
               <a:ext uri="{91240B29-F687-4f45-9708-019B960494DF}">
-                <a14:hiddenLine xmlns:a14="http://schemas.microsoft.com/office/drawing/2010/main" xmlns="" w="9525">
+                <a14:hiddenLine xmlns="" xmlns:a14="http://schemas.microsoft.com/office/drawing/2010/main" w="9525">
                   <a:solidFill>
                     <a:srgbClr val="000000"/>
                   </a:solidFill>
@@ -652,7 +798,7 @@
             </a:ln>
             <a:extLst>
               <a:ext uri="{91240B29-F687-4f45-9708-019B960494DF}">
-                <a14:hiddenLine xmlns:a14="http://schemas.microsoft.com/office/drawing/2010/main" xmlns="" w="9525">
+                <a14:hiddenLine xmlns="" xmlns:a14="http://schemas.microsoft.com/office/drawing/2010/main" w="9525">
                   <a:solidFill>
                     <a:srgbClr val="000000"/>
                   </a:solidFill>
@@ -742,7 +888,7 @@
             </a:ln>
             <a:extLst>
               <a:ext uri="{91240B29-F687-4f45-9708-019B960494DF}">
-                <a14:hiddenLine xmlns:a14="http://schemas.microsoft.com/office/drawing/2010/main" xmlns="" w="9525">
+                <a14:hiddenLine xmlns="" xmlns:a14="http://schemas.microsoft.com/office/drawing/2010/main" w="9525">
                   <a:solidFill>
                     <a:srgbClr val="000000"/>
                   </a:solidFill>
@@ -804,7 +950,7 @@
             </a:ln>
             <a:extLst>
               <a:ext uri="{91240B29-F687-4f45-9708-019B960494DF}">
-                <a14:hiddenLine xmlns:a14="http://schemas.microsoft.com/office/drawing/2010/main" xmlns="" w="9525">
+                <a14:hiddenLine xmlns="" xmlns:a14="http://schemas.microsoft.com/office/drawing/2010/main" w="9525">
                   <a:solidFill>
                     <a:srgbClr val="000000"/>
                   </a:solidFill>
@@ -866,7 +1012,7 @@
             </a:ln>
             <a:extLst>
               <a:ext uri="{91240B29-F687-4f45-9708-019B960494DF}">
-                <a14:hiddenLine xmlns:a14="http://schemas.microsoft.com/office/drawing/2010/main" xmlns="" w="9525">
+                <a14:hiddenLine xmlns="" xmlns:a14="http://schemas.microsoft.com/office/drawing/2010/main" w="9525">
                   <a:solidFill>
                     <a:srgbClr val="000000"/>
                   </a:solidFill>
@@ -956,7 +1102,7 @@
             </a:ln>
             <a:extLst>
               <a:ext uri="{91240B29-F687-4f45-9708-019B960494DF}">
-                <a14:hiddenLine xmlns:a14="http://schemas.microsoft.com/office/drawing/2010/main" xmlns="" w="9525">
+                <a14:hiddenLine xmlns="" xmlns:a14="http://schemas.microsoft.com/office/drawing/2010/main" w="9525">
                   <a:solidFill>
                     <a:srgbClr val="000000"/>
                   </a:solidFill>
@@ -1046,7 +1192,7 @@
             </a:ln>
             <a:extLst>
               <a:ext uri="{91240B29-F687-4f45-9708-019B960494DF}">
-                <a14:hiddenLine xmlns:a14="http://schemas.microsoft.com/office/drawing/2010/main" xmlns="" w="9525">
+                <a14:hiddenLine xmlns="" xmlns:a14="http://schemas.microsoft.com/office/drawing/2010/main" w="9525">
                   <a:solidFill>
                     <a:srgbClr val="000000"/>
                   </a:solidFill>
@@ -1108,7 +1254,7 @@
             </a:ln>
             <a:extLst>
               <a:ext uri="{91240B29-F687-4f45-9708-019B960494DF}">
-                <a14:hiddenLine xmlns:a14="http://schemas.microsoft.com/office/drawing/2010/main" xmlns="" w="9525">
+                <a14:hiddenLine xmlns="" xmlns:a14="http://schemas.microsoft.com/office/drawing/2010/main" w="9525">
                   <a:solidFill>
                     <a:srgbClr val="000000"/>
                   </a:solidFill>
@@ -1218,7 +1364,7 @@
             </a:ln>
             <a:extLst>
               <a:ext uri="{91240B29-F687-4f45-9708-019B960494DF}">
-                <a14:hiddenLine xmlns:a14="http://schemas.microsoft.com/office/drawing/2010/main" xmlns="" w="9525">
+                <a14:hiddenLine xmlns="" xmlns:a14="http://schemas.microsoft.com/office/drawing/2010/main" w="9525">
                   <a:solidFill>
                     <a:srgbClr val="000000"/>
                   </a:solidFill>
@@ -1280,7 +1426,7 @@
             </a:ln>
             <a:extLst>
               <a:ext uri="{91240B29-F687-4f45-9708-019B960494DF}">
-                <a14:hiddenLine xmlns:a14="http://schemas.microsoft.com/office/drawing/2010/main" xmlns="" w="9525">
+                <a14:hiddenLine xmlns="" xmlns:a14="http://schemas.microsoft.com/office/drawing/2010/main" w="9525">
                   <a:solidFill>
                     <a:srgbClr val="000000"/>
                   </a:solidFill>
@@ -1370,7 +1516,7 @@
             </a:ln>
             <a:extLst>
               <a:ext uri="{91240B29-F687-4f45-9708-019B960494DF}">
-                <a14:hiddenLine xmlns:a14="http://schemas.microsoft.com/office/drawing/2010/main" xmlns="" w="9525">
+                <a14:hiddenLine xmlns="" xmlns:a14="http://schemas.microsoft.com/office/drawing/2010/main" w="9525">
                   <a:solidFill>
                     <a:srgbClr val="000000"/>
                   </a:solidFill>
@@ -1460,7 +1606,7 @@
             </a:ln>
             <a:extLst>
               <a:ext uri="{91240B29-F687-4f45-9708-019B960494DF}">
-                <a14:hiddenLine xmlns:a14="http://schemas.microsoft.com/office/drawing/2010/main" xmlns="" w="9525">
+                <a14:hiddenLine xmlns="" xmlns:a14="http://schemas.microsoft.com/office/drawing/2010/main" w="9525">
                   <a:solidFill>
                     <a:srgbClr val="000000"/>
                   </a:solidFill>
@@ -1522,7 +1668,7 @@
             </a:ln>
             <a:extLst>
               <a:ext uri="{91240B29-F687-4f45-9708-019B960494DF}">
-                <a14:hiddenLine xmlns:a14="http://schemas.microsoft.com/office/drawing/2010/main" xmlns="" w="9525">
+                <a14:hiddenLine xmlns="" xmlns:a14="http://schemas.microsoft.com/office/drawing/2010/main" w="9525">
                   <a:solidFill>
                     <a:srgbClr val="000000"/>
                   </a:solidFill>
@@ -1612,7 +1758,7 @@
             </a:ln>
             <a:extLst>
               <a:ext uri="{91240B29-F687-4f45-9708-019B960494DF}">
-                <a14:hiddenLine xmlns:a14="http://schemas.microsoft.com/office/drawing/2010/main" xmlns="" w="9525">
+                <a14:hiddenLine xmlns="" xmlns:a14="http://schemas.microsoft.com/office/drawing/2010/main" w="9525">
                   <a:solidFill>
                     <a:srgbClr val="000000"/>
                   </a:solidFill>
@@ -1702,7 +1848,7 @@
             </a:ln>
             <a:extLst>
               <a:ext uri="{91240B29-F687-4f45-9708-019B960494DF}">
-                <a14:hiddenLine xmlns:a14="http://schemas.microsoft.com/office/drawing/2010/main" xmlns="" w="9525">
+                <a14:hiddenLine xmlns="" xmlns:a14="http://schemas.microsoft.com/office/drawing/2010/main" w="9525">
                   <a:solidFill>
                     <a:srgbClr val="000000"/>
                   </a:solidFill>
@@ -1758,7 +1904,7 @@
             </a:ln>
             <a:extLst>
               <a:ext uri="{91240B29-F687-4f45-9708-019B960494DF}">
-                <a14:hiddenLine xmlns:a14="http://schemas.microsoft.com/office/drawing/2010/main" xmlns="" w="9525">
+                <a14:hiddenLine xmlns="" xmlns:a14="http://schemas.microsoft.com/office/drawing/2010/main" w="9525">
                   <a:solidFill>
                     <a:srgbClr val="000000"/>
                   </a:solidFill>
@@ -1848,7 +1994,7 @@
             </a:ln>
             <a:extLst>
               <a:ext uri="{91240B29-F687-4f45-9708-019B960494DF}">
-                <a14:hiddenLine xmlns:a14="http://schemas.microsoft.com/office/drawing/2010/main" xmlns="" w="9525">
+                <a14:hiddenLine xmlns="" xmlns:a14="http://schemas.microsoft.com/office/drawing/2010/main" w="9525">
                   <a:solidFill>
                     <a:srgbClr val="000000"/>
                   </a:solidFill>
@@ -1904,7 +2050,7 @@
             </a:ln>
             <a:extLst>
               <a:ext uri="{91240B29-F687-4f45-9708-019B960494DF}">
-                <a14:hiddenLine xmlns:a14="http://schemas.microsoft.com/office/drawing/2010/main" xmlns="" w="9525">
+                <a14:hiddenLine xmlns="" xmlns:a14="http://schemas.microsoft.com/office/drawing/2010/main" w="9525">
                   <a:solidFill>
                     <a:srgbClr val="000000"/>
                   </a:solidFill>
@@ -1994,7 +2140,7 @@
             </a:ln>
             <a:extLst>
               <a:ext uri="{91240B29-F687-4f45-9708-019B960494DF}">
-                <a14:hiddenLine xmlns:a14="http://schemas.microsoft.com/office/drawing/2010/main" xmlns="" w="9525">
+                <a14:hiddenLine xmlns="" xmlns:a14="http://schemas.microsoft.com/office/drawing/2010/main" w="9525">
                   <a:solidFill>
                     <a:srgbClr val="000000"/>
                   </a:solidFill>
@@ -2062,7 +2208,7 @@
             </a:ln>
             <a:extLst>
               <a:ext uri="{91240B29-F687-4f45-9708-019B960494DF}">
-                <a14:hiddenLine xmlns:a14="http://schemas.microsoft.com/office/drawing/2010/main" xmlns="" w="9525">
+                <a14:hiddenLine xmlns="" xmlns:a14="http://schemas.microsoft.com/office/drawing/2010/main" w="9525">
                   <a:solidFill>
                     <a:srgbClr val="000000"/>
                   </a:solidFill>
@@ -2152,7 +2298,7 @@
             </a:ln>
             <a:extLst>
               <a:ext uri="{91240B29-F687-4f45-9708-019B960494DF}">
-                <a14:hiddenLine xmlns:a14="http://schemas.microsoft.com/office/drawing/2010/main" xmlns="" w="9525">
+                <a14:hiddenLine xmlns="" xmlns:a14="http://schemas.microsoft.com/office/drawing/2010/main" w="9525">
                   <a:solidFill>
                     <a:srgbClr val="000000"/>
                   </a:solidFill>
@@ -2220,7 +2366,7 @@
             </a:ln>
             <a:extLst>
               <a:ext uri="{91240B29-F687-4f45-9708-019B960494DF}">
-                <a14:hiddenLine xmlns:a14="http://schemas.microsoft.com/office/drawing/2010/main" xmlns="" w="9525">
+                <a14:hiddenLine xmlns="" xmlns:a14="http://schemas.microsoft.com/office/drawing/2010/main" w="9525">
                   <a:solidFill>
                     <a:srgbClr val="000000"/>
                   </a:solidFill>
@@ -2310,7 +2456,7 @@
             </a:ln>
             <a:extLst>
               <a:ext uri="{91240B29-F687-4f45-9708-019B960494DF}">
-                <a14:hiddenLine xmlns:a14="http://schemas.microsoft.com/office/drawing/2010/main" xmlns="" w="9525">
+                <a14:hiddenLine xmlns="" xmlns:a14="http://schemas.microsoft.com/office/drawing/2010/main" w="9525">
                   <a:solidFill>
                     <a:srgbClr val="000000"/>
                   </a:solidFill>
@@ -2344,7 +2490,7 @@
             </a:ln>
             <a:extLst>
               <a:ext uri="{91240B29-F687-4f45-9708-019B960494DF}">
-                <a14:hiddenLine xmlns:a14="http://schemas.microsoft.com/office/drawing/2010/main" xmlns="" w="9525">
+                <a14:hiddenLine xmlns="" xmlns:a14="http://schemas.microsoft.com/office/drawing/2010/main" w="9525">
                   <a:solidFill>
                     <a:srgbClr val="000000"/>
                   </a:solidFill>
@@ -2434,7 +2580,7 @@
             </a:ln>
             <a:extLst>
               <a:ext uri="{91240B29-F687-4f45-9708-019B960494DF}">
-                <a14:hiddenLine xmlns:a14="http://schemas.microsoft.com/office/drawing/2010/main" xmlns="" w="9525">
+                <a14:hiddenLine xmlns="" xmlns:a14="http://schemas.microsoft.com/office/drawing/2010/main" w="9525">
                   <a:solidFill>
                     <a:srgbClr val="000000"/>
                   </a:solidFill>
@@ -2496,7 +2642,7 @@
             </a:ln>
             <a:extLst>
               <a:ext uri="{91240B29-F687-4f45-9708-019B960494DF}">
-                <a14:hiddenLine xmlns:a14="http://schemas.microsoft.com/office/drawing/2010/main" xmlns="" w="9525">
+                <a14:hiddenLine xmlns="" xmlns:a14="http://schemas.microsoft.com/office/drawing/2010/main" w="9525">
                   <a:solidFill>
                     <a:srgbClr val="000000"/>
                   </a:solidFill>
@@ -2558,7 +2704,7 @@
             </a:ln>
             <a:extLst>
               <a:ext uri="{91240B29-F687-4f45-9708-019B960494DF}">
-                <a14:hiddenLine xmlns:a14="http://schemas.microsoft.com/office/drawing/2010/main" xmlns="" w="9525">
+                <a14:hiddenLine xmlns="" xmlns:a14="http://schemas.microsoft.com/office/drawing/2010/main" w="9525">
                   <a:solidFill>
                     <a:srgbClr val="000000"/>
                   </a:solidFill>
@@ -2648,7 +2794,7 @@
             </a:ln>
             <a:extLst>
               <a:ext uri="{91240B29-F687-4f45-9708-019B960494DF}">
-                <a14:hiddenLine xmlns:a14="http://schemas.microsoft.com/office/drawing/2010/main" xmlns="" w="9525">
+                <a14:hiddenLine xmlns="" xmlns:a14="http://schemas.microsoft.com/office/drawing/2010/main" w="9525">
                   <a:solidFill>
                     <a:srgbClr val="000000"/>
                   </a:solidFill>
@@ -2716,7 +2862,7 @@
             </a:ln>
             <a:extLst>
               <a:ext uri="{91240B29-F687-4f45-9708-019B960494DF}">
-                <a14:hiddenLine xmlns:a14="http://schemas.microsoft.com/office/drawing/2010/main" xmlns="" w="9525">
+                <a14:hiddenLine xmlns="" xmlns:a14="http://schemas.microsoft.com/office/drawing/2010/main" w="9525">
                   <a:solidFill>
                     <a:srgbClr val="000000"/>
                   </a:solidFill>
@@ -2778,7 +2924,7 @@
             </a:ln>
             <a:extLst>
               <a:ext uri="{91240B29-F687-4f45-9708-019B960494DF}">
-                <a14:hiddenLine xmlns:a14="http://schemas.microsoft.com/office/drawing/2010/main" xmlns="" w="9525">
+                <a14:hiddenLine xmlns="" xmlns:a14="http://schemas.microsoft.com/office/drawing/2010/main" w="9525">
                   <a:solidFill>
                     <a:srgbClr val="000000"/>
                   </a:solidFill>
@@ -2868,7 +3014,7 @@
             </a:ln>
             <a:extLst>
               <a:ext uri="{91240B29-F687-4f45-9708-019B960494DF}">
-                <a14:hiddenLine xmlns:a14="http://schemas.microsoft.com/office/drawing/2010/main" xmlns="" w="9525">
+                <a14:hiddenLine xmlns="" xmlns:a14="http://schemas.microsoft.com/office/drawing/2010/main" w="9525">
                   <a:solidFill>
                     <a:srgbClr val="000000"/>
                   </a:solidFill>
@@ -2930,7 +3076,7 @@
             </a:ln>
             <a:extLst>
               <a:ext uri="{91240B29-F687-4f45-9708-019B960494DF}">
-                <a14:hiddenLine xmlns:a14="http://schemas.microsoft.com/office/drawing/2010/main" xmlns="" w="9525">
+                <a14:hiddenLine xmlns="" xmlns:a14="http://schemas.microsoft.com/office/drawing/2010/main" w="9525">
                   <a:solidFill>
                     <a:srgbClr val="000000"/>
                   </a:solidFill>
@@ -3020,7 +3166,7 @@
             </a:ln>
             <a:extLst>
               <a:ext uri="{91240B29-F687-4f45-9708-019B960494DF}">
-                <a14:hiddenLine xmlns:a14="http://schemas.microsoft.com/office/drawing/2010/main" xmlns="" w="9525">
+                <a14:hiddenLine xmlns="" xmlns:a14="http://schemas.microsoft.com/office/drawing/2010/main" w="9525">
                   <a:solidFill>
                     <a:srgbClr val="000000"/>
                   </a:solidFill>
@@ -3082,7 +3228,7 @@
             </a:ln>
             <a:extLst>
               <a:ext uri="{91240B29-F687-4f45-9708-019B960494DF}">
-                <a14:hiddenLine xmlns:a14="http://schemas.microsoft.com/office/drawing/2010/main" xmlns="" w="9525">
+                <a14:hiddenLine xmlns="" xmlns:a14="http://schemas.microsoft.com/office/drawing/2010/main" w="9525">
                   <a:solidFill>
                     <a:srgbClr val="000000"/>
                   </a:solidFill>
@@ -3172,7 +3318,7 @@
             </a:ln>
             <a:extLst>
               <a:ext uri="{91240B29-F687-4f45-9708-019B960494DF}">
-                <a14:hiddenLine xmlns:a14="http://schemas.microsoft.com/office/drawing/2010/main" xmlns="" w="9525">
+                <a14:hiddenLine xmlns="" xmlns:a14="http://schemas.microsoft.com/office/drawing/2010/main" w="9525">
                   <a:solidFill>
                     <a:srgbClr val="000000"/>
                   </a:solidFill>
@@ -3206,7 +3352,7 @@
             </a:ln>
             <a:extLst>
               <a:ext uri="{91240B29-F687-4f45-9708-019B960494DF}">
-                <a14:hiddenLine xmlns:a14="http://schemas.microsoft.com/office/drawing/2010/main" xmlns="" w="9525">
+                <a14:hiddenLine xmlns="" xmlns:a14="http://schemas.microsoft.com/office/drawing/2010/main" w="9525">
                   <a:solidFill>
                     <a:srgbClr val="000000"/>
                   </a:solidFill>
@@ -3271,7 +3417,7 @@
             </a:ln>
             <a:extLst>
               <a:ext uri="{91240B29-F687-4f45-9708-019B960494DF}">
-                <a14:hiddenLine xmlns:a14="http://schemas.microsoft.com/office/drawing/2010/main" xmlns="" w="9525">
+                <a14:hiddenLine xmlns="" xmlns:a14="http://schemas.microsoft.com/office/drawing/2010/main" w="9525">
                   <a:solidFill>
                     <a:srgbClr val="000000"/>
                   </a:solidFill>
@@ -3361,7 +3507,7 @@
             </a:ln>
             <a:extLst>
               <a:ext uri="{91240B29-F687-4f45-9708-019B960494DF}">
-                <a14:hiddenLine xmlns:a14="http://schemas.microsoft.com/office/drawing/2010/main" xmlns="" w="9525">
+                <a14:hiddenLine xmlns="" xmlns:a14="http://schemas.microsoft.com/office/drawing/2010/main" w="9525">
                   <a:solidFill>
                     <a:srgbClr val="000000"/>
                   </a:solidFill>
@@ -3423,7 +3569,7 @@
             </a:ln>
             <a:extLst>
               <a:ext uri="{91240B29-F687-4f45-9708-019B960494DF}">
-                <a14:hiddenLine xmlns:a14="http://schemas.microsoft.com/office/drawing/2010/main" xmlns="" w="9525">
+                <a14:hiddenLine xmlns="" xmlns:a14="http://schemas.microsoft.com/office/drawing/2010/main" w="9525">
                   <a:solidFill>
                     <a:srgbClr val="000000"/>
                   </a:solidFill>
@@ -3513,7 +3659,7 @@
             </a:ln>
             <a:extLst>
               <a:ext uri="{91240B29-F687-4f45-9708-019B960494DF}">
-                <a14:hiddenLine xmlns:a14="http://schemas.microsoft.com/office/drawing/2010/main" xmlns="" w="9525">
+                <a14:hiddenLine xmlns="" xmlns:a14="http://schemas.microsoft.com/office/drawing/2010/main" w="9525">
                   <a:solidFill>
                     <a:srgbClr val="000000"/>
                   </a:solidFill>
@@ -3603,7 +3749,7 @@
             </a:ln>
             <a:extLst>
               <a:ext uri="{91240B29-F687-4f45-9708-019B960494DF}">
-                <a14:hiddenLine xmlns:a14="http://schemas.microsoft.com/office/drawing/2010/main" xmlns="" w="9525">
+                <a14:hiddenLine xmlns="" xmlns:a14="http://schemas.microsoft.com/office/drawing/2010/main" w="9525">
                   <a:solidFill>
                     <a:srgbClr val="000000"/>
                   </a:solidFill>
@@ -3668,7 +3814,7 @@
             </a:ln>
             <a:extLst>
               <a:ext uri="{91240B29-F687-4f45-9708-019B960494DF}">
-                <a14:hiddenLine xmlns:a14="http://schemas.microsoft.com/office/drawing/2010/main" xmlns="" w="9525">
+                <a14:hiddenLine xmlns="" xmlns:a14="http://schemas.microsoft.com/office/drawing/2010/main" w="9525">
                   <a:solidFill>
                     <a:srgbClr val="000000"/>
                   </a:solidFill>
@@ -3730,7 +3876,7 @@
             </a:ln>
             <a:extLst>
               <a:ext uri="{91240B29-F687-4f45-9708-019B960494DF}">
-                <a14:hiddenLine xmlns:a14="http://schemas.microsoft.com/office/drawing/2010/main" xmlns="" w="9525">
+                <a14:hiddenLine xmlns="" xmlns:a14="http://schemas.microsoft.com/office/drawing/2010/main" w="9525">
                   <a:solidFill>
                     <a:srgbClr val="000000"/>
                   </a:solidFill>
@@ -3820,7 +3966,7 @@
             </a:ln>
             <a:extLst>
               <a:ext uri="{91240B29-F687-4f45-9708-019B960494DF}">
-                <a14:hiddenLine xmlns:a14="http://schemas.microsoft.com/office/drawing/2010/main" xmlns="" w="9525">
+                <a14:hiddenLine xmlns="" xmlns:a14="http://schemas.microsoft.com/office/drawing/2010/main" w="9525">
                   <a:solidFill>
                     <a:srgbClr val="000000"/>
                   </a:solidFill>
@@ -3910,7 +4056,7 @@
             </a:ln>
             <a:extLst>
               <a:ext uri="{91240B29-F687-4f45-9708-019B960494DF}">
-                <a14:hiddenLine xmlns:a14="http://schemas.microsoft.com/office/drawing/2010/main" xmlns="" w="9525">
+                <a14:hiddenLine xmlns="" xmlns:a14="http://schemas.microsoft.com/office/drawing/2010/main" w="9525">
                   <a:solidFill>
                     <a:srgbClr val="000000"/>
                   </a:solidFill>
@@ -3972,7 +4118,7 @@
             </a:ln>
             <a:extLst>
               <a:ext uri="{91240B29-F687-4f45-9708-019B960494DF}">
-                <a14:hiddenLine xmlns:a14="http://schemas.microsoft.com/office/drawing/2010/main" xmlns="" w="9525">
+                <a14:hiddenLine xmlns="" xmlns:a14="http://schemas.microsoft.com/office/drawing/2010/main" w="9525">
                   <a:solidFill>
                     <a:srgbClr val="000000"/>
                   </a:solidFill>
@@ -4092,7 +4238,7 @@
             </a:ln>
             <a:extLst>
               <a:ext uri="{91240B29-F687-4f45-9708-019B960494DF}">
-                <a14:hiddenLine xmlns:a14="http://schemas.microsoft.com/office/drawing/2010/main" xmlns="" w="9525">
+                <a14:hiddenLine xmlns="" xmlns:a14="http://schemas.microsoft.com/office/drawing/2010/main" w="9525">
                   <a:solidFill>
                     <a:srgbClr val="000000"/>
                   </a:solidFill>
@@ -4160,7 +4306,7 @@
             </a:ln>
             <a:extLst>
               <a:ext uri="{91240B29-F687-4f45-9708-019B960494DF}">
-                <a14:hiddenLine xmlns:a14="http://schemas.microsoft.com/office/drawing/2010/main" xmlns="" w="9525">
+                <a14:hiddenLine xmlns="" xmlns:a14="http://schemas.microsoft.com/office/drawing/2010/main" w="9525">
                   <a:solidFill>
                     <a:srgbClr val="000000"/>
                   </a:solidFill>
@@ -4250,7 +4396,7 @@
             </a:ln>
             <a:extLst>
               <a:ext uri="{91240B29-F687-4f45-9708-019B960494DF}">
-                <a14:hiddenLine xmlns:a14="http://schemas.microsoft.com/office/drawing/2010/main" xmlns="" w="9525">
+                <a14:hiddenLine xmlns="" xmlns:a14="http://schemas.microsoft.com/office/drawing/2010/main" w="9525">
                   <a:solidFill>
                     <a:srgbClr val="000000"/>
                   </a:solidFill>
@@ -9064,7 +9210,7 @@
           <a:noFill/>
           <a:extLst>
             <a:ext uri="{909E8E84-426E-40dd-AFC4-6F175D3DCCD1}">
-              <a14:hiddenFill xmlns:a14="http://schemas.microsoft.com/office/drawing/2010/main" xmlns="">
+              <a14:hiddenFill xmlns="" xmlns:a14="http://schemas.microsoft.com/office/drawing/2010/main">
                 <a:solidFill>
                   <a:srgbClr val="FFFFFF"/>
                 </a:solidFill>
@@ -9138,7 +9284,7 @@
               </a:ln>
               <a:extLst>
                 <a:ext uri="{91240B29-F687-4f45-9708-019B960494DF}">
-                  <a14:hiddenLine xmlns:a14="http://schemas.microsoft.com/office/drawing/2010/main" xmlns="" w="9525">
+                  <a14:hiddenLine xmlns="" xmlns:a14="http://schemas.microsoft.com/office/drawing/2010/main" w="9525">
                     <a:solidFill>
                       <a:srgbClr val="000000"/>
                     </a:solidFill>
@@ -9228,7 +9374,7 @@
               </a:ln>
               <a:extLst>
                 <a:ext uri="{91240B29-F687-4f45-9708-019B960494DF}">
-                  <a14:hiddenLine xmlns:a14="http://schemas.microsoft.com/office/drawing/2010/main" xmlns="" w="9525">
+                  <a14:hiddenLine xmlns="" xmlns:a14="http://schemas.microsoft.com/office/drawing/2010/main" w="9525">
                     <a:solidFill>
                       <a:srgbClr val="000000"/>
                     </a:solidFill>
@@ -9318,7 +9464,7 @@
               </a:ln>
               <a:extLst>
                 <a:ext uri="{91240B29-F687-4f45-9708-019B960494DF}">
-                  <a14:hiddenLine xmlns:a14="http://schemas.microsoft.com/office/drawing/2010/main" xmlns="" w="9525">
+                  <a14:hiddenLine xmlns="" xmlns:a14="http://schemas.microsoft.com/office/drawing/2010/main" w="9525">
                     <a:solidFill>
                       <a:srgbClr val="000000"/>
                     </a:solidFill>
@@ -9380,7 +9526,7 @@
               </a:ln>
               <a:extLst>
                 <a:ext uri="{91240B29-F687-4f45-9708-019B960494DF}">
-                  <a14:hiddenLine xmlns:a14="http://schemas.microsoft.com/office/drawing/2010/main" xmlns="" w="9525">
+                  <a14:hiddenLine xmlns="" xmlns:a14="http://schemas.microsoft.com/office/drawing/2010/main" w="9525">
                     <a:solidFill>
                       <a:srgbClr val="000000"/>
                     </a:solidFill>
@@ -9470,7 +9616,7 @@
               </a:ln>
               <a:extLst>
                 <a:ext uri="{91240B29-F687-4f45-9708-019B960494DF}">
-                  <a14:hiddenLine xmlns:a14="http://schemas.microsoft.com/office/drawing/2010/main" xmlns="" w="9525">
+                  <a14:hiddenLine xmlns="" xmlns:a14="http://schemas.microsoft.com/office/drawing/2010/main" w="9525">
                     <a:solidFill>
                       <a:srgbClr val="000000"/>
                     </a:solidFill>
@@ -9532,7 +9678,7 @@
               </a:ln>
               <a:extLst>
                 <a:ext uri="{91240B29-F687-4f45-9708-019B960494DF}">
-                  <a14:hiddenLine xmlns:a14="http://schemas.microsoft.com/office/drawing/2010/main" xmlns="" w="9525">
+                  <a14:hiddenLine xmlns="" xmlns:a14="http://schemas.microsoft.com/office/drawing/2010/main" w="9525">
                     <a:solidFill>
                       <a:srgbClr val="000000"/>
                     </a:solidFill>
@@ -9594,7 +9740,7 @@
               </a:ln>
               <a:extLst>
                 <a:ext uri="{91240B29-F687-4f45-9708-019B960494DF}">
-                  <a14:hiddenLine xmlns:a14="http://schemas.microsoft.com/office/drawing/2010/main" xmlns="" w="9525">
+                  <a14:hiddenLine xmlns="" xmlns:a14="http://schemas.microsoft.com/office/drawing/2010/main" w="9525">
                     <a:solidFill>
                       <a:srgbClr val="000000"/>
                     </a:solidFill>
@@ -9684,7 +9830,7 @@
               </a:ln>
               <a:extLst>
                 <a:ext uri="{91240B29-F687-4f45-9708-019B960494DF}">
-                  <a14:hiddenLine xmlns:a14="http://schemas.microsoft.com/office/drawing/2010/main" xmlns="" w="9525">
+                  <a14:hiddenLine xmlns="" xmlns:a14="http://schemas.microsoft.com/office/drawing/2010/main" w="9525">
                     <a:solidFill>
                       <a:srgbClr val="000000"/>
                     </a:solidFill>
@@ -9774,7 +9920,7 @@
               </a:ln>
               <a:extLst>
                 <a:ext uri="{91240B29-F687-4f45-9708-019B960494DF}">
-                  <a14:hiddenLine xmlns:a14="http://schemas.microsoft.com/office/drawing/2010/main" xmlns="" w="9525">
+                  <a14:hiddenLine xmlns="" xmlns:a14="http://schemas.microsoft.com/office/drawing/2010/main" w="9525">
                     <a:solidFill>
                       <a:srgbClr val="000000"/>
                     </a:solidFill>
@@ -9836,7 +9982,7 @@
               </a:ln>
               <a:extLst>
                 <a:ext uri="{91240B29-F687-4f45-9708-019B960494DF}">
-                  <a14:hiddenLine xmlns:a14="http://schemas.microsoft.com/office/drawing/2010/main" xmlns="" w="9525">
+                  <a14:hiddenLine xmlns="" xmlns:a14="http://schemas.microsoft.com/office/drawing/2010/main" w="9525">
                     <a:solidFill>
                       <a:srgbClr val="000000"/>
                     </a:solidFill>
@@ -9946,7 +10092,7 @@
               </a:ln>
               <a:extLst>
                 <a:ext uri="{91240B29-F687-4f45-9708-019B960494DF}">
-                  <a14:hiddenLine xmlns:a14="http://schemas.microsoft.com/office/drawing/2010/main" xmlns="" w="9525">
+                  <a14:hiddenLine xmlns="" xmlns:a14="http://schemas.microsoft.com/office/drawing/2010/main" w="9525">
                     <a:solidFill>
                       <a:srgbClr val="000000"/>
                     </a:solidFill>
@@ -10030,7 +10176,7 @@
               </a:ln>
               <a:extLst>
                 <a:ext uri="{91240B29-F687-4f45-9708-019B960494DF}">
-                  <a14:hiddenLine xmlns:a14="http://schemas.microsoft.com/office/drawing/2010/main" xmlns="" w="9525">
+                  <a14:hiddenLine xmlns="" xmlns:a14="http://schemas.microsoft.com/office/drawing/2010/main" w="9525">
                     <a:solidFill>
                       <a:srgbClr val="000000"/>
                     </a:solidFill>
@@ -10092,7 +10238,7 @@
               </a:ln>
               <a:extLst>
                 <a:ext uri="{91240B29-F687-4f45-9708-019B960494DF}">
-                  <a14:hiddenLine xmlns:a14="http://schemas.microsoft.com/office/drawing/2010/main" xmlns="" w="9525">
+                  <a14:hiddenLine xmlns="" xmlns:a14="http://schemas.microsoft.com/office/drawing/2010/main" w="9525">
                     <a:solidFill>
                       <a:srgbClr val="000000"/>
                     </a:solidFill>
@@ -10154,7 +10300,7 @@
               </a:ln>
               <a:extLst>
                 <a:ext uri="{91240B29-F687-4f45-9708-019B960494DF}">
-                  <a14:hiddenLine xmlns:a14="http://schemas.microsoft.com/office/drawing/2010/main" xmlns="" w="9525">
+                  <a14:hiddenLine xmlns="" xmlns:a14="http://schemas.microsoft.com/office/drawing/2010/main" w="9525">
                     <a:solidFill>
                       <a:srgbClr val="000000"/>
                     </a:solidFill>
@@ -10244,7 +10390,7 @@
               </a:ln>
               <a:extLst>
                 <a:ext uri="{91240B29-F687-4f45-9708-019B960494DF}">
-                  <a14:hiddenLine xmlns:a14="http://schemas.microsoft.com/office/drawing/2010/main" xmlns="" w="9525">
+                  <a14:hiddenLine xmlns="" xmlns:a14="http://schemas.microsoft.com/office/drawing/2010/main" w="9525">
                     <a:solidFill>
                       <a:srgbClr val="000000"/>
                     </a:solidFill>
@@ -10278,7 +10424,7 @@
               </a:ln>
               <a:extLst>
                 <a:ext uri="{91240B29-F687-4f45-9708-019B960494DF}">
-                  <a14:hiddenLine xmlns:a14="http://schemas.microsoft.com/office/drawing/2010/main" xmlns="" w="9525">
+                  <a14:hiddenLine xmlns="" xmlns:a14="http://schemas.microsoft.com/office/drawing/2010/main" w="9525">
                     <a:solidFill>
                       <a:srgbClr val="000000"/>
                     </a:solidFill>
@@ -10343,7 +10489,7 @@
               </a:ln>
               <a:extLst>
                 <a:ext uri="{91240B29-F687-4f45-9708-019B960494DF}">
-                  <a14:hiddenLine xmlns:a14="http://schemas.microsoft.com/office/drawing/2010/main" xmlns="" w="9525">
+                  <a14:hiddenLine xmlns="" xmlns:a14="http://schemas.microsoft.com/office/drawing/2010/main" w="9525">
                     <a:solidFill>
                       <a:srgbClr val="000000"/>
                     </a:solidFill>
@@ -10433,7 +10579,7 @@
               </a:ln>
               <a:extLst>
                 <a:ext uri="{91240B29-F687-4f45-9708-019B960494DF}">
-                  <a14:hiddenLine xmlns:a14="http://schemas.microsoft.com/office/drawing/2010/main" xmlns="" w="9525">
+                  <a14:hiddenLine xmlns="" xmlns:a14="http://schemas.microsoft.com/office/drawing/2010/main" w="9525">
                     <a:solidFill>
                       <a:srgbClr val="000000"/>
                     </a:solidFill>
@@ -10495,7 +10641,7 @@
               </a:ln>
               <a:extLst>
                 <a:ext uri="{91240B29-F687-4f45-9708-019B960494DF}">
-                  <a14:hiddenLine xmlns:a14="http://schemas.microsoft.com/office/drawing/2010/main" xmlns="" w="9525">
+                  <a14:hiddenLine xmlns="" xmlns:a14="http://schemas.microsoft.com/office/drawing/2010/main" w="9525">
                     <a:solidFill>
                       <a:srgbClr val="000000"/>
                     </a:solidFill>
@@ -10585,7 +10731,7 @@
               </a:ln>
               <a:extLst>
                 <a:ext uri="{91240B29-F687-4f45-9708-019B960494DF}">
-                  <a14:hiddenLine xmlns:a14="http://schemas.microsoft.com/office/drawing/2010/main" xmlns="" w="9525">
+                  <a14:hiddenLine xmlns="" xmlns:a14="http://schemas.microsoft.com/office/drawing/2010/main" w="9525">
                     <a:solidFill>
                       <a:srgbClr val="000000"/>
                     </a:solidFill>
@@ -10650,7 +10796,7 @@
               </a:ln>
               <a:extLst>
                 <a:ext uri="{91240B29-F687-4f45-9708-019B960494DF}">
-                  <a14:hiddenLine xmlns:a14="http://schemas.microsoft.com/office/drawing/2010/main" xmlns="" w="9525">
+                  <a14:hiddenLine xmlns="" xmlns:a14="http://schemas.microsoft.com/office/drawing/2010/main" w="9525">
                     <a:solidFill>
                       <a:srgbClr val="000000"/>
                     </a:solidFill>
@@ -10712,7 +10858,7 @@
               </a:ln>
               <a:extLst>
                 <a:ext uri="{91240B29-F687-4f45-9708-019B960494DF}">
-                  <a14:hiddenLine xmlns:a14="http://schemas.microsoft.com/office/drawing/2010/main" xmlns="" w="9525">
+                  <a14:hiddenLine xmlns="" xmlns:a14="http://schemas.microsoft.com/office/drawing/2010/main" w="9525">
                     <a:solidFill>
                       <a:srgbClr val="000000"/>
                     </a:solidFill>
@@ -10802,7 +10948,7 @@
               </a:ln>
               <a:extLst>
                 <a:ext uri="{91240B29-F687-4f45-9708-019B960494DF}">
-                  <a14:hiddenLine xmlns:a14="http://schemas.microsoft.com/office/drawing/2010/main" xmlns="" w="9525">
+                  <a14:hiddenLine xmlns="" xmlns:a14="http://schemas.microsoft.com/office/drawing/2010/main" w="9525">
                     <a:solidFill>
                       <a:srgbClr val="000000"/>
                     </a:solidFill>
@@ -10892,7 +11038,7 @@
               </a:ln>
               <a:extLst>
                 <a:ext uri="{91240B29-F687-4f45-9708-019B960494DF}">
-                  <a14:hiddenLine xmlns:a14="http://schemas.microsoft.com/office/drawing/2010/main" xmlns="" w="9525">
+                  <a14:hiddenLine xmlns="" xmlns:a14="http://schemas.microsoft.com/office/drawing/2010/main" w="9525">
                     <a:solidFill>
                       <a:srgbClr val="000000"/>
                     </a:solidFill>
@@ -10957,7 +11103,7 @@
               </a:ln>
               <a:extLst>
                 <a:ext uri="{91240B29-F687-4f45-9708-019B960494DF}">
-                  <a14:hiddenLine xmlns:a14="http://schemas.microsoft.com/office/drawing/2010/main" xmlns="" w="9525">
+                  <a14:hiddenLine xmlns="" xmlns:a14="http://schemas.microsoft.com/office/drawing/2010/main" w="9525">
                     <a:solidFill>
                       <a:srgbClr val="000000"/>
                     </a:solidFill>
@@ -11077,7 +11223,7 @@
               </a:ln>
               <a:extLst>
                 <a:ext uri="{91240B29-F687-4f45-9708-019B960494DF}">
-                  <a14:hiddenLine xmlns:a14="http://schemas.microsoft.com/office/drawing/2010/main" xmlns="" w="9525">
+                  <a14:hiddenLine xmlns="" xmlns:a14="http://schemas.microsoft.com/office/drawing/2010/main" w="9525">
                     <a:solidFill>
                       <a:srgbClr val="000000"/>
                     </a:solidFill>
@@ -11158,7 +11304,7 @@
               </a:ln>
               <a:extLst>
                 <a:ext uri="{91240B29-F687-4f45-9708-019B960494DF}">
-                  <a14:hiddenLine xmlns:a14="http://schemas.microsoft.com/office/drawing/2010/main" xmlns="" w="9525">
+                  <a14:hiddenLine xmlns="" xmlns:a14="http://schemas.microsoft.com/office/drawing/2010/main" w="9525">
                     <a:solidFill>
                       <a:srgbClr val="000000"/>
                     </a:solidFill>
@@ -11273,7 +11419,7 @@
               </a:ln>
               <a:extLst>
                 <a:ext uri="{91240B29-F687-4f45-9708-019B960494DF}">
-                  <a14:hiddenLine xmlns:a14="http://schemas.microsoft.com/office/drawing/2010/main" xmlns="" w="9525">
+                  <a14:hiddenLine xmlns="" xmlns:a14="http://schemas.microsoft.com/office/drawing/2010/main" w="9525">
                     <a:solidFill>
                       <a:srgbClr val="000000"/>
                     </a:solidFill>
@@ -11363,7 +11509,7 @@
               </a:ln>
               <a:extLst>
                 <a:ext uri="{91240B29-F687-4f45-9708-019B960494DF}">
-                  <a14:hiddenLine xmlns:a14="http://schemas.microsoft.com/office/drawing/2010/main" xmlns="" w="9525">
+                  <a14:hiddenLine xmlns="" xmlns:a14="http://schemas.microsoft.com/office/drawing/2010/main" w="9525">
                     <a:solidFill>
                       <a:srgbClr val="000000"/>
                     </a:solidFill>
@@ -11428,7 +11574,7 @@
               </a:ln>
               <a:extLst>
                 <a:ext uri="{91240B29-F687-4f45-9708-019B960494DF}">
-                  <a14:hiddenLine xmlns:a14="http://schemas.microsoft.com/office/drawing/2010/main" xmlns="" w="9525">
+                  <a14:hiddenLine xmlns="" xmlns:a14="http://schemas.microsoft.com/office/drawing/2010/main" w="9525">
                     <a:solidFill>
                       <a:srgbClr val="000000"/>
                     </a:solidFill>
@@ -11518,7 +11664,7 @@
               </a:ln>
               <a:extLst>
                 <a:ext uri="{91240B29-F687-4f45-9708-019B960494DF}">
-                  <a14:hiddenLine xmlns:a14="http://schemas.microsoft.com/office/drawing/2010/main" xmlns="" w="9525">
+                  <a14:hiddenLine xmlns="" xmlns:a14="http://schemas.microsoft.com/office/drawing/2010/main" w="9525">
                     <a:solidFill>
                       <a:srgbClr val="000000"/>
                     </a:solidFill>
@@ -11586,7 +11732,7 @@
               </a:ln>
               <a:extLst>
                 <a:ext uri="{91240B29-F687-4f45-9708-019B960494DF}">
-                  <a14:hiddenLine xmlns:a14="http://schemas.microsoft.com/office/drawing/2010/main" xmlns="" w="9525">
+                  <a14:hiddenLine xmlns="" xmlns:a14="http://schemas.microsoft.com/office/drawing/2010/main" w="9525">
                     <a:solidFill>
                       <a:srgbClr val="000000"/>
                     </a:solidFill>
@@ -11676,7 +11822,7 @@
               </a:ln>
               <a:extLst>
                 <a:ext uri="{91240B29-F687-4f45-9708-019B960494DF}">
-                  <a14:hiddenLine xmlns:a14="http://schemas.microsoft.com/office/drawing/2010/main" xmlns="" w="9525">
+                  <a14:hiddenLine xmlns="" xmlns:a14="http://schemas.microsoft.com/office/drawing/2010/main" w="9525">
                     <a:solidFill>
                       <a:srgbClr val="000000"/>
                     </a:solidFill>
@@ -11744,7 +11890,7 @@
               </a:ln>
               <a:extLst>
                 <a:ext uri="{91240B29-F687-4f45-9708-019B960494DF}">
-                  <a14:hiddenLine xmlns:a14="http://schemas.microsoft.com/office/drawing/2010/main" xmlns="" w="9525">
+                  <a14:hiddenLine xmlns="" xmlns:a14="http://schemas.microsoft.com/office/drawing/2010/main" w="9525">
                     <a:solidFill>
                       <a:srgbClr val="000000"/>
                     </a:solidFill>
@@ -11834,7 +11980,7 @@
               </a:ln>
               <a:extLst>
                 <a:ext uri="{91240B29-F687-4f45-9708-019B960494DF}">
-                  <a14:hiddenLine xmlns:a14="http://schemas.microsoft.com/office/drawing/2010/main" xmlns="" w="9525">
+                  <a14:hiddenLine xmlns="" xmlns:a14="http://schemas.microsoft.com/office/drawing/2010/main" w="9525">
                     <a:solidFill>
                       <a:srgbClr val="000000"/>
                     </a:solidFill>
@@ -11868,7 +12014,7 @@
               </a:ln>
               <a:extLst>
                 <a:ext uri="{91240B29-F687-4f45-9708-019B960494DF}">
-                  <a14:hiddenLine xmlns:a14="http://schemas.microsoft.com/office/drawing/2010/main" xmlns="" w="9525">
+                  <a14:hiddenLine xmlns="" xmlns:a14="http://schemas.microsoft.com/office/drawing/2010/main" w="9525">
                     <a:solidFill>
                       <a:srgbClr val="000000"/>
                     </a:solidFill>
@@ -12598,7 +12744,7 @@
             <a:noFill/>
             <a:extLst>
               <a:ext uri="{909E8E84-426E-40dd-AFC4-6F175D3DCCD1}">
-                <a14:hiddenFill xmlns="" xmlns:a16="http://schemas.microsoft.com/office/drawing/2014/main" xmlns:p14="http://schemas.microsoft.com/office/powerpoint/2010/main" xmlns:a14="http://schemas.microsoft.com/office/drawing/2010/main">
+                <a14:hiddenFill xmlns:a14="http://schemas.microsoft.com/office/drawing/2010/main" xmlns:p14="http://schemas.microsoft.com/office/powerpoint/2010/main" xmlns:a16="http://schemas.microsoft.com/office/drawing/2014/main" xmlns="">
                   <a:solidFill>
                     <a:srgbClr val="FFFFFF"/>
                   </a:solidFill>
@@ -14876,7 +15022,10 @@
           <a:bodyPr/>
           <a:lstStyle/>
           <a:p>
-            <a:endParaRPr lang="it-IT"/>
+            <a:r>
+              <a:rPr lang="it-IT" dirty="0"/>
+              <a:t>JOB 1: WATCH NEXT</a:t>
+            </a:r>
           </a:p>
         </p:txBody>
       </p:sp>
@@ -14898,10 +15047,44 @@
         </p:nvSpPr>
         <p:spPr/>
         <p:txBody>
-          <a:bodyPr/>
+          <a:bodyPr>
+            <a:normAutofit/>
+          </a:bodyPr>
           <a:lstStyle/>
           <a:p>
-            <a:endParaRPr lang="it-IT"/>
+            <a:pPr marL="0" indent="0">
+              <a:buNone/>
+            </a:pPr>
+            <a:r>
+              <a:rPr lang="it-IT" dirty="0"/>
+              <a:t>Dal dataset precedentemente fornito (contenente i dettagli, l’URL, ) è stata aggiunta una lista di video correlati. </a:t>
+            </a:r>
+          </a:p>
+          <a:p>
+            <a:pPr marL="0" indent="0">
+              <a:buNone/>
+            </a:pPr>
+            <a:r>
+              <a:rPr lang="it-IT" dirty="0"/>
+              <a:t>Ogni elemento di questa lista è un oggetto che rappresenta tutte le caratteristiche del video consigliato come </a:t>
+            </a:r>
+            <a:r>
+              <a:rPr lang="it-IT" dirty="0" err="1"/>
+              <a:t>watch</a:t>
+            </a:r>
+            <a:r>
+              <a:rPr lang="it-IT" dirty="0"/>
+              <a:t> next.</a:t>
+            </a:r>
+          </a:p>
+          <a:p>
+            <a:pPr marL="0" indent="0">
+              <a:buNone/>
+            </a:pPr>
+            <a:r>
+              <a:rPr lang="it-IT" dirty="0"/>
+              <a:t>Questo è stato fatto per poter utilizzare in modo più facile e immediato i video consigliati.</a:t>
+            </a:r>
           </a:p>
         </p:txBody>
       </p:sp>
@@ -14909,6 +15092,523 @@
     <p:extLst>
       <p:ext uri="{BB962C8B-B14F-4D97-AF65-F5344CB8AC3E}">
         <p14:creationId xmlns:p14="http://schemas.microsoft.com/office/powerpoint/2010/main" val="235306207"/>
+      </p:ext>
+    </p:extLst>
+  </p:cSld>
+  <p:clrMapOvr>
+    <a:masterClrMapping/>
+  </p:clrMapOvr>
+</p:sld>
+</file>
+
+<file path=ppt/slides/slide3.xml><?xml version="1.0" encoding="utf-8"?>
+<p:sld xmlns:a="http://schemas.openxmlformats.org/drawingml/2006/main" xmlns:r="http://schemas.openxmlformats.org/officeDocument/2006/relationships" xmlns:p="http://schemas.openxmlformats.org/presentationml/2006/main">
+  <p:cSld>
+    <p:spTree>
+      <p:nvGrpSpPr>
+        <p:cNvPr id="1" name=""/>
+        <p:cNvGrpSpPr/>
+        <p:nvPr/>
+      </p:nvGrpSpPr>
+      <p:grpSpPr>
+        <a:xfrm>
+          <a:off x="0" y="0"/>
+          <a:ext cx="0" cy="0"/>
+          <a:chOff x="0" y="0"/>
+          <a:chExt cx="0" cy="0"/>
+        </a:xfrm>
+      </p:grpSpPr>
+      <p:sp>
+        <p:nvSpPr>
+          <p:cNvPr id="2" name="Titolo 1">
+            <a:extLst>
+              <a:ext uri="{FF2B5EF4-FFF2-40B4-BE49-F238E27FC236}">
+                <a16:creationId xmlns:a16="http://schemas.microsoft.com/office/drawing/2014/main" id="{7B677879-E956-E8FA-CE9E-67529F1E0E68}"/>
+              </a:ext>
+            </a:extLst>
+          </p:cNvPr>
+          <p:cNvSpPr>
+            <a:spLocks noGrp="1"/>
+          </p:cNvSpPr>
+          <p:nvPr>
+            <p:ph type="title"/>
+          </p:nvPr>
+        </p:nvSpPr>
+        <p:spPr/>
+        <p:txBody>
+          <a:bodyPr/>
+          <a:lstStyle/>
+          <a:p>
+            <a:r>
+              <a:rPr lang="it-IT" dirty="0"/>
+              <a:t>JOB 1: WATCH NEXT - </a:t>
+            </a:r>
+            <a:r>
+              <a:rPr lang="it-IT" dirty="0">
+                <a:latin typeface="+mn-lt"/>
+              </a:rPr>
+              <a:t>Script</a:t>
+            </a:r>
+          </a:p>
+        </p:txBody>
+      </p:sp>
+      <p:sp>
+        <p:nvSpPr>
+          <p:cNvPr id="3" name="Segnaposto contenuto 2">
+            <a:extLst>
+              <a:ext uri="{FF2B5EF4-FFF2-40B4-BE49-F238E27FC236}">
+                <a16:creationId xmlns:a16="http://schemas.microsoft.com/office/drawing/2014/main" id="{9A680110-2338-D7AB-9914-A7437AAA50CF}"/>
+              </a:ext>
+            </a:extLst>
+          </p:cNvPr>
+          <p:cNvSpPr>
+            <a:spLocks noGrp="1"/>
+          </p:cNvSpPr>
+          <p:nvPr>
+            <p:ph idx="1"/>
+          </p:nvPr>
+        </p:nvSpPr>
+        <p:spPr/>
+        <p:txBody>
+          <a:bodyPr/>
+          <a:lstStyle/>
+          <a:p>
+            <a:endParaRPr lang="it-IT" dirty="0"/>
+          </a:p>
+        </p:txBody>
+      </p:sp>
+    </p:spTree>
+    <p:extLst>
+      <p:ext uri="{BB962C8B-B14F-4D97-AF65-F5344CB8AC3E}">
+        <p14:creationId xmlns:p14="http://schemas.microsoft.com/office/powerpoint/2010/main" val="428157161"/>
+      </p:ext>
+    </p:extLst>
+  </p:cSld>
+  <p:clrMapOvr>
+    <a:masterClrMapping/>
+  </p:clrMapOvr>
+</p:sld>
+</file>
+
+<file path=ppt/slides/slide4.xml><?xml version="1.0" encoding="utf-8"?>
+<p:sld xmlns:a="http://schemas.openxmlformats.org/drawingml/2006/main" xmlns:r="http://schemas.openxmlformats.org/officeDocument/2006/relationships" xmlns:p="http://schemas.openxmlformats.org/presentationml/2006/main">
+  <p:cSld>
+    <p:spTree>
+      <p:nvGrpSpPr>
+        <p:cNvPr id="1" name=""/>
+        <p:cNvGrpSpPr/>
+        <p:nvPr/>
+      </p:nvGrpSpPr>
+      <p:grpSpPr>
+        <a:xfrm>
+          <a:off x="0" y="0"/>
+          <a:ext cx="0" cy="0"/>
+          <a:chOff x="0" y="0"/>
+          <a:chExt cx="0" cy="0"/>
+        </a:xfrm>
+      </p:grpSpPr>
+      <p:sp>
+        <p:nvSpPr>
+          <p:cNvPr id="2" name="Titolo 1">
+            <a:extLst>
+              <a:ext uri="{FF2B5EF4-FFF2-40B4-BE49-F238E27FC236}">
+                <a16:creationId xmlns:a16="http://schemas.microsoft.com/office/drawing/2014/main" id="{F71B00BF-BE13-2071-FB87-2D032F6A77E6}"/>
+              </a:ext>
+            </a:extLst>
+          </p:cNvPr>
+          <p:cNvSpPr>
+            <a:spLocks noGrp="1"/>
+          </p:cNvSpPr>
+          <p:nvPr>
+            <p:ph type="title"/>
+          </p:nvPr>
+        </p:nvSpPr>
+        <p:spPr/>
+        <p:txBody>
+          <a:bodyPr/>
+          <a:lstStyle/>
+          <a:p>
+            <a:r>
+              <a:rPr lang="it-IT" dirty="0"/>
+              <a:t>JOB 1: WATCH NEXT – </a:t>
+            </a:r>
+            <a:r>
+              <a:rPr lang="it-IT" dirty="0">
+                <a:latin typeface="+mn-lt"/>
+              </a:rPr>
+              <a:t>RISULTATI MONGODB</a:t>
+            </a:r>
+            <a:endParaRPr lang="it-IT" dirty="0"/>
+          </a:p>
+        </p:txBody>
+      </p:sp>
+      <p:sp>
+        <p:nvSpPr>
+          <p:cNvPr id="3" name="Segnaposto contenuto 2">
+            <a:extLst>
+              <a:ext uri="{FF2B5EF4-FFF2-40B4-BE49-F238E27FC236}">
+                <a16:creationId xmlns:a16="http://schemas.microsoft.com/office/drawing/2014/main" id="{22361D91-3047-0A8F-4F5B-A6BC83CCC621}"/>
+              </a:ext>
+            </a:extLst>
+          </p:cNvPr>
+          <p:cNvSpPr>
+            <a:spLocks noGrp="1"/>
+          </p:cNvSpPr>
+          <p:nvPr>
+            <p:ph idx="1"/>
+          </p:nvPr>
+        </p:nvSpPr>
+        <p:spPr/>
+        <p:txBody>
+          <a:bodyPr/>
+          <a:lstStyle/>
+          <a:p>
+            <a:endParaRPr lang="it-IT"/>
+          </a:p>
+        </p:txBody>
+      </p:sp>
+    </p:spTree>
+    <p:extLst>
+      <p:ext uri="{BB962C8B-B14F-4D97-AF65-F5344CB8AC3E}">
+        <p14:creationId xmlns:p14="http://schemas.microsoft.com/office/powerpoint/2010/main" val="1319968381"/>
+      </p:ext>
+    </p:extLst>
+  </p:cSld>
+  <p:clrMapOvr>
+    <a:masterClrMapping/>
+  </p:clrMapOvr>
+</p:sld>
+</file>
+
+<file path=ppt/slides/slide5.xml><?xml version="1.0" encoding="utf-8"?>
+<p:sld xmlns:a="http://schemas.openxmlformats.org/drawingml/2006/main" xmlns:r="http://schemas.openxmlformats.org/officeDocument/2006/relationships" xmlns:p="http://schemas.openxmlformats.org/presentationml/2006/main">
+  <p:cSld>
+    <p:spTree>
+      <p:nvGrpSpPr>
+        <p:cNvPr id="1" name=""/>
+        <p:cNvGrpSpPr/>
+        <p:nvPr/>
+      </p:nvGrpSpPr>
+      <p:grpSpPr>
+        <a:xfrm>
+          <a:off x="0" y="0"/>
+          <a:ext cx="0" cy="0"/>
+          <a:chOff x="0" y="0"/>
+          <a:chExt cx="0" cy="0"/>
+        </a:xfrm>
+      </p:grpSpPr>
+      <p:sp>
+        <p:nvSpPr>
+          <p:cNvPr id="2" name="Titolo 1">
+            <a:extLst>
+              <a:ext uri="{FF2B5EF4-FFF2-40B4-BE49-F238E27FC236}">
+                <a16:creationId xmlns:a16="http://schemas.microsoft.com/office/drawing/2014/main" id="{A8A61F1F-97DE-763F-7743-901A71FDC74A}"/>
+              </a:ext>
+            </a:extLst>
+          </p:cNvPr>
+          <p:cNvSpPr>
+            <a:spLocks noGrp="1"/>
+          </p:cNvSpPr>
+          <p:nvPr>
+            <p:ph type="title"/>
+          </p:nvPr>
+        </p:nvSpPr>
+        <p:spPr/>
+        <p:txBody>
+          <a:bodyPr/>
+          <a:lstStyle/>
+          <a:p>
+            <a:r>
+              <a:rPr lang="it-IT" dirty="0"/>
+              <a:t>JOB 2: VIDEO BY TAG </a:t>
+            </a:r>
+          </a:p>
+        </p:txBody>
+      </p:sp>
+      <p:sp>
+        <p:nvSpPr>
+          <p:cNvPr id="3" name="Segnaposto contenuto 2">
+            <a:extLst>
+              <a:ext uri="{FF2B5EF4-FFF2-40B4-BE49-F238E27FC236}">
+                <a16:creationId xmlns:a16="http://schemas.microsoft.com/office/drawing/2014/main" id="{BD725893-AB40-BDCF-E470-F2767653E72B}"/>
+              </a:ext>
+            </a:extLst>
+          </p:cNvPr>
+          <p:cNvSpPr>
+            <a:spLocks noGrp="1"/>
+          </p:cNvSpPr>
+          <p:nvPr>
+            <p:ph idx="1"/>
+          </p:nvPr>
+        </p:nvSpPr>
+        <p:spPr/>
+        <p:txBody>
+          <a:bodyPr/>
+          <a:lstStyle/>
+          <a:p>
+            <a:pPr marL="0" indent="0">
+              <a:buNone/>
+            </a:pPr>
+            <a:r>
+              <a:rPr lang="it-IT" dirty="0"/>
+              <a:t>Il secondo job realizzato ha lo scopo di raggruppare i video in base al loro tag di appartenenza, azione necessaria per implementare la divisione dei video in categorie all’interno dell’applicazione.</a:t>
+            </a:r>
+          </a:p>
+        </p:txBody>
+      </p:sp>
+    </p:spTree>
+    <p:extLst>
+      <p:ext uri="{BB962C8B-B14F-4D97-AF65-F5344CB8AC3E}">
+        <p14:creationId xmlns:p14="http://schemas.microsoft.com/office/powerpoint/2010/main" val="1702770151"/>
+      </p:ext>
+    </p:extLst>
+  </p:cSld>
+  <p:clrMapOvr>
+    <a:masterClrMapping/>
+  </p:clrMapOvr>
+</p:sld>
+</file>
+
+<file path=ppt/slides/slide6.xml><?xml version="1.0" encoding="utf-8"?>
+<p:sld xmlns:a="http://schemas.openxmlformats.org/drawingml/2006/main" xmlns:r="http://schemas.openxmlformats.org/officeDocument/2006/relationships" xmlns:p="http://schemas.openxmlformats.org/presentationml/2006/main">
+  <p:cSld>
+    <p:spTree>
+      <p:nvGrpSpPr>
+        <p:cNvPr id="1" name=""/>
+        <p:cNvGrpSpPr/>
+        <p:nvPr/>
+      </p:nvGrpSpPr>
+      <p:grpSpPr>
+        <a:xfrm>
+          <a:off x="0" y="0"/>
+          <a:ext cx="0" cy="0"/>
+          <a:chOff x="0" y="0"/>
+          <a:chExt cx="0" cy="0"/>
+        </a:xfrm>
+      </p:grpSpPr>
+      <p:sp>
+        <p:nvSpPr>
+          <p:cNvPr id="2" name="Titolo 1">
+            <a:extLst>
+              <a:ext uri="{FF2B5EF4-FFF2-40B4-BE49-F238E27FC236}">
+                <a16:creationId xmlns:a16="http://schemas.microsoft.com/office/drawing/2014/main" id="{CE4858FB-F8B7-F921-D22A-2DDD9C9BC4EE}"/>
+              </a:ext>
+            </a:extLst>
+          </p:cNvPr>
+          <p:cNvSpPr>
+            <a:spLocks noGrp="1"/>
+          </p:cNvSpPr>
+          <p:nvPr>
+            <p:ph type="title"/>
+          </p:nvPr>
+        </p:nvSpPr>
+        <p:spPr/>
+        <p:txBody>
+          <a:bodyPr/>
+          <a:lstStyle/>
+          <a:p>
+            <a:r>
+              <a:rPr lang="it-IT" dirty="0"/>
+              <a:t>JOB 2: VIDEO BY TAG - SCRIPT</a:t>
+            </a:r>
+          </a:p>
+        </p:txBody>
+      </p:sp>
+      <p:sp>
+        <p:nvSpPr>
+          <p:cNvPr id="3" name="Segnaposto contenuto 2">
+            <a:extLst>
+              <a:ext uri="{FF2B5EF4-FFF2-40B4-BE49-F238E27FC236}">
+                <a16:creationId xmlns:a16="http://schemas.microsoft.com/office/drawing/2014/main" id="{530C7F54-F839-0541-34F4-B838BCCAFAF3}"/>
+              </a:ext>
+            </a:extLst>
+          </p:cNvPr>
+          <p:cNvSpPr>
+            <a:spLocks noGrp="1"/>
+          </p:cNvSpPr>
+          <p:nvPr>
+            <p:ph idx="1"/>
+          </p:nvPr>
+        </p:nvSpPr>
+        <p:spPr/>
+        <p:txBody>
+          <a:bodyPr/>
+          <a:lstStyle/>
+          <a:p>
+            <a:endParaRPr lang="it-IT"/>
+          </a:p>
+        </p:txBody>
+      </p:sp>
+    </p:spTree>
+    <p:extLst>
+      <p:ext uri="{BB962C8B-B14F-4D97-AF65-F5344CB8AC3E}">
+        <p14:creationId xmlns:p14="http://schemas.microsoft.com/office/powerpoint/2010/main" val="3387681182"/>
+      </p:ext>
+    </p:extLst>
+  </p:cSld>
+  <p:clrMapOvr>
+    <a:masterClrMapping/>
+  </p:clrMapOvr>
+</p:sld>
+</file>
+
+<file path=ppt/slides/slide7.xml><?xml version="1.0" encoding="utf-8"?>
+<p:sld xmlns:a="http://schemas.openxmlformats.org/drawingml/2006/main" xmlns:r="http://schemas.openxmlformats.org/officeDocument/2006/relationships" xmlns:p="http://schemas.openxmlformats.org/presentationml/2006/main">
+  <p:cSld>
+    <p:spTree>
+      <p:nvGrpSpPr>
+        <p:cNvPr id="1" name=""/>
+        <p:cNvGrpSpPr/>
+        <p:nvPr/>
+      </p:nvGrpSpPr>
+      <p:grpSpPr>
+        <a:xfrm>
+          <a:off x="0" y="0"/>
+          <a:ext cx="0" cy="0"/>
+          <a:chOff x="0" y="0"/>
+          <a:chExt cx="0" cy="0"/>
+        </a:xfrm>
+      </p:grpSpPr>
+      <p:sp>
+        <p:nvSpPr>
+          <p:cNvPr id="2" name="Titolo 1">
+            <a:extLst>
+              <a:ext uri="{FF2B5EF4-FFF2-40B4-BE49-F238E27FC236}">
+                <a16:creationId xmlns:a16="http://schemas.microsoft.com/office/drawing/2014/main" id="{C77F9FF6-FF05-7B4D-3E6B-79C1E74A6029}"/>
+              </a:ext>
+            </a:extLst>
+          </p:cNvPr>
+          <p:cNvSpPr>
+            <a:spLocks noGrp="1"/>
+          </p:cNvSpPr>
+          <p:nvPr>
+            <p:ph type="title"/>
+          </p:nvPr>
+        </p:nvSpPr>
+        <p:spPr/>
+        <p:txBody>
+          <a:bodyPr/>
+          <a:lstStyle/>
+          <a:p>
+            <a:r>
+              <a:rPr lang="it-IT" dirty="0"/>
+              <a:t>JOB 2: VIDEO BY TAG – RISULTATI MONGODB</a:t>
+            </a:r>
+          </a:p>
+        </p:txBody>
+      </p:sp>
+      <p:sp>
+        <p:nvSpPr>
+          <p:cNvPr id="3" name="Segnaposto contenuto 2">
+            <a:extLst>
+              <a:ext uri="{FF2B5EF4-FFF2-40B4-BE49-F238E27FC236}">
+                <a16:creationId xmlns:a16="http://schemas.microsoft.com/office/drawing/2014/main" id="{107333EE-E2D1-4300-9E95-79B216E92413}"/>
+              </a:ext>
+            </a:extLst>
+          </p:cNvPr>
+          <p:cNvSpPr>
+            <a:spLocks noGrp="1"/>
+          </p:cNvSpPr>
+          <p:nvPr>
+            <p:ph idx="1"/>
+          </p:nvPr>
+        </p:nvSpPr>
+        <p:spPr/>
+        <p:txBody>
+          <a:bodyPr/>
+          <a:lstStyle/>
+          <a:p>
+            <a:endParaRPr lang="it-IT"/>
+          </a:p>
+        </p:txBody>
+      </p:sp>
+    </p:spTree>
+    <p:extLst>
+      <p:ext uri="{BB962C8B-B14F-4D97-AF65-F5344CB8AC3E}">
+        <p14:creationId xmlns:p14="http://schemas.microsoft.com/office/powerpoint/2010/main" val="1529259052"/>
+      </p:ext>
+    </p:extLst>
+  </p:cSld>
+  <p:clrMapOvr>
+    <a:masterClrMapping/>
+  </p:clrMapOvr>
+</p:sld>
+</file>
+
+<file path=ppt/slides/slide8.xml><?xml version="1.0" encoding="utf-8"?>
+<p:sld xmlns:a="http://schemas.openxmlformats.org/drawingml/2006/main" xmlns:r="http://schemas.openxmlformats.org/officeDocument/2006/relationships" xmlns:p="http://schemas.openxmlformats.org/presentationml/2006/main">
+  <p:cSld>
+    <p:spTree>
+      <p:nvGrpSpPr>
+        <p:cNvPr id="1" name=""/>
+        <p:cNvGrpSpPr/>
+        <p:nvPr/>
+      </p:nvGrpSpPr>
+      <p:grpSpPr>
+        <a:xfrm>
+          <a:off x="0" y="0"/>
+          <a:ext cx="0" cy="0"/>
+          <a:chOff x="0" y="0"/>
+          <a:chExt cx="0" cy="0"/>
+        </a:xfrm>
+      </p:grpSpPr>
+      <p:sp>
+        <p:nvSpPr>
+          <p:cNvPr id="2" name="Titolo 1">
+            <a:extLst>
+              <a:ext uri="{FF2B5EF4-FFF2-40B4-BE49-F238E27FC236}">
+                <a16:creationId xmlns:a16="http://schemas.microsoft.com/office/drawing/2014/main" id="{1E4B3A5D-5CC1-F2FB-9192-C7AF4FCA52B2}"/>
+              </a:ext>
+            </a:extLst>
+          </p:cNvPr>
+          <p:cNvSpPr>
+            <a:spLocks noGrp="1"/>
+          </p:cNvSpPr>
+          <p:nvPr>
+            <p:ph type="title"/>
+          </p:nvPr>
+        </p:nvSpPr>
+        <p:spPr/>
+        <p:txBody>
+          <a:bodyPr/>
+          <a:lstStyle/>
+          <a:p>
+            <a:r>
+              <a:rPr lang="it-IT" dirty="0"/>
+              <a:t>Criticità E POSSIBILI EVOLUZIONI</a:t>
+            </a:r>
+          </a:p>
+        </p:txBody>
+      </p:sp>
+      <p:sp>
+        <p:nvSpPr>
+          <p:cNvPr id="3" name="Segnaposto contenuto 2">
+            <a:extLst>
+              <a:ext uri="{FF2B5EF4-FFF2-40B4-BE49-F238E27FC236}">
+                <a16:creationId xmlns:a16="http://schemas.microsoft.com/office/drawing/2014/main" id="{65B2670C-9F19-7641-AE2D-1063E5A94CAB}"/>
+              </a:ext>
+            </a:extLst>
+          </p:cNvPr>
+          <p:cNvSpPr>
+            <a:spLocks noGrp="1"/>
+          </p:cNvSpPr>
+          <p:nvPr>
+            <p:ph idx="1"/>
+          </p:nvPr>
+        </p:nvSpPr>
+        <p:spPr/>
+        <p:txBody>
+          <a:bodyPr/>
+          <a:lstStyle/>
+          <a:p>
+            <a:endParaRPr lang="it-IT" dirty="0"/>
+          </a:p>
+        </p:txBody>
+      </p:sp>
+    </p:spTree>
+    <p:extLst>
+      <p:ext uri="{BB962C8B-B14F-4D97-AF65-F5344CB8AC3E}">
+        <p14:creationId xmlns:p14="http://schemas.microsoft.com/office/powerpoint/2010/main" val="2738979331"/>
       </p:ext>
     </p:extLst>
   </p:cSld>

--- a/Presentazioni/TEDxLearn_part2.pptx
+++ b/Presentazioni/TEDxLearn_part2.pptx
@@ -12,7 +12,8 @@
     <p:sldId id="258" r:id="rId6"/>
     <p:sldId id="261" r:id="rId7"/>
     <p:sldId id="263" r:id="rId8"/>
-    <p:sldId id="259" r:id="rId9"/>
+    <p:sldId id="266" r:id="rId9"/>
+    <p:sldId id="259" r:id="rId10"/>
   </p:sldIdLst>
   <p:sldSz cx="12192000" cy="6858000"/>
   <p:notesSz cx="6858000" cy="9144000"/>
@@ -311,7 +312,7 @@
           <a:noFill/>
           <a:extLst>
             <a:ext uri="{909E8E84-426E-40dd-AFC4-6F175D3DCCD1}">
-              <a14:hiddenFill xmlns:a14="http://schemas.microsoft.com/office/drawing/2010/main" xmlns="">
+              <a14:hiddenFill xmlns="" xmlns:a14="http://schemas.microsoft.com/office/drawing/2010/main">
                 <a:solidFill>
                   <a:srgbClr val="FFFFFF"/>
                 </a:solidFill>
@@ -370,7 +371,7 @@
             </a:ln>
             <a:extLst>
               <a:ext uri="{91240B29-F687-4f45-9708-019B960494DF}">
-                <a14:hiddenLine xmlns:a14="http://schemas.microsoft.com/office/drawing/2010/main" xmlns="" w="9525">
+                <a14:hiddenLine xmlns="" xmlns:a14="http://schemas.microsoft.com/office/drawing/2010/main" w="9525">
                   <a:solidFill>
                     <a:srgbClr val="000000"/>
                   </a:solidFill>
@@ -460,7 +461,7 @@
             </a:ln>
             <a:extLst>
               <a:ext uri="{91240B29-F687-4f45-9708-019B960494DF}">
-                <a14:hiddenLine xmlns:a14="http://schemas.microsoft.com/office/drawing/2010/main" xmlns="" w="9525">
+                <a14:hiddenLine xmlns="" xmlns:a14="http://schemas.microsoft.com/office/drawing/2010/main" w="9525">
                   <a:solidFill>
                     <a:srgbClr val="000000"/>
                   </a:solidFill>
@@ -550,7 +551,7 @@
             </a:ln>
             <a:extLst>
               <a:ext uri="{91240B29-F687-4f45-9708-019B960494DF}">
-                <a14:hiddenLine xmlns:a14="http://schemas.microsoft.com/office/drawing/2010/main" xmlns="" w="9525">
+                <a14:hiddenLine xmlns="" xmlns:a14="http://schemas.microsoft.com/office/drawing/2010/main" w="9525">
                   <a:solidFill>
                     <a:srgbClr val="000000"/>
                   </a:solidFill>
@@ -584,7 +585,7 @@
             </a:ln>
             <a:extLst>
               <a:ext uri="{91240B29-F687-4f45-9708-019B960494DF}">
-                <a14:hiddenLine xmlns:a14="http://schemas.microsoft.com/office/drawing/2010/main" xmlns="" w="9525">
+                <a14:hiddenLine xmlns="" xmlns:a14="http://schemas.microsoft.com/office/drawing/2010/main" w="9525">
                   <a:solidFill>
                     <a:srgbClr val="000000"/>
                   </a:solidFill>
@@ -674,7 +675,7 @@
             </a:ln>
             <a:extLst>
               <a:ext uri="{91240B29-F687-4f45-9708-019B960494DF}">
-                <a14:hiddenLine xmlns:a14="http://schemas.microsoft.com/office/drawing/2010/main" xmlns="" w="9525">
+                <a14:hiddenLine xmlns="" xmlns:a14="http://schemas.microsoft.com/office/drawing/2010/main" w="9525">
                   <a:solidFill>
                     <a:srgbClr val="000000"/>
                   </a:solidFill>
@@ -736,7 +737,7 @@
             </a:ln>
             <a:extLst>
               <a:ext uri="{91240B29-F687-4f45-9708-019B960494DF}">
-                <a14:hiddenLine xmlns:a14="http://schemas.microsoft.com/office/drawing/2010/main" xmlns="" w="9525">
+                <a14:hiddenLine xmlns="" xmlns:a14="http://schemas.microsoft.com/office/drawing/2010/main" w="9525">
                   <a:solidFill>
                     <a:srgbClr val="000000"/>
                   </a:solidFill>
@@ -798,7 +799,7 @@
             </a:ln>
             <a:extLst>
               <a:ext uri="{91240B29-F687-4f45-9708-019B960494DF}">
-                <a14:hiddenLine xmlns:a14="http://schemas.microsoft.com/office/drawing/2010/main" xmlns="" w="9525">
+                <a14:hiddenLine xmlns="" xmlns:a14="http://schemas.microsoft.com/office/drawing/2010/main" w="9525">
                   <a:solidFill>
                     <a:srgbClr val="000000"/>
                   </a:solidFill>
@@ -888,7 +889,7 @@
             </a:ln>
             <a:extLst>
               <a:ext uri="{91240B29-F687-4f45-9708-019B960494DF}">
-                <a14:hiddenLine xmlns:a14="http://schemas.microsoft.com/office/drawing/2010/main" xmlns="" w="9525">
+                <a14:hiddenLine xmlns="" xmlns:a14="http://schemas.microsoft.com/office/drawing/2010/main" w="9525">
                   <a:solidFill>
                     <a:srgbClr val="000000"/>
                   </a:solidFill>
@@ -950,7 +951,7 @@
             </a:ln>
             <a:extLst>
               <a:ext uri="{91240B29-F687-4f45-9708-019B960494DF}">
-                <a14:hiddenLine xmlns:a14="http://schemas.microsoft.com/office/drawing/2010/main" xmlns="" w="9525">
+                <a14:hiddenLine xmlns="" xmlns:a14="http://schemas.microsoft.com/office/drawing/2010/main" w="9525">
                   <a:solidFill>
                     <a:srgbClr val="000000"/>
                   </a:solidFill>
@@ -1012,7 +1013,7 @@
             </a:ln>
             <a:extLst>
               <a:ext uri="{91240B29-F687-4f45-9708-019B960494DF}">
-                <a14:hiddenLine xmlns:a14="http://schemas.microsoft.com/office/drawing/2010/main" xmlns="" w="9525">
+                <a14:hiddenLine xmlns="" xmlns:a14="http://schemas.microsoft.com/office/drawing/2010/main" w="9525">
                   <a:solidFill>
                     <a:srgbClr val="000000"/>
                   </a:solidFill>
@@ -1102,7 +1103,7 @@
             </a:ln>
             <a:extLst>
               <a:ext uri="{91240B29-F687-4f45-9708-019B960494DF}">
-                <a14:hiddenLine xmlns:a14="http://schemas.microsoft.com/office/drawing/2010/main" xmlns="" w="9525">
+                <a14:hiddenLine xmlns="" xmlns:a14="http://schemas.microsoft.com/office/drawing/2010/main" w="9525">
                   <a:solidFill>
                     <a:srgbClr val="000000"/>
                   </a:solidFill>
@@ -1192,7 +1193,7 @@
             </a:ln>
             <a:extLst>
               <a:ext uri="{91240B29-F687-4f45-9708-019B960494DF}">
-                <a14:hiddenLine xmlns:a14="http://schemas.microsoft.com/office/drawing/2010/main" xmlns="" w="9525">
+                <a14:hiddenLine xmlns="" xmlns:a14="http://schemas.microsoft.com/office/drawing/2010/main" w="9525">
                   <a:solidFill>
                     <a:srgbClr val="000000"/>
                   </a:solidFill>
@@ -1254,7 +1255,7 @@
             </a:ln>
             <a:extLst>
               <a:ext uri="{91240B29-F687-4f45-9708-019B960494DF}">
-                <a14:hiddenLine xmlns:a14="http://schemas.microsoft.com/office/drawing/2010/main" xmlns="" w="9525">
+                <a14:hiddenLine xmlns="" xmlns:a14="http://schemas.microsoft.com/office/drawing/2010/main" w="9525">
                   <a:solidFill>
                     <a:srgbClr val="000000"/>
                   </a:solidFill>
@@ -1364,7 +1365,7 @@
             </a:ln>
             <a:extLst>
               <a:ext uri="{91240B29-F687-4f45-9708-019B960494DF}">
-                <a14:hiddenLine xmlns:a14="http://schemas.microsoft.com/office/drawing/2010/main" xmlns="" w="9525">
+                <a14:hiddenLine xmlns="" xmlns:a14="http://schemas.microsoft.com/office/drawing/2010/main" w="9525">
                   <a:solidFill>
                     <a:srgbClr val="000000"/>
                   </a:solidFill>
@@ -1426,7 +1427,7 @@
             </a:ln>
             <a:extLst>
               <a:ext uri="{91240B29-F687-4f45-9708-019B960494DF}">
-                <a14:hiddenLine xmlns:a14="http://schemas.microsoft.com/office/drawing/2010/main" xmlns="" w="9525">
+                <a14:hiddenLine xmlns="" xmlns:a14="http://schemas.microsoft.com/office/drawing/2010/main" w="9525">
                   <a:solidFill>
                     <a:srgbClr val="000000"/>
                   </a:solidFill>
@@ -1516,7 +1517,7 @@
             </a:ln>
             <a:extLst>
               <a:ext uri="{91240B29-F687-4f45-9708-019B960494DF}">
-                <a14:hiddenLine xmlns:a14="http://schemas.microsoft.com/office/drawing/2010/main" xmlns="" w="9525">
+                <a14:hiddenLine xmlns="" xmlns:a14="http://schemas.microsoft.com/office/drawing/2010/main" w="9525">
                   <a:solidFill>
                     <a:srgbClr val="000000"/>
                   </a:solidFill>
@@ -1606,7 +1607,7 @@
             </a:ln>
             <a:extLst>
               <a:ext uri="{91240B29-F687-4f45-9708-019B960494DF}">
-                <a14:hiddenLine xmlns:a14="http://schemas.microsoft.com/office/drawing/2010/main" xmlns="" w="9525">
+                <a14:hiddenLine xmlns="" xmlns:a14="http://schemas.microsoft.com/office/drawing/2010/main" w="9525">
                   <a:solidFill>
                     <a:srgbClr val="000000"/>
                   </a:solidFill>
@@ -1668,7 +1669,7 @@
             </a:ln>
             <a:extLst>
               <a:ext uri="{91240B29-F687-4f45-9708-019B960494DF}">
-                <a14:hiddenLine xmlns:a14="http://schemas.microsoft.com/office/drawing/2010/main" xmlns="" w="9525">
+                <a14:hiddenLine xmlns="" xmlns:a14="http://schemas.microsoft.com/office/drawing/2010/main" w="9525">
                   <a:solidFill>
                     <a:srgbClr val="000000"/>
                   </a:solidFill>
@@ -1758,7 +1759,7 @@
             </a:ln>
             <a:extLst>
               <a:ext uri="{91240B29-F687-4f45-9708-019B960494DF}">
-                <a14:hiddenLine xmlns:a14="http://schemas.microsoft.com/office/drawing/2010/main" xmlns="" w="9525">
+                <a14:hiddenLine xmlns="" xmlns:a14="http://schemas.microsoft.com/office/drawing/2010/main" w="9525">
                   <a:solidFill>
                     <a:srgbClr val="000000"/>
                   </a:solidFill>
@@ -1848,7 +1849,7 @@
             </a:ln>
             <a:extLst>
               <a:ext uri="{91240B29-F687-4f45-9708-019B960494DF}">
-                <a14:hiddenLine xmlns:a14="http://schemas.microsoft.com/office/drawing/2010/main" xmlns="" w="9525">
+                <a14:hiddenLine xmlns="" xmlns:a14="http://schemas.microsoft.com/office/drawing/2010/main" w="9525">
                   <a:solidFill>
                     <a:srgbClr val="000000"/>
                   </a:solidFill>
@@ -1904,7 +1905,7 @@
             </a:ln>
             <a:extLst>
               <a:ext uri="{91240B29-F687-4f45-9708-019B960494DF}">
-                <a14:hiddenLine xmlns:a14="http://schemas.microsoft.com/office/drawing/2010/main" xmlns="" w="9525">
+                <a14:hiddenLine xmlns="" xmlns:a14="http://schemas.microsoft.com/office/drawing/2010/main" w="9525">
                   <a:solidFill>
                     <a:srgbClr val="000000"/>
                   </a:solidFill>
@@ -1994,7 +1995,7 @@
             </a:ln>
             <a:extLst>
               <a:ext uri="{91240B29-F687-4f45-9708-019B960494DF}">
-                <a14:hiddenLine xmlns:a14="http://schemas.microsoft.com/office/drawing/2010/main" xmlns="" w="9525">
+                <a14:hiddenLine xmlns="" xmlns:a14="http://schemas.microsoft.com/office/drawing/2010/main" w="9525">
                   <a:solidFill>
                     <a:srgbClr val="000000"/>
                   </a:solidFill>
@@ -2050,7 +2051,7 @@
             </a:ln>
             <a:extLst>
               <a:ext uri="{91240B29-F687-4f45-9708-019B960494DF}">
-                <a14:hiddenLine xmlns:a14="http://schemas.microsoft.com/office/drawing/2010/main" xmlns="" w="9525">
+                <a14:hiddenLine xmlns="" xmlns:a14="http://schemas.microsoft.com/office/drawing/2010/main" w="9525">
                   <a:solidFill>
                     <a:srgbClr val="000000"/>
                   </a:solidFill>
@@ -2140,7 +2141,7 @@
             </a:ln>
             <a:extLst>
               <a:ext uri="{91240B29-F687-4f45-9708-019B960494DF}">
-                <a14:hiddenLine xmlns:a14="http://schemas.microsoft.com/office/drawing/2010/main" xmlns="" w="9525">
+                <a14:hiddenLine xmlns="" xmlns:a14="http://schemas.microsoft.com/office/drawing/2010/main" w="9525">
                   <a:solidFill>
                     <a:srgbClr val="000000"/>
                   </a:solidFill>
@@ -2208,7 +2209,7 @@
             </a:ln>
             <a:extLst>
               <a:ext uri="{91240B29-F687-4f45-9708-019B960494DF}">
-                <a14:hiddenLine xmlns:a14="http://schemas.microsoft.com/office/drawing/2010/main" xmlns="" w="9525">
+                <a14:hiddenLine xmlns="" xmlns:a14="http://schemas.microsoft.com/office/drawing/2010/main" w="9525">
                   <a:solidFill>
                     <a:srgbClr val="000000"/>
                   </a:solidFill>
@@ -2298,7 +2299,7 @@
             </a:ln>
             <a:extLst>
               <a:ext uri="{91240B29-F687-4f45-9708-019B960494DF}">
-                <a14:hiddenLine xmlns:a14="http://schemas.microsoft.com/office/drawing/2010/main" xmlns="" w="9525">
+                <a14:hiddenLine xmlns="" xmlns:a14="http://schemas.microsoft.com/office/drawing/2010/main" w="9525">
                   <a:solidFill>
                     <a:srgbClr val="000000"/>
                   </a:solidFill>
@@ -2366,7 +2367,7 @@
             </a:ln>
             <a:extLst>
               <a:ext uri="{91240B29-F687-4f45-9708-019B960494DF}">
-                <a14:hiddenLine xmlns:a14="http://schemas.microsoft.com/office/drawing/2010/main" xmlns="" w="9525">
+                <a14:hiddenLine xmlns="" xmlns:a14="http://schemas.microsoft.com/office/drawing/2010/main" w="9525">
                   <a:solidFill>
                     <a:srgbClr val="000000"/>
                   </a:solidFill>
@@ -2456,7 +2457,7 @@
             </a:ln>
             <a:extLst>
               <a:ext uri="{91240B29-F687-4f45-9708-019B960494DF}">
-                <a14:hiddenLine xmlns:a14="http://schemas.microsoft.com/office/drawing/2010/main" xmlns="" w="9525">
+                <a14:hiddenLine xmlns="" xmlns:a14="http://schemas.microsoft.com/office/drawing/2010/main" w="9525">
                   <a:solidFill>
                     <a:srgbClr val="000000"/>
                   </a:solidFill>
@@ -2490,7 +2491,7 @@
             </a:ln>
             <a:extLst>
               <a:ext uri="{91240B29-F687-4f45-9708-019B960494DF}">
-                <a14:hiddenLine xmlns:a14="http://schemas.microsoft.com/office/drawing/2010/main" xmlns="" w="9525">
+                <a14:hiddenLine xmlns="" xmlns:a14="http://schemas.microsoft.com/office/drawing/2010/main" w="9525">
                   <a:solidFill>
                     <a:srgbClr val="000000"/>
                   </a:solidFill>
@@ -2580,7 +2581,7 @@
             </a:ln>
             <a:extLst>
               <a:ext uri="{91240B29-F687-4f45-9708-019B960494DF}">
-                <a14:hiddenLine xmlns:a14="http://schemas.microsoft.com/office/drawing/2010/main" xmlns="" w="9525">
+                <a14:hiddenLine xmlns="" xmlns:a14="http://schemas.microsoft.com/office/drawing/2010/main" w="9525">
                   <a:solidFill>
                     <a:srgbClr val="000000"/>
                   </a:solidFill>
@@ -2642,7 +2643,7 @@
             </a:ln>
             <a:extLst>
               <a:ext uri="{91240B29-F687-4f45-9708-019B960494DF}">
-                <a14:hiddenLine xmlns:a14="http://schemas.microsoft.com/office/drawing/2010/main" xmlns="" w="9525">
+                <a14:hiddenLine xmlns="" xmlns:a14="http://schemas.microsoft.com/office/drawing/2010/main" w="9525">
                   <a:solidFill>
                     <a:srgbClr val="000000"/>
                   </a:solidFill>
@@ -2704,7 +2705,7 @@
             </a:ln>
             <a:extLst>
               <a:ext uri="{91240B29-F687-4f45-9708-019B960494DF}">
-                <a14:hiddenLine xmlns:a14="http://schemas.microsoft.com/office/drawing/2010/main" xmlns="" w="9525">
+                <a14:hiddenLine xmlns="" xmlns:a14="http://schemas.microsoft.com/office/drawing/2010/main" w="9525">
                   <a:solidFill>
                     <a:srgbClr val="000000"/>
                   </a:solidFill>
@@ -2794,7 +2795,7 @@
             </a:ln>
             <a:extLst>
               <a:ext uri="{91240B29-F687-4f45-9708-019B960494DF}">
-                <a14:hiddenLine xmlns:a14="http://schemas.microsoft.com/office/drawing/2010/main" xmlns="" w="9525">
+                <a14:hiddenLine xmlns="" xmlns:a14="http://schemas.microsoft.com/office/drawing/2010/main" w="9525">
                   <a:solidFill>
                     <a:srgbClr val="000000"/>
                   </a:solidFill>
@@ -2862,7 +2863,7 @@
             </a:ln>
             <a:extLst>
               <a:ext uri="{91240B29-F687-4f45-9708-019B960494DF}">
-                <a14:hiddenLine xmlns:a14="http://schemas.microsoft.com/office/drawing/2010/main" xmlns="" w="9525">
+                <a14:hiddenLine xmlns="" xmlns:a14="http://schemas.microsoft.com/office/drawing/2010/main" w="9525">
                   <a:solidFill>
                     <a:srgbClr val="000000"/>
                   </a:solidFill>
@@ -2924,7 +2925,7 @@
             </a:ln>
             <a:extLst>
               <a:ext uri="{91240B29-F687-4f45-9708-019B960494DF}">
-                <a14:hiddenLine xmlns:a14="http://schemas.microsoft.com/office/drawing/2010/main" xmlns="" w="9525">
+                <a14:hiddenLine xmlns="" xmlns:a14="http://schemas.microsoft.com/office/drawing/2010/main" w="9525">
                   <a:solidFill>
                     <a:srgbClr val="000000"/>
                   </a:solidFill>
@@ -3014,7 +3015,7 @@
             </a:ln>
             <a:extLst>
               <a:ext uri="{91240B29-F687-4f45-9708-019B960494DF}">
-                <a14:hiddenLine xmlns:a14="http://schemas.microsoft.com/office/drawing/2010/main" xmlns="" w="9525">
+                <a14:hiddenLine xmlns="" xmlns:a14="http://schemas.microsoft.com/office/drawing/2010/main" w="9525">
                   <a:solidFill>
                     <a:srgbClr val="000000"/>
                   </a:solidFill>
@@ -3076,7 +3077,7 @@
             </a:ln>
             <a:extLst>
               <a:ext uri="{91240B29-F687-4f45-9708-019B960494DF}">
-                <a14:hiddenLine xmlns:a14="http://schemas.microsoft.com/office/drawing/2010/main" xmlns="" w="9525">
+                <a14:hiddenLine xmlns="" xmlns:a14="http://schemas.microsoft.com/office/drawing/2010/main" w="9525">
                   <a:solidFill>
                     <a:srgbClr val="000000"/>
                   </a:solidFill>
@@ -3166,7 +3167,7 @@
             </a:ln>
             <a:extLst>
               <a:ext uri="{91240B29-F687-4f45-9708-019B960494DF}">
-                <a14:hiddenLine xmlns:a14="http://schemas.microsoft.com/office/drawing/2010/main" xmlns="" w="9525">
+                <a14:hiddenLine xmlns="" xmlns:a14="http://schemas.microsoft.com/office/drawing/2010/main" w="9525">
                   <a:solidFill>
                     <a:srgbClr val="000000"/>
                   </a:solidFill>
@@ -3228,7 +3229,7 @@
             </a:ln>
             <a:extLst>
               <a:ext uri="{91240B29-F687-4f45-9708-019B960494DF}">
-                <a14:hiddenLine xmlns:a14="http://schemas.microsoft.com/office/drawing/2010/main" xmlns="" w="9525">
+                <a14:hiddenLine xmlns="" xmlns:a14="http://schemas.microsoft.com/office/drawing/2010/main" w="9525">
                   <a:solidFill>
                     <a:srgbClr val="000000"/>
                   </a:solidFill>
@@ -3318,7 +3319,7 @@
             </a:ln>
             <a:extLst>
               <a:ext uri="{91240B29-F687-4f45-9708-019B960494DF}">
-                <a14:hiddenLine xmlns:a14="http://schemas.microsoft.com/office/drawing/2010/main" xmlns="" w="9525">
+                <a14:hiddenLine xmlns="" xmlns:a14="http://schemas.microsoft.com/office/drawing/2010/main" w="9525">
                   <a:solidFill>
                     <a:srgbClr val="000000"/>
                   </a:solidFill>
@@ -3352,7 +3353,7 @@
             </a:ln>
             <a:extLst>
               <a:ext uri="{91240B29-F687-4f45-9708-019B960494DF}">
-                <a14:hiddenLine xmlns:a14="http://schemas.microsoft.com/office/drawing/2010/main" xmlns="" w="9525">
+                <a14:hiddenLine xmlns="" xmlns:a14="http://schemas.microsoft.com/office/drawing/2010/main" w="9525">
                   <a:solidFill>
                     <a:srgbClr val="000000"/>
                   </a:solidFill>
@@ -3417,7 +3418,7 @@
             </a:ln>
             <a:extLst>
               <a:ext uri="{91240B29-F687-4f45-9708-019B960494DF}">
-                <a14:hiddenLine xmlns:a14="http://schemas.microsoft.com/office/drawing/2010/main" xmlns="" w="9525">
+                <a14:hiddenLine xmlns="" xmlns:a14="http://schemas.microsoft.com/office/drawing/2010/main" w="9525">
                   <a:solidFill>
                     <a:srgbClr val="000000"/>
                   </a:solidFill>
@@ -3507,7 +3508,7 @@
             </a:ln>
             <a:extLst>
               <a:ext uri="{91240B29-F687-4f45-9708-019B960494DF}">
-                <a14:hiddenLine xmlns:a14="http://schemas.microsoft.com/office/drawing/2010/main" xmlns="" w="9525">
+                <a14:hiddenLine xmlns="" xmlns:a14="http://schemas.microsoft.com/office/drawing/2010/main" w="9525">
                   <a:solidFill>
                     <a:srgbClr val="000000"/>
                   </a:solidFill>
@@ -3569,7 +3570,7 @@
             </a:ln>
             <a:extLst>
               <a:ext uri="{91240B29-F687-4f45-9708-019B960494DF}">
-                <a14:hiddenLine xmlns:a14="http://schemas.microsoft.com/office/drawing/2010/main" xmlns="" w="9525">
+                <a14:hiddenLine xmlns="" xmlns:a14="http://schemas.microsoft.com/office/drawing/2010/main" w="9525">
                   <a:solidFill>
                     <a:srgbClr val="000000"/>
                   </a:solidFill>
@@ -3659,7 +3660,7 @@
             </a:ln>
             <a:extLst>
               <a:ext uri="{91240B29-F687-4f45-9708-019B960494DF}">
-                <a14:hiddenLine xmlns:a14="http://schemas.microsoft.com/office/drawing/2010/main" xmlns="" w="9525">
+                <a14:hiddenLine xmlns="" xmlns:a14="http://schemas.microsoft.com/office/drawing/2010/main" w="9525">
                   <a:solidFill>
                     <a:srgbClr val="000000"/>
                   </a:solidFill>
@@ -3749,7 +3750,7 @@
             </a:ln>
             <a:extLst>
               <a:ext uri="{91240B29-F687-4f45-9708-019B960494DF}">
-                <a14:hiddenLine xmlns:a14="http://schemas.microsoft.com/office/drawing/2010/main" xmlns="" w="9525">
+                <a14:hiddenLine xmlns="" xmlns:a14="http://schemas.microsoft.com/office/drawing/2010/main" w="9525">
                   <a:solidFill>
                     <a:srgbClr val="000000"/>
                   </a:solidFill>
@@ -3814,7 +3815,7 @@
             </a:ln>
             <a:extLst>
               <a:ext uri="{91240B29-F687-4f45-9708-019B960494DF}">
-                <a14:hiddenLine xmlns:a14="http://schemas.microsoft.com/office/drawing/2010/main" xmlns="" w="9525">
+                <a14:hiddenLine xmlns="" xmlns:a14="http://schemas.microsoft.com/office/drawing/2010/main" w="9525">
                   <a:solidFill>
                     <a:srgbClr val="000000"/>
                   </a:solidFill>
@@ -3876,7 +3877,7 @@
             </a:ln>
             <a:extLst>
               <a:ext uri="{91240B29-F687-4f45-9708-019B960494DF}">
-                <a14:hiddenLine xmlns:a14="http://schemas.microsoft.com/office/drawing/2010/main" xmlns="" w="9525">
+                <a14:hiddenLine xmlns="" xmlns:a14="http://schemas.microsoft.com/office/drawing/2010/main" w="9525">
                   <a:solidFill>
                     <a:srgbClr val="000000"/>
                   </a:solidFill>
@@ -3966,7 +3967,7 @@
             </a:ln>
             <a:extLst>
               <a:ext uri="{91240B29-F687-4f45-9708-019B960494DF}">
-                <a14:hiddenLine xmlns:a14="http://schemas.microsoft.com/office/drawing/2010/main" xmlns="" w="9525">
+                <a14:hiddenLine xmlns="" xmlns:a14="http://schemas.microsoft.com/office/drawing/2010/main" w="9525">
                   <a:solidFill>
                     <a:srgbClr val="000000"/>
                   </a:solidFill>
@@ -4056,7 +4057,7 @@
             </a:ln>
             <a:extLst>
               <a:ext uri="{91240B29-F687-4f45-9708-019B960494DF}">
-                <a14:hiddenLine xmlns:a14="http://schemas.microsoft.com/office/drawing/2010/main" xmlns="" w="9525">
+                <a14:hiddenLine xmlns="" xmlns:a14="http://schemas.microsoft.com/office/drawing/2010/main" w="9525">
                   <a:solidFill>
                     <a:srgbClr val="000000"/>
                   </a:solidFill>
@@ -4118,7 +4119,7 @@
             </a:ln>
             <a:extLst>
               <a:ext uri="{91240B29-F687-4f45-9708-019B960494DF}">
-                <a14:hiddenLine xmlns:a14="http://schemas.microsoft.com/office/drawing/2010/main" xmlns="" w="9525">
+                <a14:hiddenLine xmlns="" xmlns:a14="http://schemas.microsoft.com/office/drawing/2010/main" w="9525">
                   <a:solidFill>
                     <a:srgbClr val="000000"/>
                   </a:solidFill>
@@ -4238,7 +4239,7 @@
             </a:ln>
             <a:extLst>
               <a:ext uri="{91240B29-F687-4f45-9708-019B960494DF}">
-                <a14:hiddenLine xmlns:a14="http://schemas.microsoft.com/office/drawing/2010/main" xmlns="" w="9525">
+                <a14:hiddenLine xmlns="" xmlns:a14="http://schemas.microsoft.com/office/drawing/2010/main" w="9525">
                   <a:solidFill>
                     <a:srgbClr val="000000"/>
                   </a:solidFill>
@@ -4306,7 +4307,7 @@
             </a:ln>
             <a:extLst>
               <a:ext uri="{91240B29-F687-4f45-9708-019B960494DF}">
-                <a14:hiddenLine xmlns:a14="http://schemas.microsoft.com/office/drawing/2010/main" xmlns="" w="9525">
+                <a14:hiddenLine xmlns="" xmlns:a14="http://schemas.microsoft.com/office/drawing/2010/main" w="9525">
                   <a:solidFill>
                     <a:srgbClr val="000000"/>
                   </a:solidFill>
@@ -4396,7 +4397,7 @@
             </a:ln>
             <a:extLst>
               <a:ext uri="{91240B29-F687-4f45-9708-019B960494DF}">
-                <a14:hiddenLine xmlns:a14="http://schemas.microsoft.com/office/drawing/2010/main" xmlns="" w="9525">
+                <a14:hiddenLine xmlns="" xmlns:a14="http://schemas.microsoft.com/office/drawing/2010/main" w="9525">
                   <a:solidFill>
                     <a:srgbClr val="000000"/>
                   </a:solidFill>
@@ -4536,7 +4537,7 @@
           <a:p>
             <a:fld id="{867D2BB0-EC20-4E7E-BA61-C31A6B3B5362}" type="datetimeFigureOut">
               <a:rPr lang="it-IT" smtClean="0"/>
-              <a:t>15/05/2024</a:t>
+              <a:t>19/05/2024</a:t>
             </a:fld>
             <a:endParaRPr lang="it-IT"/>
           </a:p>
@@ -4803,7 +4804,7 @@
           <a:p>
             <a:fld id="{867D2BB0-EC20-4E7E-BA61-C31A6B3B5362}" type="datetimeFigureOut">
               <a:rPr lang="it-IT" smtClean="0"/>
-              <a:t>15/05/2024</a:t>
+              <a:t>19/05/2024</a:t>
             </a:fld>
             <a:endParaRPr lang="it-IT"/>
           </a:p>
@@ -4999,7 +5000,7 @@
           <a:p>
             <a:fld id="{867D2BB0-EC20-4E7E-BA61-C31A6B3B5362}" type="datetimeFigureOut">
               <a:rPr lang="it-IT" smtClean="0"/>
-              <a:t>15/05/2024</a:t>
+              <a:t>19/05/2024</a:t>
             </a:fld>
             <a:endParaRPr lang="it-IT"/>
           </a:p>
@@ -5262,7 +5263,7 @@
           <a:p>
             <a:fld id="{867D2BB0-EC20-4E7E-BA61-C31A6B3B5362}" type="datetimeFigureOut">
               <a:rPr lang="it-IT" smtClean="0"/>
-              <a:t>15/05/2024</a:t>
+              <a:t>19/05/2024</a:t>
             </a:fld>
             <a:endParaRPr lang="it-IT"/>
           </a:p>
@@ -5696,7 +5697,7 @@
           <a:p>
             <a:fld id="{867D2BB0-EC20-4E7E-BA61-C31A6B3B5362}" type="datetimeFigureOut">
               <a:rPr lang="it-IT" smtClean="0"/>
-              <a:t>15/05/2024</a:t>
+              <a:t>19/05/2024</a:t>
             </a:fld>
             <a:endParaRPr lang="it-IT"/>
           </a:p>
@@ -6242,7 +6243,7 @@
           <a:p>
             <a:fld id="{867D2BB0-EC20-4E7E-BA61-C31A6B3B5362}" type="datetimeFigureOut">
               <a:rPr lang="it-IT" smtClean="0"/>
-              <a:t>15/05/2024</a:t>
+              <a:t>19/05/2024</a:t>
             </a:fld>
             <a:endParaRPr lang="it-IT"/>
           </a:p>
@@ -6962,7 +6963,7 @@
           <a:p>
             <a:fld id="{867D2BB0-EC20-4E7E-BA61-C31A6B3B5362}" type="datetimeFigureOut">
               <a:rPr lang="it-IT" smtClean="0"/>
-              <a:t>15/05/2024</a:t>
+              <a:t>19/05/2024</a:t>
             </a:fld>
             <a:endParaRPr lang="it-IT"/>
           </a:p>
@@ -7132,7 +7133,7 @@
           <a:p>
             <a:fld id="{867D2BB0-EC20-4E7E-BA61-C31A6B3B5362}" type="datetimeFigureOut">
               <a:rPr lang="it-IT" smtClean="0"/>
-              <a:t>15/05/2024</a:t>
+              <a:t>19/05/2024</a:t>
             </a:fld>
             <a:endParaRPr lang="it-IT"/>
           </a:p>
@@ -7312,7 +7313,7 @@
           <a:p>
             <a:fld id="{867D2BB0-EC20-4E7E-BA61-C31A6B3B5362}" type="datetimeFigureOut">
               <a:rPr lang="it-IT" smtClean="0"/>
-              <a:t>15/05/2024</a:t>
+              <a:t>19/05/2024</a:t>
             </a:fld>
             <a:endParaRPr lang="it-IT"/>
           </a:p>
@@ -7482,7 +7483,7 @@
           <a:p>
             <a:fld id="{867D2BB0-EC20-4E7E-BA61-C31A6B3B5362}" type="datetimeFigureOut">
               <a:rPr lang="it-IT" smtClean="0"/>
-              <a:t>15/05/2024</a:t>
+              <a:t>19/05/2024</a:t>
             </a:fld>
             <a:endParaRPr lang="it-IT"/>
           </a:p>
@@ -7732,7 +7733,7 @@
           <a:p>
             <a:fld id="{867D2BB0-EC20-4E7E-BA61-C31A6B3B5362}" type="datetimeFigureOut">
               <a:rPr lang="it-IT" smtClean="0"/>
-              <a:t>15/05/2024</a:t>
+              <a:t>19/05/2024</a:t>
             </a:fld>
             <a:endParaRPr lang="it-IT"/>
           </a:p>
@@ -7964,7 +7965,7 @@
           <a:p>
             <a:fld id="{867D2BB0-EC20-4E7E-BA61-C31A6B3B5362}" type="datetimeFigureOut">
               <a:rPr lang="it-IT" smtClean="0"/>
-              <a:t>15/05/2024</a:t>
+              <a:t>19/05/2024</a:t>
             </a:fld>
             <a:endParaRPr lang="it-IT"/>
           </a:p>
@@ -8345,7 +8346,7 @@
           <a:p>
             <a:fld id="{867D2BB0-EC20-4E7E-BA61-C31A6B3B5362}" type="datetimeFigureOut">
               <a:rPr lang="it-IT" smtClean="0"/>
-              <a:t>15/05/2024</a:t>
+              <a:t>19/05/2024</a:t>
             </a:fld>
             <a:endParaRPr lang="it-IT"/>
           </a:p>
@@ -8463,7 +8464,7 @@
           <a:p>
             <a:fld id="{867D2BB0-EC20-4E7E-BA61-C31A6B3B5362}" type="datetimeFigureOut">
               <a:rPr lang="it-IT" smtClean="0"/>
-              <a:t>15/05/2024</a:t>
+              <a:t>19/05/2024</a:t>
             </a:fld>
             <a:endParaRPr lang="it-IT"/>
           </a:p>
@@ -8558,7 +8559,7 @@
           <a:p>
             <a:fld id="{867D2BB0-EC20-4E7E-BA61-C31A6B3B5362}" type="datetimeFigureOut">
               <a:rPr lang="it-IT" smtClean="0"/>
-              <a:t>15/05/2024</a:t>
+              <a:t>19/05/2024</a:t>
             </a:fld>
             <a:endParaRPr lang="it-IT"/>
           </a:p>
@@ -8807,7 +8808,7 @@
           <a:p>
             <a:fld id="{867D2BB0-EC20-4E7E-BA61-C31A6B3B5362}" type="datetimeFigureOut">
               <a:rPr lang="it-IT" smtClean="0"/>
-              <a:t>15/05/2024</a:t>
+              <a:t>19/05/2024</a:t>
             </a:fld>
             <a:endParaRPr lang="it-IT"/>
           </a:p>
@@ -9087,7 +9088,7 @@
           <a:p>
             <a:fld id="{867D2BB0-EC20-4E7E-BA61-C31A6B3B5362}" type="datetimeFigureOut">
               <a:rPr lang="it-IT" smtClean="0"/>
-              <a:t>15/05/2024</a:t>
+              <a:t>19/05/2024</a:t>
             </a:fld>
             <a:endParaRPr lang="it-IT"/>
           </a:p>
@@ -9210,7 +9211,7 @@
           <a:noFill/>
           <a:extLst>
             <a:ext uri="{909E8E84-426E-40dd-AFC4-6F175D3DCCD1}">
-              <a14:hiddenFill xmlns:a14="http://schemas.microsoft.com/office/drawing/2010/main" xmlns="">
+              <a14:hiddenFill xmlns="" xmlns:a14="http://schemas.microsoft.com/office/drawing/2010/main">
                 <a:solidFill>
                   <a:srgbClr val="FFFFFF"/>
                 </a:solidFill>
@@ -9284,7 +9285,7 @@
               </a:ln>
               <a:extLst>
                 <a:ext uri="{91240B29-F687-4f45-9708-019B960494DF}">
-                  <a14:hiddenLine xmlns:a14="http://schemas.microsoft.com/office/drawing/2010/main" xmlns="" w="9525">
+                  <a14:hiddenLine xmlns="" xmlns:a14="http://schemas.microsoft.com/office/drawing/2010/main" w="9525">
                     <a:solidFill>
                       <a:srgbClr val="000000"/>
                     </a:solidFill>
@@ -9374,7 +9375,7 @@
               </a:ln>
               <a:extLst>
                 <a:ext uri="{91240B29-F687-4f45-9708-019B960494DF}">
-                  <a14:hiddenLine xmlns:a14="http://schemas.microsoft.com/office/drawing/2010/main" xmlns="" w="9525">
+                  <a14:hiddenLine xmlns="" xmlns:a14="http://schemas.microsoft.com/office/drawing/2010/main" w="9525">
                     <a:solidFill>
                       <a:srgbClr val="000000"/>
                     </a:solidFill>
@@ -9464,7 +9465,7 @@
               </a:ln>
               <a:extLst>
                 <a:ext uri="{91240B29-F687-4f45-9708-019B960494DF}">
-                  <a14:hiddenLine xmlns:a14="http://schemas.microsoft.com/office/drawing/2010/main" xmlns="" w="9525">
+                  <a14:hiddenLine xmlns="" xmlns:a14="http://schemas.microsoft.com/office/drawing/2010/main" w="9525">
                     <a:solidFill>
                       <a:srgbClr val="000000"/>
                     </a:solidFill>
@@ -9526,7 +9527,7 @@
               </a:ln>
               <a:extLst>
                 <a:ext uri="{91240B29-F687-4f45-9708-019B960494DF}">
-                  <a14:hiddenLine xmlns:a14="http://schemas.microsoft.com/office/drawing/2010/main" xmlns="" w="9525">
+                  <a14:hiddenLine xmlns="" xmlns:a14="http://schemas.microsoft.com/office/drawing/2010/main" w="9525">
                     <a:solidFill>
                       <a:srgbClr val="000000"/>
                     </a:solidFill>
@@ -9616,7 +9617,7 @@
               </a:ln>
               <a:extLst>
                 <a:ext uri="{91240B29-F687-4f45-9708-019B960494DF}">
-                  <a14:hiddenLine xmlns:a14="http://schemas.microsoft.com/office/drawing/2010/main" xmlns="" w="9525">
+                  <a14:hiddenLine xmlns="" xmlns:a14="http://schemas.microsoft.com/office/drawing/2010/main" w="9525">
                     <a:solidFill>
                       <a:srgbClr val="000000"/>
                     </a:solidFill>
@@ -9678,7 +9679,7 @@
               </a:ln>
               <a:extLst>
                 <a:ext uri="{91240B29-F687-4f45-9708-019B960494DF}">
-                  <a14:hiddenLine xmlns:a14="http://schemas.microsoft.com/office/drawing/2010/main" xmlns="" w="9525">
+                  <a14:hiddenLine xmlns="" xmlns:a14="http://schemas.microsoft.com/office/drawing/2010/main" w="9525">
                     <a:solidFill>
                       <a:srgbClr val="000000"/>
                     </a:solidFill>
@@ -9740,7 +9741,7 @@
               </a:ln>
               <a:extLst>
                 <a:ext uri="{91240B29-F687-4f45-9708-019B960494DF}">
-                  <a14:hiddenLine xmlns:a14="http://schemas.microsoft.com/office/drawing/2010/main" xmlns="" w="9525">
+                  <a14:hiddenLine xmlns="" xmlns:a14="http://schemas.microsoft.com/office/drawing/2010/main" w="9525">
                     <a:solidFill>
                       <a:srgbClr val="000000"/>
                     </a:solidFill>
@@ -9830,7 +9831,7 @@
               </a:ln>
               <a:extLst>
                 <a:ext uri="{91240B29-F687-4f45-9708-019B960494DF}">
-                  <a14:hiddenLine xmlns:a14="http://schemas.microsoft.com/office/drawing/2010/main" xmlns="" w="9525">
+                  <a14:hiddenLine xmlns="" xmlns:a14="http://schemas.microsoft.com/office/drawing/2010/main" w="9525">
                     <a:solidFill>
                       <a:srgbClr val="000000"/>
                     </a:solidFill>
@@ -9920,7 +9921,7 @@
               </a:ln>
               <a:extLst>
                 <a:ext uri="{91240B29-F687-4f45-9708-019B960494DF}">
-                  <a14:hiddenLine xmlns:a14="http://schemas.microsoft.com/office/drawing/2010/main" xmlns="" w="9525">
+                  <a14:hiddenLine xmlns="" xmlns:a14="http://schemas.microsoft.com/office/drawing/2010/main" w="9525">
                     <a:solidFill>
                       <a:srgbClr val="000000"/>
                     </a:solidFill>
@@ -9982,7 +9983,7 @@
               </a:ln>
               <a:extLst>
                 <a:ext uri="{91240B29-F687-4f45-9708-019B960494DF}">
-                  <a14:hiddenLine xmlns:a14="http://schemas.microsoft.com/office/drawing/2010/main" xmlns="" w="9525">
+                  <a14:hiddenLine xmlns="" xmlns:a14="http://schemas.microsoft.com/office/drawing/2010/main" w="9525">
                     <a:solidFill>
                       <a:srgbClr val="000000"/>
                     </a:solidFill>
@@ -10092,7 +10093,7 @@
               </a:ln>
               <a:extLst>
                 <a:ext uri="{91240B29-F687-4f45-9708-019B960494DF}">
-                  <a14:hiddenLine xmlns:a14="http://schemas.microsoft.com/office/drawing/2010/main" xmlns="" w="9525">
+                  <a14:hiddenLine xmlns="" xmlns:a14="http://schemas.microsoft.com/office/drawing/2010/main" w="9525">
                     <a:solidFill>
                       <a:srgbClr val="000000"/>
                     </a:solidFill>
@@ -10176,7 +10177,7 @@
               </a:ln>
               <a:extLst>
                 <a:ext uri="{91240B29-F687-4f45-9708-019B960494DF}">
-                  <a14:hiddenLine xmlns:a14="http://schemas.microsoft.com/office/drawing/2010/main" xmlns="" w="9525">
+                  <a14:hiddenLine xmlns="" xmlns:a14="http://schemas.microsoft.com/office/drawing/2010/main" w="9525">
                     <a:solidFill>
                       <a:srgbClr val="000000"/>
                     </a:solidFill>
@@ -10238,7 +10239,7 @@
               </a:ln>
               <a:extLst>
                 <a:ext uri="{91240B29-F687-4f45-9708-019B960494DF}">
-                  <a14:hiddenLine xmlns:a14="http://schemas.microsoft.com/office/drawing/2010/main" xmlns="" w="9525">
+                  <a14:hiddenLine xmlns="" xmlns:a14="http://schemas.microsoft.com/office/drawing/2010/main" w="9525">
                     <a:solidFill>
                       <a:srgbClr val="000000"/>
                     </a:solidFill>
@@ -10300,7 +10301,7 @@
               </a:ln>
               <a:extLst>
                 <a:ext uri="{91240B29-F687-4f45-9708-019B960494DF}">
-                  <a14:hiddenLine xmlns:a14="http://schemas.microsoft.com/office/drawing/2010/main" xmlns="" w="9525">
+                  <a14:hiddenLine xmlns="" xmlns:a14="http://schemas.microsoft.com/office/drawing/2010/main" w="9525">
                     <a:solidFill>
                       <a:srgbClr val="000000"/>
                     </a:solidFill>
@@ -10390,7 +10391,7 @@
               </a:ln>
               <a:extLst>
                 <a:ext uri="{91240B29-F687-4f45-9708-019B960494DF}">
-                  <a14:hiddenLine xmlns:a14="http://schemas.microsoft.com/office/drawing/2010/main" xmlns="" w="9525">
+                  <a14:hiddenLine xmlns="" xmlns:a14="http://schemas.microsoft.com/office/drawing/2010/main" w="9525">
                     <a:solidFill>
                       <a:srgbClr val="000000"/>
                     </a:solidFill>
@@ -10424,7 +10425,7 @@
               </a:ln>
               <a:extLst>
                 <a:ext uri="{91240B29-F687-4f45-9708-019B960494DF}">
-                  <a14:hiddenLine xmlns:a14="http://schemas.microsoft.com/office/drawing/2010/main" xmlns="" w="9525">
+                  <a14:hiddenLine xmlns="" xmlns:a14="http://schemas.microsoft.com/office/drawing/2010/main" w="9525">
                     <a:solidFill>
                       <a:srgbClr val="000000"/>
                     </a:solidFill>
@@ -10489,7 +10490,7 @@
               </a:ln>
               <a:extLst>
                 <a:ext uri="{91240B29-F687-4f45-9708-019B960494DF}">
-                  <a14:hiddenLine xmlns:a14="http://schemas.microsoft.com/office/drawing/2010/main" xmlns="" w="9525">
+                  <a14:hiddenLine xmlns="" xmlns:a14="http://schemas.microsoft.com/office/drawing/2010/main" w="9525">
                     <a:solidFill>
                       <a:srgbClr val="000000"/>
                     </a:solidFill>
@@ -10579,7 +10580,7 @@
               </a:ln>
               <a:extLst>
                 <a:ext uri="{91240B29-F687-4f45-9708-019B960494DF}">
-                  <a14:hiddenLine xmlns:a14="http://schemas.microsoft.com/office/drawing/2010/main" xmlns="" w="9525">
+                  <a14:hiddenLine xmlns="" xmlns:a14="http://schemas.microsoft.com/office/drawing/2010/main" w="9525">
                     <a:solidFill>
                       <a:srgbClr val="000000"/>
                     </a:solidFill>
@@ -10641,7 +10642,7 @@
               </a:ln>
               <a:extLst>
                 <a:ext uri="{91240B29-F687-4f45-9708-019B960494DF}">
-                  <a14:hiddenLine xmlns:a14="http://schemas.microsoft.com/office/drawing/2010/main" xmlns="" w="9525">
+                  <a14:hiddenLine xmlns="" xmlns:a14="http://schemas.microsoft.com/office/drawing/2010/main" w="9525">
                     <a:solidFill>
                       <a:srgbClr val="000000"/>
                     </a:solidFill>
@@ -10731,7 +10732,7 @@
               </a:ln>
               <a:extLst>
                 <a:ext uri="{91240B29-F687-4f45-9708-019B960494DF}">
-                  <a14:hiddenLine xmlns:a14="http://schemas.microsoft.com/office/drawing/2010/main" xmlns="" w="9525">
+                  <a14:hiddenLine xmlns="" xmlns:a14="http://schemas.microsoft.com/office/drawing/2010/main" w="9525">
                     <a:solidFill>
                       <a:srgbClr val="000000"/>
                     </a:solidFill>
@@ -10796,7 +10797,7 @@
               </a:ln>
               <a:extLst>
                 <a:ext uri="{91240B29-F687-4f45-9708-019B960494DF}">
-                  <a14:hiddenLine xmlns:a14="http://schemas.microsoft.com/office/drawing/2010/main" xmlns="" w="9525">
+                  <a14:hiddenLine xmlns="" xmlns:a14="http://schemas.microsoft.com/office/drawing/2010/main" w="9525">
                     <a:solidFill>
                       <a:srgbClr val="000000"/>
                     </a:solidFill>
@@ -10858,7 +10859,7 @@
               </a:ln>
               <a:extLst>
                 <a:ext uri="{91240B29-F687-4f45-9708-019B960494DF}">
-                  <a14:hiddenLine xmlns:a14="http://schemas.microsoft.com/office/drawing/2010/main" xmlns="" w="9525">
+                  <a14:hiddenLine xmlns="" xmlns:a14="http://schemas.microsoft.com/office/drawing/2010/main" w="9525">
                     <a:solidFill>
                       <a:srgbClr val="000000"/>
                     </a:solidFill>
@@ -10948,7 +10949,7 @@
               </a:ln>
               <a:extLst>
                 <a:ext uri="{91240B29-F687-4f45-9708-019B960494DF}">
-                  <a14:hiddenLine xmlns:a14="http://schemas.microsoft.com/office/drawing/2010/main" xmlns="" w="9525">
+                  <a14:hiddenLine xmlns="" xmlns:a14="http://schemas.microsoft.com/office/drawing/2010/main" w="9525">
                     <a:solidFill>
                       <a:srgbClr val="000000"/>
                     </a:solidFill>
@@ -11038,7 +11039,7 @@
               </a:ln>
               <a:extLst>
                 <a:ext uri="{91240B29-F687-4f45-9708-019B960494DF}">
-                  <a14:hiddenLine xmlns:a14="http://schemas.microsoft.com/office/drawing/2010/main" xmlns="" w="9525">
+                  <a14:hiddenLine xmlns="" xmlns:a14="http://schemas.microsoft.com/office/drawing/2010/main" w="9525">
                     <a:solidFill>
                       <a:srgbClr val="000000"/>
                     </a:solidFill>
@@ -11103,7 +11104,7 @@
               </a:ln>
               <a:extLst>
                 <a:ext uri="{91240B29-F687-4f45-9708-019B960494DF}">
-                  <a14:hiddenLine xmlns:a14="http://schemas.microsoft.com/office/drawing/2010/main" xmlns="" w="9525">
+                  <a14:hiddenLine xmlns="" xmlns:a14="http://schemas.microsoft.com/office/drawing/2010/main" w="9525">
                     <a:solidFill>
                       <a:srgbClr val="000000"/>
                     </a:solidFill>
@@ -11223,7 +11224,7 @@
               </a:ln>
               <a:extLst>
                 <a:ext uri="{91240B29-F687-4f45-9708-019B960494DF}">
-                  <a14:hiddenLine xmlns:a14="http://schemas.microsoft.com/office/drawing/2010/main" xmlns="" w="9525">
+                  <a14:hiddenLine xmlns="" xmlns:a14="http://schemas.microsoft.com/office/drawing/2010/main" w="9525">
                     <a:solidFill>
                       <a:srgbClr val="000000"/>
                     </a:solidFill>
@@ -11304,7 +11305,7 @@
               </a:ln>
               <a:extLst>
                 <a:ext uri="{91240B29-F687-4f45-9708-019B960494DF}">
-                  <a14:hiddenLine xmlns:a14="http://schemas.microsoft.com/office/drawing/2010/main" xmlns="" w="9525">
+                  <a14:hiddenLine xmlns="" xmlns:a14="http://schemas.microsoft.com/office/drawing/2010/main" w="9525">
                     <a:solidFill>
                       <a:srgbClr val="000000"/>
                     </a:solidFill>
@@ -11419,7 +11420,7 @@
               </a:ln>
               <a:extLst>
                 <a:ext uri="{91240B29-F687-4f45-9708-019B960494DF}">
-                  <a14:hiddenLine xmlns:a14="http://schemas.microsoft.com/office/drawing/2010/main" xmlns="" w="9525">
+                  <a14:hiddenLine xmlns="" xmlns:a14="http://schemas.microsoft.com/office/drawing/2010/main" w="9525">
                     <a:solidFill>
                       <a:srgbClr val="000000"/>
                     </a:solidFill>
@@ -11509,7 +11510,7 @@
               </a:ln>
               <a:extLst>
                 <a:ext uri="{91240B29-F687-4f45-9708-019B960494DF}">
-                  <a14:hiddenLine xmlns:a14="http://schemas.microsoft.com/office/drawing/2010/main" xmlns="" w="9525">
+                  <a14:hiddenLine xmlns="" xmlns:a14="http://schemas.microsoft.com/office/drawing/2010/main" w="9525">
                     <a:solidFill>
                       <a:srgbClr val="000000"/>
                     </a:solidFill>
@@ -11574,7 +11575,7 @@
               </a:ln>
               <a:extLst>
                 <a:ext uri="{91240B29-F687-4f45-9708-019B960494DF}">
-                  <a14:hiddenLine xmlns:a14="http://schemas.microsoft.com/office/drawing/2010/main" xmlns="" w="9525">
+                  <a14:hiddenLine xmlns="" xmlns:a14="http://schemas.microsoft.com/office/drawing/2010/main" w="9525">
                     <a:solidFill>
                       <a:srgbClr val="000000"/>
                     </a:solidFill>
@@ -11664,7 +11665,7 @@
               </a:ln>
               <a:extLst>
                 <a:ext uri="{91240B29-F687-4f45-9708-019B960494DF}">
-                  <a14:hiddenLine xmlns:a14="http://schemas.microsoft.com/office/drawing/2010/main" xmlns="" w="9525">
+                  <a14:hiddenLine xmlns="" xmlns:a14="http://schemas.microsoft.com/office/drawing/2010/main" w="9525">
                     <a:solidFill>
                       <a:srgbClr val="000000"/>
                     </a:solidFill>
@@ -11732,7 +11733,7 @@
               </a:ln>
               <a:extLst>
                 <a:ext uri="{91240B29-F687-4f45-9708-019B960494DF}">
-                  <a14:hiddenLine xmlns:a14="http://schemas.microsoft.com/office/drawing/2010/main" xmlns="" w="9525">
+                  <a14:hiddenLine xmlns="" xmlns:a14="http://schemas.microsoft.com/office/drawing/2010/main" w="9525">
                     <a:solidFill>
                       <a:srgbClr val="000000"/>
                     </a:solidFill>
@@ -11822,7 +11823,7 @@
               </a:ln>
               <a:extLst>
                 <a:ext uri="{91240B29-F687-4f45-9708-019B960494DF}">
-                  <a14:hiddenLine xmlns:a14="http://schemas.microsoft.com/office/drawing/2010/main" xmlns="" w="9525">
+                  <a14:hiddenLine xmlns="" xmlns:a14="http://schemas.microsoft.com/office/drawing/2010/main" w="9525">
                     <a:solidFill>
                       <a:srgbClr val="000000"/>
                     </a:solidFill>
@@ -11890,7 +11891,7 @@
               </a:ln>
               <a:extLst>
                 <a:ext uri="{91240B29-F687-4f45-9708-019B960494DF}">
-                  <a14:hiddenLine xmlns:a14="http://schemas.microsoft.com/office/drawing/2010/main" xmlns="" w="9525">
+                  <a14:hiddenLine xmlns="" xmlns:a14="http://schemas.microsoft.com/office/drawing/2010/main" w="9525">
                     <a:solidFill>
                       <a:srgbClr val="000000"/>
                     </a:solidFill>
@@ -11980,7 +11981,7 @@
               </a:ln>
               <a:extLst>
                 <a:ext uri="{91240B29-F687-4f45-9708-019B960494DF}">
-                  <a14:hiddenLine xmlns:a14="http://schemas.microsoft.com/office/drawing/2010/main" xmlns="" w="9525">
+                  <a14:hiddenLine xmlns="" xmlns:a14="http://schemas.microsoft.com/office/drawing/2010/main" w="9525">
                     <a:solidFill>
                       <a:srgbClr val="000000"/>
                     </a:solidFill>
@@ -12014,7 +12015,7 @@
               </a:ln>
               <a:extLst>
                 <a:ext uri="{91240B29-F687-4f45-9708-019B960494DF}">
-                  <a14:hiddenLine xmlns:a14="http://schemas.microsoft.com/office/drawing/2010/main" xmlns="" w="9525">
+                  <a14:hiddenLine xmlns="" xmlns:a14="http://schemas.microsoft.com/office/drawing/2010/main" w="9525">
                     <a:solidFill>
                       <a:srgbClr val="000000"/>
                     </a:solidFill>
@@ -12154,7 +12155,7 @@
           <a:p>
             <a:fld id="{867D2BB0-EC20-4E7E-BA61-C31A6B3B5362}" type="datetimeFigureOut">
               <a:rPr lang="it-IT" smtClean="0"/>
-              <a:t>15/05/2024</a:t>
+              <a:t>19/05/2024</a:t>
             </a:fld>
             <a:endParaRPr lang="it-IT"/>
           </a:p>
@@ -12746,7 +12747,7 @@
             <a:noFill/>
             <a:extLst>
               <a:ext uri="{909E8E84-426E-40dd-AFC4-6F175D3DCCD1}">
-                <a14:hiddenFill xmlns="" xmlns:a16="http://schemas.microsoft.com/office/drawing/2014/main" xmlns:p14="http://schemas.microsoft.com/office/powerpoint/2010/main" xmlns:a14="http://schemas.microsoft.com/office/drawing/2010/main">
+                <a14:hiddenFill xmlns:a14="http://schemas.microsoft.com/office/drawing/2010/main" xmlns:p14="http://schemas.microsoft.com/office/powerpoint/2010/main" xmlns:a16="http://schemas.microsoft.com/office/drawing/2014/main" xmlns="">
                   <a:solidFill>
                     <a:srgbClr val="FFFFFF"/>
                   </a:solidFill>
@@ -15269,7 +15270,7 @@
           <a:noFill/>
           <a:extLst>
             <a:ext uri="{909E8E84-426E-40dd-AFC4-6F175D3DCCD1}">
-              <a14:hiddenFill xmlns="" xmlns:a16="http://schemas.microsoft.com/office/drawing/2014/main" xmlns:a14="http://schemas.microsoft.com/office/drawing/2010/main" xmlns:p14="http://schemas.microsoft.com/office/powerpoint/2010/main">
+              <a14:hiddenFill xmlns:p14="http://schemas.microsoft.com/office/powerpoint/2010/main" xmlns:a14="http://schemas.microsoft.com/office/drawing/2010/main" xmlns:a16="http://schemas.microsoft.com/office/drawing/2014/main" xmlns="">
                 <a:solidFill>
                   <a:srgbClr val="FFFFFF"/>
                 </a:solidFill>
@@ -15360,7 +15361,7 @@
             </a:ln>
             <a:extLst>
               <a:ext uri="{91240B29-F687-4f45-9708-019B960494DF}">
-                <a14:hiddenLine xmlns="" xmlns:a16="http://schemas.microsoft.com/office/drawing/2014/main" xmlns:a14="http://schemas.microsoft.com/office/drawing/2010/main" xmlns:p14="http://schemas.microsoft.com/office/powerpoint/2010/main" w="9525">
+                <a14:hiddenLine xmlns:p14="http://schemas.microsoft.com/office/powerpoint/2010/main" xmlns:a14="http://schemas.microsoft.com/office/drawing/2010/main" xmlns:a16="http://schemas.microsoft.com/office/drawing/2014/main" xmlns="" w="9525">
                   <a:solidFill>
                     <a:srgbClr val="000000"/>
                   </a:solidFill>
@@ -15472,7 +15473,7 @@
             </a:ln>
             <a:extLst>
               <a:ext uri="{91240B29-F687-4f45-9708-019B960494DF}">
-                <a14:hiddenLine xmlns="" xmlns:a16="http://schemas.microsoft.com/office/drawing/2014/main" xmlns:a14="http://schemas.microsoft.com/office/drawing/2010/main" xmlns:p14="http://schemas.microsoft.com/office/powerpoint/2010/main" w="9525">
+                <a14:hiddenLine xmlns:p14="http://schemas.microsoft.com/office/powerpoint/2010/main" xmlns:a14="http://schemas.microsoft.com/office/drawing/2010/main" xmlns:a16="http://schemas.microsoft.com/office/drawing/2014/main" xmlns="" w="9525">
                   <a:solidFill>
                     <a:srgbClr val="000000"/>
                   </a:solidFill>
@@ -15584,7 +15585,7 @@
             </a:ln>
             <a:extLst>
               <a:ext uri="{91240B29-F687-4f45-9708-019B960494DF}">
-                <a14:hiddenLine xmlns="" xmlns:a16="http://schemas.microsoft.com/office/drawing/2014/main" xmlns:a14="http://schemas.microsoft.com/office/drawing/2010/main" xmlns:p14="http://schemas.microsoft.com/office/powerpoint/2010/main" w="9525">
+                <a14:hiddenLine xmlns:p14="http://schemas.microsoft.com/office/powerpoint/2010/main" xmlns:a14="http://schemas.microsoft.com/office/drawing/2010/main" xmlns:a16="http://schemas.microsoft.com/office/drawing/2014/main" xmlns="" w="9525">
                   <a:solidFill>
                     <a:srgbClr val="000000"/>
                   </a:solidFill>
@@ -15640,7 +15641,7 @@
             </a:ln>
             <a:extLst>
               <a:ext uri="{91240B29-F687-4f45-9708-019B960494DF}">
-                <a14:hiddenLine xmlns="" xmlns:a16="http://schemas.microsoft.com/office/drawing/2014/main" xmlns:a14="http://schemas.microsoft.com/office/drawing/2010/main" xmlns:p14="http://schemas.microsoft.com/office/powerpoint/2010/main" w="9525">
+                <a14:hiddenLine xmlns:p14="http://schemas.microsoft.com/office/powerpoint/2010/main" xmlns:a14="http://schemas.microsoft.com/office/drawing/2010/main" xmlns:a16="http://schemas.microsoft.com/office/drawing/2014/main" xmlns="" w="9525">
                   <a:solidFill>
                     <a:srgbClr val="000000"/>
                   </a:solidFill>
@@ -15752,7 +15753,7 @@
             </a:ln>
             <a:extLst>
               <a:ext uri="{91240B29-F687-4f45-9708-019B960494DF}">
-                <a14:hiddenLine xmlns="" xmlns:a16="http://schemas.microsoft.com/office/drawing/2014/main" xmlns:a14="http://schemas.microsoft.com/office/drawing/2010/main" xmlns:p14="http://schemas.microsoft.com/office/powerpoint/2010/main" w="9525">
+                <a14:hiddenLine xmlns:p14="http://schemas.microsoft.com/office/powerpoint/2010/main" xmlns:a14="http://schemas.microsoft.com/office/drawing/2010/main" xmlns:a16="http://schemas.microsoft.com/office/drawing/2014/main" xmlns="" w="9525">
                   <a:solidFill>
                     <a:srgbClr val="000000"/>
                   </a:solidFill>
@@ -15836,7 +15837,7 @@
             </a:ln>
             <a:extLst>
               <a:ext uri="{91240B29-F687-4f45-9708-019B960494DF}">
-                <a14:hiddenLine xmlns="" xmlns:a16="http://schemas.microsoft.com/office/drawing/2014/main" xmlns:a14="http://schemas.microsoft.com/office/drawing/2010/main" xmlns:p14="http://schemas.microsoft.com/office/powerpoint/2010/main" w="9525">
+                <a14:hiddenLine xmlns:p14="http://schemas.microsoft.com/office/powerpoint/2010/main" xmlns:a14="http://schemas.microsoft.com/office/drawing/2010/main" xmlns:a16="http://schemas.microsoft.com/office/drawing/2014/main" xmlns="" w="9525">
                   <a:solidFill>
                     <a:srgbClr val="000000"/>
                   </a:solidFill>
@@ -15920,7 +15921,7 @@
             </a:ln>
             <a:extLst>
               <a:ext uri="{91240B29-F687-4f45-9708-019B960494DF}">
-                <a14:hiddenLine xmlns="" xmlns:a16="http://schemas.microsoft.com/office/drawing/2014/main" xmlns:a14="http://schemas.microsoft.com/office/drawing/2010/main" xmlns:p14="http://schemas.microsoft.com/office/powerpoint/2010/main" w="9525">
+                <a14:hiddenLine xmlns:p14="http://schemas.microsoft.com/office/powerpoint/2010/main" xmlns:a14="http://schemas.microsoft.com/office/drawing/2010/main" xmlns:a16="http://schemas.microsoft.com/office/drawing/2014/main" xmlns="" w="9525">
                   <a:solidFill>
                     <a:srgbClr val="000000"/>
                   </a:solidFill>
@@ -16032,7 +16033,7 @@
             </a:ln>
             <a:extLst>
               <a:ext uri="{91240B29-F687-4f45-9708-019B960494DF}">
-                <a14:hiddenLine xmlns="" xmlns:a16="http://schemas.microsoft.com/office/drawing/2014/main" xmlns:a14="http://schemas.microsoft.com/office/drawing/2010/main" xmlns:p14="http://schemas.microsoft.com/office/powerpoint/2010/main" w="9525">
+                <a14:hiddenLine xmlns:p14="http://schemas.microsoft.com/office/powerpoint/2010/main" xmlns:a14="http://schemas.microsoft.com/office/drawing/2010/main" xmlns:a16="http://schemas.microsoft.com/office/drawing/2014/main" xmlns="" w="9525">
                   <a:solidFill>
                     <a:srgbClr val="000000"/>
                   </a:solidFill>
@@ -16116,7 +16117,7 @@
             </a:ln>
             <a:extLst>
               <a:ext uri="{91240B29-F687-4f45-9708-019B960494DF}">
-                <a14:hiddenLine xmlns="" xmlns:a16="http://schemas.microsoft.com/office/drawing/2014/main" xmlns:a14="http://schemas.microsoft.com/office/drawing/2010/main" xmlns:p14="http://schemas.microsoft.com/office/powerpoint/2010/main" w="9525">
+                <a14:hiddenLine xmlns:p14="http://schemas.microsoft.com/office/powerpoint/2010/main" xmlns:a14="http://schemas.microsoft.com/office/drawing/2010/main" xmlns:a16="http://schemas.microsoft.com/office/drawing/2014/main" xmlns="" w="9525">
                   <a:solidFill>
                     <a:srgbClr val="000000"/>
                   </a:solidFill>
@@ -16200,7 +16201,7 @@
             </a:ln>
             <a:extLst>
               <a:ext uri="{91240B29-F687-4f45-9708-019B960494DF}">
-                <a14:hiddenLine xmlns="" xmlns:a16="http://schemas.microsoft.com/office/drawing/2014/main" xmlns:a14="http://schemas.microsoft.com/office/drawing/2010/main" xmlns:p14="http://schemas.microsoft.com/office/powerpoint/2010/main" w="9525">
+                <a14:hiddenLine xmlns:p14="http://schemas.microsoft.com/office/powerpoint/2010/main" xmlns:a14="http://schemas.microsoft.com/office/drawing/2010/main" xmlns:a16="http://schemas.microsoft.com/office/drawing/2014/main" xmlns="" w="9525">
                   <a:solidFill>
                     <a:srgbClr val="000000"/>
                   </a:solidFill>
@@ -16312,7 +16313,7 @@
             </a:ln>
             <a:extLst>
               <a:ext uri="{91240B29-F687-4f45-9708-019B960494DF}">
-                <a14:hiddenLine xmlns="" xmlns:a16="http://schemas.microsoft.com/office/drawing/2014/main" xmlns:a14="http://schemas.microsoft.com/office/drawing/2010/main" xmlns:p14="http://schemas.microsoft.com/office/powerpoint/2010/main" w="9525">
+                <a14:hiddenLine xmlns:p14="http://schemas.microsoft.com/office/powerpoint/2010/main" xmlns:a14="http://schemas.microsoft.com/office/drawing/2010/main" xmlns:a16="http://schemas.microsoft.com/office/drawing/2014/main" xmlns="" w="9525">
                   <a:solidFill>
                     <a:srgbClr val="000000"/>
                   </a:solidFill>
@@ -16424,7 +16425,7 @@
             </a:ln>
             <a:extLst>
               <a:ext uri="{91240B29-F687-4f45-9708-019B960494DF}">
-                <a14:hiddenLine xmlns="" xmlns:a16="http://schemas.microsoft.com/office/drawing/2014/main" xmlns:a14="http://schemas.microsoft.com/office/drawing/2010/main" xmlns:p14="http://schemas.microsoft.com/office/powerpoint/2010/main" w="9525">
+                <a14:hiddenLine xmlns:p14="http://schemas.microsoft.com/office/powerpoint/2010/main" xmlns:a14="http://schemas.microsoft.com/office/drawing/2010/main" xmlns:a16="http://schemas.microsoft.com/office/drawing/2014/main" xmlns="" w="9525">
                   <a:solidFill>
                     <a:srgbClr val="000000"/>
                   </a:solidFill>
@@ -16508,7 +16509,7 @@
             </a:ln>
             <a:extLst>
               <a:ext uri="{91240B29-F687-4f45-9708-019B960494DF}">
-                <a14:hiddenLine xmlns="" xmlns:a16="http://schemas.microsoft.com/office/drawing/2014/main" xmlns:a14="http://schemas.microsoft.com/office/drawing/2010/main" xmlns:p14="http://schemas.microsoft.com/office/powerpoint/2010/main" w="9525">
+                <a14:hiddenLine xmlns:p14="http://schemas.microsoft.com/office/powerpoint/2010/main" xmlns:a14="http://schemas.microsoft.com/office/drawing/2010/main" xmlns:a16="http://schemas.microsoft.com/office/drawing/2014/main" xmlns="" w="9525">
                   <a:solidFill>
                     <a:srgbClr val="000000"/>
                   </a:solidFill>
@@ -16640,7 +16641,7 @@
             </a:ln>
             <a:extLst>
               <a:ext uri="{91240B29-F687-4f45-9708-019B960494DF}">
-                <a14:hiddenLine xmlns="" xmlns:a16="http://schemas.microsoft.com/office/drawing/2014/main" xmlns:a14="http://schemas.microsoft.com/office/drawing/2010/main" xmlns:p14="http://schemas.microsoft.com/office/powerpoint/2010/main" w="9525">
+                <a14:hiddenLine xmlns:p14="http://schemas.microsoft.com/office/powerpoint/2010/main" xmlns:a14="http://schemas.microsoft.com/office/drawing/2010/main" xmlns:a16="http://schemas.microsoft.com/office/drawing/2014/main" xmlns="" w="9525">
                   <a:solidFill>
                     <a:srgbClr val="000000"/>
                   </a:solidFill>
@@ -16724,7 +16725,7 @@
             </a:ln>
             <a:extLst>
               <a:ext uri="{91240B29-F687-4f45-9708-019B960494DF}">
-                <a14:hiddenLine xmlns="" xmlns:a16="http://schemas.microsoft.com/office/drawing/2014/main" xmlns:a14="http://schemas.microsoft.com/office/drawing/2010/main" xmlns:p14="http://schemas.microsoft.com/office/powerpoint/2010/main" w="9525">
+                <a14:hiddenLine xmlns:p14="http://schemas.microsoft.com/office/powerpoint/2010/main" xmlns:a14="http://schemas.microsoft.com/office/drawing/2010/main" xmlns:a16="http://schemas.microsoft.com/office/drawing/2014/main" xmlns="" w="9525">
                   <a:solidFill>
                     <a:srgbClr val="000000"/>
                   </a:solidFill>
@@ -16836,7 +16837,7 @@
             </a:ln>
             <a:extLst>
               <a:ext uri="{91240B29-F687-4f45-9708-019B960494DF}">
-                <a14:hiddenLine xmlns="" xmlns:a16="http://schemas.microsoft.com/office/drawing/2014/main" xmlns:a14="http://schemas.microsoft.com/office/drawing/2010/main" xmlns:p14="http://schemas.microsoft.com/office/powerpoint/2010/main" w="9525">
+                <a14:hiddenLine xmlns:p14="http://schemas.microsoft.com/office/powerpoint/2010/main" xmlns:a14="http://schemas.microsoft.com/office/drawing/2010/main" xmlns:a16="http://schemas.microsoft.com/office/drawing/2014/main" xmlns="" w="9525">
                   <a:solidFill>
                     <a:srgbClr val="000000"/>
                   </a:solidFill>
@@ -16948,7 +16949,7 @@
             </a:ln>
             <a:extLst>
               <a:ext uri="{91240B29-F687-4f45-9708-019B960494DF}">
-                <a14:hiddenLine xmlns="" xmlns:a16="http://schemas.microsoft.com/office/drawing/2014/main" xmlns:a14="http://schemas.microsoft.com/office/drawing/2010/main" xmlns:p14="http://schemas.microsoft.com/office/powerpoint/2010/main" w="9525">
+                <a14:hiddenLine xmlns:p14="http://schemas.microsoft.com/office/powerpoint/2010/main" xmlns:a14="http://schemas.microsoft.com/office/drawing/2010/main" xmlns:a16="http://schemas.microsoft.com/office/drawing/2014/main" xmlns="" w="9525">
                   <a:solidFill>
                     <a:srgbClr val="000000"/>
                   </a:solidFill>
@@ -17032,7 +17033,7 @@
             </a:ln>
             <a:extLst>
               <a:ext uri="{91240B29-F687-4f45-9708-019B960494DF}">
-                <a14:hiddenLine xmlns="" xmlns:a16="http://schemas.microsoft.com/office/drawing/2014/main" xmlns:a14="http://schemas.microsoft.com/office/drawing/2010/main" xmlns:p14="http://schemas.microsoft.com/office/powerpoint/2010/main" w="9525">
+                <a14:hiddenLine xmlns:p14="http://schemas.microsoft.com/office/powerpoint/2010/main" xmlns:a14="http://schemas.microsoft.com/office/drawing/2010/main" xmlns:a16="http://schemas.microsoft.com/office/drawing/2014/main" xmlns="" w="9525">
                   <a:solidFill>
                     <a:srgbClr val="000000"/>
                   </a:solidFill>
@@ -17144,7 +17145,7 @@
             </a:ln>
             <a:extLst>
               <a:ext uri="{91240B29-F687-4f45-9708-019B960494DF}">
-                <a14:hiddenLine xmlns="" xmlns:a16="http://schemas.microsoft.com/office/drawing/2014/main" xmlns:a14="http://schemas.microsoft.com/office/drawing/2010/main" xmlns:p14="http://schemas.microsoft.com/office/powerpoint/2010/main" w="9525">
+                <a14:hiddenLine xmlns:p14="http://schemas.microsoft.com/office/powerpoint/2010/main" xmlns:a14="http://schemas.microsoft.com/office/drawing/2010/main" xmlns:a16="http://schemas.microsoft.com/office/drawing/2014/main" xmlns="" w="9525">
                   <a:solidFill>
                     <a:srgbClr val="000000"/>
                   </a:solidFill>
@@ -17256,7 +17257,7 @@
             </a:ln>
             <a:extLst>
               <a:ext uri="{91240B29-F687-4f45-9708-019B960494DF}">
-                <a14:hiddenLine xmlns="" xmlns:a16="http://schemas.microsoft.com/office/drawing/2014/main" xmlns:a14="http://schemas.microsoft.com/office/drawing/2010/main" xmlns:p14="http://schemas.microsoft.com/office/powerpoint/2010/main" w="9525">
+                <a14:hiddenLine xmlns:p14="http://schemas.microsoft.com/office/powerpoint/2010/main" xmlns:a14="http://schemas.microsoft.com/office/drawing/2010/main" xmlns:a16="http://schemas.microsoft.com/office/drawing/2014/main" xmlns="" w="9525">
                   <a:solidFill>
                     <a:srgbClr val="000000"/>
                   </a:solidFill>
@@ -17334,7 +17335,7 @@
             </a:ln>
             <a:extLst>
               <a:ext uri="{91240B29-F687-4f45-9708-019B960494DF}">
-                <a14:hiddenLine xmlns="" xmlns:a16="http://schemas.microsoft.com/office/drawing/2014/main" xmlns:a14="http://schemas.microsoft.com/office/drawing/2010/main" xmlns:p14="http://schemas.microsoft.com/office/powerpoint/2010/main" w="9525">
+                <a14:hiddenLine xmlns:p14="http://schemas.microsoft.com/office/powerpoint/2010/main" xmlns:a14="http://schemas.microsoft.com/office/drawing/2010/main" xmlns:a16="http://schemas.microsoft.com/office/drawing/2014/main" xmlns="" w="9525">
                   <a:solidFill>
                     <a:srgbClr val="000000"/>
                   </a:solidFill>
@@ -17446,7 +17447,7 @@
             </a:ln>
             <a:extLst>
               <a:ext uri="{91240B29-F687-4f45-9708-019B960494DF}">
-                <a14:hiddenLine xmlns="" xmlns:a16="http://schemas.microsoft.com/office/drawing/2014/main" xmlns:a14="http://schemas.microsoft.com/office/drawing/2010/main" xmlns:p14="http://schemas.microsoft.com/office/powerpoint/2010/main" w="9525">
+                <a14:hiddenLine xmlns:p14="http://schemas.microsoft.com/office/powerpoint/2010/main" xmlns:a14="http://schemas.microsoft.com/office/drawing/2010/main" xmlns:a16="http://schemas.microsoft.com/office/drawing/2014/main" xmlns="" w="9525">
                   <a:solidFill>
                     <a:srgbClr val="000000"/>
                   </a:solidFill>
@@ -17524,7 +17525,7 @@
             </a:ln>
             <a:extLst>
               <a:ext uri="{91240B29-F687-4f45-9708-019B960494DF}">
-                <a14:hiddenLine xmlns="" xmlns:a16="http://schemas.microsoft.com/office/drawing/2014/main" xmlns:a14="http://schemas.microsoft.com/office/drawing/2010/main" xmlns:p14="http://schemas.microsoft.com/office/powerpoint/2010/main" w="9525">
+                <a14:hiddenLine xmlns:p14="http://schemas.microsoft.com/office/powerpoint/2010/main" xmlns:a14="http://schemas.microsoft.com/office/drawing/2010/main" xmlns:a16="http://schemas.microsoft.com/office/drawing/2014/main" xmlns="" w="9525">
                   <a:solidFill>
                     <a:srgbClr val="000000"/>
                   </a:solidFill>
@@ -17636,7 +17637,7 @@
             </a:ln>
             <a:extLst>
               <a:ext uri="{91240B29-F687-4f45-9708-019B960494DF}">
-                <a14:hiddenLine xmlns="" xmlns:a16="http://schemas.microsoft.com/office/drawing/2014/main" xmlns:a14="http://schemas.microsoft.com/office/drawing/2010/main" xmlns:p14="http://schemas.microsoft.com/office/powerpoint/2010/main" w="9525">
+                <a14:hiddenLine xmlns:p14="http://schemas.microsoft.com/office/powerpoint/2010/main" xmlns:a14="http://schemas.microsoft.com/office/drawing/2010/main" xmlns:a16="http://schemas.microsoft.com/office/drawing/2014/main" xmlns="" w="9525">
                   <a:solidFill>
                     <a:srgbClr val="000000"/>
                   </a:solidFill>
@@ -17726,7 +17727,7 @@
             </a:ln>
             <a:extLst>
               <a:ext uri="{91240B29-F687-4f45-9708-019B960494DF}">
-                <a14:hiddenLine xmlns="" xmlns:a16="http://schemas.microsoft.com/office/drawing/2014/main" xmlns:a14="http://schemas.microsoft.com/office/drawing/2010/main" xmlns:p14="http://schemas.microsoft.com/office/powerpoint/2010/main" w="9525">
+                <a14:hiddenLine xmlns:p14="http://schemas.microsoft.com/office/powerpoint/2010/main" xmlns:a14="http://schemas.microsoft.com/office/drawing/2010/main" xmlns:a16="http://schemas.microsoft.com/office/drawing/2014/main" xmlns="" w="9525">
                   <a:solidFill>
                     <a:srgbClr val="000000"/>
                   </a:solidFill>
@@ -17838,7 +17839,7 @@
             </a:ln>
             <a:extLst>
               <a:ext uri="{91240B29-F687-4f45-9708-019B960494DF}">
-                <a14:hiddenLine xmlns="" xmlns:a16="http://schemas.microsoft.com/office/drawing/2014/main" xmlns:a14="http://schemas.microsoft.com/office/drawing/2010/main" xmlns:p14="http://schemas.microsoft.com/office/powerpoint/2010/main" w="9525">
+                <a14:hiddenLine xmlns:p14="http://schemas.microsoft.com/office/powerpoint/2010/main" xmlns:a14="http://schemas.microsoft.com/office/drawing/2010/main" xmlns:a16="http://schemas.microsoft.com/office/drawing/2014/main" xmlns="" w="9525">
                   <a:solidFill>
                     <a:srgbClr val="000000"/>
                   </a:solidFill>
@@ -17928,7 +17929,7 @@
             </a:ln>
             <a:extLst>
               <a:ext uri="{91240B29-F687-4f45-9708-019B960494DF}">
-                <a14:hiddenLine xmlns="" xmlns:a16="http://schemas.microsoft.com/office/drawing/2014/main" xmlns:a14="http://schemas.microsoft.com/office/drawing/2010/main" xmlns:p14="http://schemas.microsoft.com/office/powerpoint/2010/main" w="9525">
+                <a14:hiddenLine xmlns:p14="http://schemas.microsoft.com/office/powerpoint/2010/main" xmlns:a14="http://schemas.microsoft.com/office/drawing/2010/main" xmlns:a16="http://schemas.microsoft.com/office/drawing/2014/main" xmlns="" w="9525">
                   <a:solidFill>
                     <a:srgbClr val="000000"/>
                   </a:solidFill>
@@ -18040,7 +18041,7 @@
             </a:ln>
             <a:extLst>
               <a:ext uri="{91240B29-F687-4f45-9708-019B960494DF}">
-                <a14:hiddenLine xmlns="" xmlns:a16="http://schemas.microsoft.com/office/drawing/2014/main" xmlns:a14="http://schemas.microsoft.com/office/drawing/2010/main" xmlns:p14="http://schemas.microsoft.com/office/powerpoint/2010/main" w="9525">
+                <a14:hiddenLine xmlns:p14="http://schemas.microsoft.com/office/powerpoint/2010/main" xmlns:a14="http://schemas.microsoft.com/office/drawing/2010/main" xmlns:a16="http://schemas.microsoft.com/office/drawing/2014/main" xmlns="" w="9525">
                   <a:solidFill>
                     <a:srgbClr val="000000"/>
                   </a:solidFill>
@@ -18096,7 +18097,7 @@
             </a:ln>
             <a:extLst>
               <a:ext uri="{91240B29-F687-4f45-9708-019B960494DF}">
-                <a14:hiddenLine xmlns="" xmlns:a16="http://schemas.microsoft.com/office/drawing/2014/main" xmlns:a14="http://schemas.microsoft.com/office/drawing/2010/main" xmlns:p14="http://schemas.microsoft.com/office/powerpoint/2010/main" w="9525">
+                <a14:hiddenLine xmlns:p14="http://schemas.microsoft.com/office/powerpoint/2010/main" xmlns:a14="http://schemas.microsoft.com/office/drawing/2010/main" xmlns:a16="http://schemas.microsoft.com/office/drawing/2014/main" xmlns="" w="9525">
                   <a:solidFill>
                     <a:srgbClr val="000000"/>
                   </a:solidFill>
@@ -18208,7 +18209,7 @@
             </a:ln>
             <a:extLst>
               <a:ext uri="{91240B29-F687-4f45-9708-019B960494DF}">
-                <a14:hiddenLine xmlns="" xmlns:a16="http://schemas.microsoft.com/office/drawing/2014/main" xmlns:a14="http://schemas.microsoft.com/office/drawing/2010/main" xmlns:p14="http://schemas.microsoft.com/office/powerpoint/2010/main" w="9525">
+                <a14:hiddenLine xmlns:p14="http://schemas.microsoft.com/office/powerpoint/2010/main" xmlns:a14="http://schemas.microsoft.com/office/drawing/2010/main" xmlns:a16="http://schemas.microsoft.com/office/drawing/2014/main" xmlns="" w="9525">
                   <a:solidFill>
                     <a:srgbClr val="000000"/>
                   </a:solidFill>
@@ -18292,7 +18293,7 @@
             </a:ln>
             <a:extLst>
               <a:ext uri="{91240B29-F687-4f45-9708-019B960494DF}">
-                <a14:hiddenLine xmlns="" xmlns:a16="http://schemas.microsoft.com/office/drawing/2014/main" xmlns:a14="http://schemas.microsoft.com/office/drawing/2010/main" xmlns:p14="http://schemas.microsoft.com/office/powerpoint/2010/main" w="9525">
+                <a14:hiddenLine xmlns:p14="http://schemas.microsoft.com/office/powerpoint/2010/main" xmlns:a14="http://schemas.microsoft.com/office/drawing/2010/main" xmlns:a16="http://schemas.microsoft.com/office/drawing/2014/main" xmlns="" w="9525">
                   <a:solidFill>
                     <a:srgbClr val="000000"/>
                   </a:solidFill>
@@ -18376,7 +18377,7 @@
             </a:ln>
             <a:extLst>
               <a:ext uri="{91240B29-F687-4f45-9708-019B960494DF}">
-                <a14:hiddenLine xmlns="" xmlns:a16="http://schemas.microsoft.com/office/drawing/2014/main" xmlns:a14="http://schemas.microsoft.com/office/drawing/2010/main" xmlns:p14="http://schemas.microsoft.com/office/powerpoint/2010/main" w="9525">
+                <a14:hiddenLine xmlns:p14="http://schemas.microsoft.com/office/powerpoint/2010/main" xmlns:a14="http://schemas.microsoft.com/office/drawing/2010/main" xmlns:a16="http://schemas.microsoft.com/office/drawing/2014/main" xmlns="" w="9525">
                   <a:solidFill>
                     <a:srgbClr val="000000"/>
                   </a:solidFill>
@@ -18488,7 +18489,7 @@
             </a:ln>
             <a:extLst>
               <a:ext uri="{91240B29-F687-4f45-9708-019B960494DF}">
-                <a14:hiddenLine xmlns="" xmlns:a16="http://schemas.microsoft.com/office/drawing/2014/main" xmlns:a14="http://schemas.microsoft.com/office/drawing/2010/main" xmlns:p14="http://schemas.microsoft.com/office/powerpoint/2010/main" w="9525">
+                <a14:hiddenLine xmlns:p14="http://schemas.microsoft.com/office/powerpoint/2010/main" xmlns:a14="http://schemas.microsoft.com/office/drawing/2010/main" xmlns:a16="http://schemas.microsoft.com/office/drawing/2014/main" xmlns="" w="9525">
                   <a:solidFill>
                     <a:srgbClr val="000000"/>
                   </a:solidFill>
@@ -18578,7 +18579,7 @@
             </a:ln>
             <a:extLst>
               <a:ext uri="{91240B29-F687-4f45-9708-019B960494DF}">
-                <a14:hiddenLine xmlns="" xmlns:a16="http://schemas.microsoft.com/office/drawing/2014/main" xmlns:a14="http://schemas.microsoft.com/office/drawing/2010/main" xmlns:p14="http://schemas.microsoft.com/office/powerpoint/2010/main" w="9525">
+                <a14:hiddenLine xmlns:p14="http://schemas.microsoft.com/office/powerpoint/2010/main" xmlns:a14="http://schemas.microsoft.com/office/drawing/2010/main" xmlns:a16="http://schemas.microsoft.com/office/drawing/2014/main" xmlns="" w="9525">
                   <a:solidFill>
                     <a:srgbClr val="000000"/>
                   </a:solidFill>
@@ -18662,7 +18663,7 @@
             </a:ln>
             <a:extLst>
               <a:ext uri="{91240B29-F687-4f45-9708-019B960494DF}">
-                <a14:hiddenLine xmlns="" xmlns:a16="http://schemas.microsoft.com/office/drawing/2014/main" xmlns:a14="http://schemas.microsoft.com/office/drawing/2010/main" xmlns:p14="http://schemas.microsoft.com/office/powerpoint/2010/main" w="9525">
+                <a14:hiddenLine xmlns:p14="http://schemas.microsoft.com/office/powerpoint/2010/main" xmlns:a14="http://schemas.microsoft.com/office/drawing/2010/main" xmlns:a16="http://schemas.microsoft.com/office/drawing/2014/main" xmlns="" w="9525">
                   <a:solidFill>
                     <a:srgbClr val="000000"/>
                   </a:solidFill>
@@ -18774,7 +18775,7 @@
             </a:ln>
             <a:extLst>
               <a:ext uri="{91240B29-F687-4f45-9708-019B960494DF}">
-                <a14:hiddenLine xmlns="" xmlns:a16="http://schemas.microsoft.com/office/drawing/2014/main" xmlns:a14="http://schemas.microsoft.com/office/drawing/2010/main" xmlns:p14="http://schemas.microsoft.com/office/powerpoint/2010/main" w="9525">
+                <a14:hiddenLine xmlns:p14="http://schemas.microsoft.com/office/powerpoint/2010/main" xmlns:a14="http://schemas.microsoft.com/office/drawing/2010/main" xmlns:a16="http://schemas.microsoft.com/office/drawing/2014/main" xmlns="" w="9525">
                   <a:solidFill>
                     <a:srgbClr val="000000"/>
                   </a:solidFill>
@@ -18858,7 +18859,7 @@
             </a:ln>
             <a:extLst>
               <a:ext uri="{91240B29-F687-4f45-9708-019B960494DF}">
-                <a14:hiddenLine xmlns="" xmlns:a16="http://schemas.microsoft.com/office/drawing/2014/main" xmlns:a14="http://schemas.microsoft.com/office/drawing/2010/main" xmlns:p14="http://schemas.microsoft.com/office/powerpoint/2010/main" w="9525">
+                <a14:hiddenLine xmlns:p14="http://schemas.microsoft.com/office/powerpoint/2010/main" xmlns:a14="http://schemas.microsoft.com/office/drawing/2010/main" xmlns:a16="http://schemas.microsoft.com/office/drawing/2014/main" xmlns="" w="9525">
                   <a:solidFill>
                     <a:srgbClr val="000000"/>
                   </a:solidFill>
@@ -18970,7 +18971,7 @@
             </a:ln>
             <a:extLst>
               <a:ext uri="{91240B29-F687-4f45-9708-019B960494DF}">
-                <a14:hiddenLine xmlns="" xmlns:a16="http://schemas.microsoft.com/office/drawing/2014/main" xmlns:a14="http://schemas.microsoft.com/office/drawing/2010/main" xmlns:p14="http://schemas.microsoft.com/office/powerpoint/2010/main" w="9525">
+                <a14:hiddenLine xmlns:p14="http://schemas.microsoft.com/office/powerpoint/2010/main" xmlns:a14="http://schemas.microsoft.com/office/drawing/2010/main" xmlns:a16="http://schemas.microsoft.com/office/drawing/2014/main" xmlns="" w="9525">
                   <a:solidFill>
                     <a:srgbClr val="000000"/>
                   </a:solidFill>
@@ -19054,7 +19055,7 @@
             </a:ln>
             <a:extLst>
               <a:ext uri="{91240B29-F687-4f45-9708-019B960494DF}">
-                <a14:hiddenLine xmlns="" xmlns:a16="http://schemas.microsoft.com/office/drawing/2014/main" xmlns:a14="http://schemas.microsoft.com/office/drawing/2010/main" xmlns:p14="http://schemas.microsoft.com/office/powerpoint/2010/main" w="9525">
+                <a14:hiddenLine xmlns:p14="http://schemas.microsoft.com/office/powerpoint/2010/main" xmlns:a14="http://schemas.microsoft.com/office/drawing/2010/main" xmlns:a16="http://schemas.microsoft.com/office/drawing/2014/main" xmlns="" w="9525">
                   <a:solidFill>
                     <a:srgbClr val="000000"/>
                   </a:solidFill>
@@ -19166,7 +19167,7 @@
             </a:ln>
             <a:extLst>
               <a:ext uri="{91240B29-F687-4f45-9708-019B960494DF}">
-                <a14:hiddenLine xmlns="" xmlns:a16="http://schemas.microsoft.com/office/drawing/2014/main" xmlns:a14="http://schemas.microsoft.com/office/drawing/2010/main" xmlns:p14="http://schemas.microsoft.com/office/powerpoint/2010/main" w="9525">
+                <a14:hiddenLine xmlns:p14="http://schemas.microsoft.com/office/powerpoint/2010/main" xmlns:a14="http://schemas.microsoft.com/office/drawing/2010/main" xmlns:a16="http://schemas.microsoft.com/office/drawing/2014/main" xmlns="" w="9525">
                   <a:solidFill>
                     <a:srgbClr val="000000"/>
                   </a:solidFill>
@@ -19222,7 +19223,7 @@
             </a:ln>
             <a:extLst>
               <a:ext uri="{91240B29-F687-4f45-9708-019B960494DF}">
-                <a14:hiddenLine xmlns="" xmlns:a16="http://schemas.microsoft.com/office/drawing/2014/main" xmlns:a14="http://schemas.microsoft.com/office/drawing/2010/main" xmlns:p14="http://schemas.microsoft.com/office/powerpoint/2010/main" w="9525">
+                <a14:hiddenLine xmlns:p14="http://schemas.microsoft.com/office/powerpoint/2010/main" xmlns:a14="http://schemas.microsoft.com/office/drawing/2010/main" xmlns:a16="http://schemas.microsoft.com/office/drawing/2014/main" xmlns="" w="9525">
                   <a:solidFill>
                     <a:srgbClr val="000000"/>
                   </a:solidFill>
@@ -19309,7 +19310,7 @@
             </a:ln>
             <a:extLst>
               <a:ext uri="{91240B29-F687-4f45-9708-019B960494DF}">
-                <a14:hiddenLine xmlns="" xmlns:a16="http://schemas.microsoft.com/office/drawing/2014/main" xmlns:a14="http://schemas.microsoft.com/office/drawing/2010/main" xmlns:p14="http://schemas.microsoft.com/office/powerpoint/2010/main" w="9525">
+                <a14:hiddenLine xmlns:p14="http://schemas.microsoft.com/office/powerpoint/2010/main" xmlns:a14="http://schemas.microsoft.com/office/drawing/2010/main" xmlns:a16="http://schemas.microsoft.com/office/drawing/2014/main" xmlns="" w="9525">
                   <a:solidFill>
                     <a:srgbClr val="000000"/>
                   </a:solidFill>
@@ -19421,7 +19422,7 @@
             </a:ln>
             <a:extLst>
               <a:ext uri="{91240B29-F687-4f45-9708-019B960494DF}">
-                <a14:hiddenLine xmlns="" xmlns:a16="http://schemas.microsoft.com/office/drawing/2014/main" xmlns:a14="http://schemas.microsoft.com/office/drawing/2010/main" xmlns:p14="http://schemas.microsoft.com/office/powerpoint/2010/main" w="9525">
+                <a14:hiddenLine xmlns:p14="http://schemas.microsoft.com/office/powerpoint/2010/main" xmlns:a14="http://schemas.microsoft.com/office/drawing/2010/main" xmlns:a16="http://schemas.microsoft.com/office/drawing/2014/main" xmlns="" w="9525">
                   <a:solidFill>
                     <a:srgbClr val="000000"/>
                   </a:solidFill>
@@ -19505,7 +19506,7 @@
             </a:ln>
             <a:extLst>
               <a:ext uri="{91240B29-F687-4f45-9708-019B960494DF}">
-                <a14:hiddenLine xmlns="" xmlns:a16="http://schemas.microsoft.com/office/drawing/2014/main" xmlns:a14="http://schemas.microsoft.com/office/drawing/2010/main" xmlns:p14="http://schemas.microsoft.com/office/powerpoint/2010/main" w="9525">
+                <a14:hiddenLine xmlns:p14="http://schemas.microsoft.com/office/powerpoint/2010/main" xmlns:a14="http://schemas.microsoft.com/office/drawing/2010/main" xmlns:a16="http://schemas.microsoft.com/office/drawing/2014/main" xmlns="" w="9525">
                   <a:solidFill>
                     <a:srgbClr val="000000"/>
                   </a:solidFill>
@@ -19617,7 +19618,7 @@
             </a:ln>
             <a:extLst>
               <a:ext uri="{91240B29-F687-4f45-9708-019B960494DF}">
-                <a14:hiddenLine xmlns="" xmlns:a16="http://schemas.microsoft.com/office/drawing/2014/main" xmlns:a14="http://schemas.microsoft.com/office/drawing/2010/main" xmlns:p14="http://schemas.microsoft.com/office/powerpoint/2010/main" w="9525">
+                <a14:hiddenLine xmlns:p14="http://schemas.microsoft.com/office/powerpoint/2010/main" xmlns:a14="http://schemas.microsoft.com/office/drawing/2010/main" xmlns:a16="http://schemas.microsoft.com/office/drawing/2014/main" xmlns="" w="9525">
                   <a:solidFill>
                     <a:srgbClr val="000000"/>
                   </a:solidFill>
@@ -19729,7 +19730,7 @@
             </a:ln>
             <a:extLst>
               <a:ext uri="{91240B29-F687-4f45-9708-019B960494DF}">
-                <a14:hiddenLine xmlns="" xmlns:a16="http://schemas.microsoft.com/office/drawing/2014/main" xmlns:a14="http://schemas.microsoft.com/office/drawing/2010/main" xmlns:p14="http://schemas.microsoft.com/office/powerpoint/2010/main" w="9525">
+                <a14:hiddenLine xmlns:p14="http://schemas.microsoft.com/office/powerpoint/2010/main" xmlns:a14="http://schemas.microsoft.com/office/drawing/2010/main" xmlns:a16="http://schemas.microsoft.com/office/drawing/2014/main" xmlns="" w="9525">
                   <a:solidFill>
                     <a:srgbClr val="000000"/>
                   </a:solidFill>
@@ -19816,7 +19817,7 @@
             </a:ln>
             <a:extLst>
               <a:ext uri="{91240B29-F687-4f45-9708-019B960494DF}">
-                <a14:hiddenLine xmlns="" xmlns:a16="http://schemas.microsoft.com/office/drawing/2014/main" xmlns:a14="http://schemas.microsoft.com/office/drawing/2010/main" xmlns:p14="http://schemas.microsoft.com/office/powerpoint/2010/main" w="9525">
+                <a14:hiddenLine xmlns:p14="http://schemas.microsoft.com/office/powerpoint/2010/main" xmlns:a14="http://schemas.microsoft.com/office/drawing/2010/main" xmlns:a16="http://schemas.microsoft.com/office/drawing/2014/main" xmlns="" w="9525">
                   <a:solidFill>
                     <a:srgbClr val="000000"/>
                   </a:solidFill>
@@ -19900,7 +19901,7 @@
             </a:ln>
             <a:extLst>
               <a:ext uri="{91240B29-F687-4f45-9708-019B960494DF}">
-                <a14:hiddenLine xmlns="" xmlns:a16="http://schemas.microsoft.com/office/drawing/2014/main" xmlns:a14="http://schemas.microsoft.com/office/drawing/2010/main" xmlns:p14="http://schemas.microsoft.com/office/powerpoint/2010/main" w="9525">
+                <a14:hiddenLine xmlns:p14="http://schemas.microsoft.com/office/powerpoint/2010/main" xmlns:a14="http://schemas.microsoft.com/office/drawing/2010/main" xmlns:a16="http://schemas.microsoft.com/office/drawing/2014/main" xmlns="" w="9525">
                   <a:solidFill>
                     <a:srgbClr val="000000"/>
                   </a:solidFill>
@@ -20012,7 +20013,7 @@
             </a:ln>
             <a:extLst>
               <a:ext uri="{91240B29-F687-4f45-9708-019B960494DF}">
-                <a14:hiddenLine xmlns="" xmlns:a16="http://schemas.microsoft.com/office/drawing/2014/main" xmlns:a14="http://schemas.microsoft.com/office/drawing/2010/main" xmlns:p14="http://schemas.microsoft.com/office/powerpoint/2010/main" w="9525">
+                <a14:hiddenLine xmlns:p14="http://schemas.microsoft.com/office/powerpoint/2010/main" xmlns:a14="http://schemas.microsoft.com/office/drawing/2010/main" xmlns:a16="http://schemas.microsoft.com/office/drawing/2014/main" xmlns="" w="9525">
                   <a:solidFill>
                     <a:srgbClr val="000000"/>
                   </a:solidFill>
@@ -20124,7 +20125,7 @@
             </a:ln>
             <a:extLst>
               <a:ext uri="{91240B29-F687-4f45-9708-019B960494DF}">
-                <a14:hiddenLine xmlns="" xmlns:a16="http://schemas.microsoft.com/office/drawing/2014/main" xmlns:a14="http://schemas.microsoft.com/office/drawing/2010/main" xmlns:p14="http://schemas.microsoft.com/office/powerpoint/2010/main" w="9525">
+                <a14:hiddenLine xmlns:p14="http://schemas.microsoft.com/office/powerpoint/2010/main" xmlns:a14="http://schemas.microsoft.com/office/drawing/2010/main" xmlns:a16="http://schemas.microsoft.com/office/drawing/2014/main" xmlns="" w="9525">
                   <a:solidFill>
                     <a:srgbClr val="000000"/>
                   </a:solidFill>
@@ -20208,7 +20209,7 @@
             </a:ln>
             <a:extLst>
               <a:ext uri="{91240B29-F687-4f45-9708-019B960494DF}">
-                <a14:hiddenLine xmlns="" xmlns:a16="http://schemas.microsoft.com/office/drawing/2014/main" xmlns:a14="http://schemas.microsoft.com/office/drawing/2010/main" xmlns:p14="http://schemas.microsoft.com/office/powerpoint/2010/main" w="9525">
+                <a14:hiddenLine xmlns:p14="http://schemas.microsoft.com/office/powerpoint/2010/main" xmlns:a14="http://schemas.microsoft.com/office/drawing/2010/main" xmlns:a16="http://schemas.microsoft.com/office/drawing/2014/main" xmlns="" w="9525">
                   <a:solidFill>
                     <a:srgbClr val="000000"/>
                   </a:solidFill>
@@ -20350,7 +20351,7 @@
             </a:ln>
             <a:extLst>
               <a:ext uri="{91240B29-F687-4f45-9708-019B960494DF}">
-                <a14:hiddenLine xmlns="" xmlns:a16="http://schemas.microsoft.com/office/drawing/2014/main" xmlns:a14="http://schemas.microsoft.com/office/drawing/2010/main" xmlns:p14="http://schemas.microsoft.com/office/powerpoint/2010/main" w="9525">
+                <a14:hiddenLine xmlns:p14="http://schemas.microsoft.com/office/powerpoint/2010/main" xmlns:a14="http://schemas.microsoft.com/office/drawing/2010/main" xmlns:a16="http://schemas.microsoft.com/office/drawing/2014/main" xmlns="" w="9525">
                   <a:solidFill>
                     <a:srgbClr val="000000"/>
                   </a:solidFill>
@@ -20440,7 +20441,7 @@
             </a:ln>
             <a:extLst>
               <a:ext uri="{91240B29-F687-4f45-9708-019B960494DF}">
-                <a14:hiddenLine xmlns="" xmlns:a16="http://schemas.microsoft.com/office/drawing/2014/main" xmlns:a14="http://schemas.microsoft.com/office/drawing/2010/main" xmlns:p14="http://schemas.microsoft.com/office/powerpoint/2010/main" w="9525">
+                <a14:hiddenLine xmlns:p14="http://schemas.microsoft.com/office/powerpoint/2010/main" xmlns:a14="http://schemas.microsoft.com/office/drawing/2010/main" xmlns:a16="http://schemas.microsoft.com/office/drawing/2014/main" xmlns="" w="9525">
                   <a:solidFill>
                     <a:srgbClr val="000000"/>
                   </a:solidFill>
@@ -20552,7 +20553,7 @@
             </a:ln>
             <a:extLst>
               <a:ext uri="{91240B29-F687-4f45-9708-019B960494DF}">
-                <a14:hiddenLine xmlns="" xmlns:a16="http://schemas.microsoft.com/office/drawing/2014/main" xmlns:a14="http://schemas.microsoft.com/office/drawing/2010/main" xmlns:p14="http://schemas.microsoft.com/office/powerpoint/2010/main" w="9525">
+                <a14:hiddenLine xmlns:p14="http://schemas.microsoft.com/office/powerpoint/2010/main" xmlns:a14="http://schemas.microsoft.com/office/drawing/2010/main" xmlns:a16="http://schemas.microsoft.com/office/drawing/2014/main" xmlns="" w="9525">
                   <a:solidFill>
                     <a:srgbClr val="000000"/>
                   </a:solidFill>
@@ -20716,7 +20717,7 @@
             <a:noFill/>
             <a:extLst>
               <a:ext uri="{909E8E84-426E-40dd-AFC4-6F175D3DCCD1}">
-                <a14:hiddenFill xmlns="" xmlns:a16="http://schemas.microsoft.com/office/drawing/2014/main" xmlns:a14="http://schemas.microsoft.com/office/drawing/2010/main" xmlns:p14="http://schemas.microsoft.com/office/powerpoint/2010/main">
+                <a14:hiddenFill xmlns:p14="http://schemas.microsoft.com/office/powerpoint/2010/main" xmlns:a14="http://schemas.microsoft.com/office/drawing/2010/main" xmlns:a16="http://schemas.microsoft.com/office/drawing/2014/main" xmlns="">
                   <a:solidFill>
                     <a:srgbClr val="FFFFFF"/>
                   </a:solidFill>
@@ -20844,7 +20845,7 @@
             </a:ln>
             <a:extLst>
               <a:ext uri="{91240B29-F687-4f45-9708-019B960494DF}">
-                <a14:hiddenLine xmlns="" xmlns:a16="http://schemas.microsoft.com/office/drawing/2014/main" xmlns:a14="http://schemas.microsoft.com/office/drawing/2010/main" xmlns:p14="http://schemas.microsoft.com/office/powerpoint/2010/main" w="9525">
+                <a14:hiddenLine xmlns:p14="http://schemas.microsoft.com/office/powerpoint/2010/main" xmlns:a14="http://schemas.microsoft.com/office/drawing/2010/main" xmlns:a16="http://schemas.microsoft.com/office/drawing/2014/main" xmlns="" w="9525">
                   <a:solidFill>
                     <a:srgbClr val="000000"/>
                   </a:solidFill>
@@ -20956,7 +20957,7 @@
             </a:ln>
             <a:extLst>
               <a:ext uri="{91240B29-F687-4f45-9708-019B960494DF}">
-                <a14:hiddenLine xmlns="" xmlns:a16="http://schemas.microsoft.com/office/drawing/2014/main" xmlns:a14="http://schemas.microsoft.com/office/drawing/2010/main" xmlns:p14="http://schemas.microsoft.com/office/powerpoint/2010/main" w="9525">
+                <a14:hiddenLine xmlns:p14="http://schemas.microsoft.com/office/powerpoint/2010/main" xmlns:a14="http://schemas.microsoft.com/office/drawing/2010/main" xmlns:a16="http://schemas.microsoft.com/office/drawing/2014/main" xmlns="" w="9525">
                   <a:solidFill>
                     <a:srgbClr val="000000"/>
                   </a:solidFill>
@@ -21068,7 +21069,7 @@
             </a:ln>
             <a:extLst>
               <a:ext uri="{91240B29-F687-4f45-9708-019B960494DF}">
-                <a14:hiddenLine xmlns="" xmlns:a16="http://schemas.microsoft.com/office/drawing/2014/main" xmlns:a14="http://schemas.microsoft.com/office/drawing/2010/main" xmlns:p14="http://schemas.microsoft.com/office/powerpoint/2010/main" w="9525">
+                <a14:hiddenLine xmlns:p14="http://schemas.microsoft.com/office/powerpoint/2010/main" xmlns:a14="http://schemas.microsoft.com/office/drawing/2010/main" xmlns:a16="http://schemas.microsoft.com/office/drawing/2014/main" xmlns="" w="9525">
                   <a:solidFill>
                     <a:srgbClr val="000000"/>
                   </a:solidFill>
@@ -21152,7 +21153,7 @@
             </a:ln>
             <a:extLst>
               <a:ext uri="{91240B29-F687-4f45-9708-019B960494DF}">
-                <a14:hiddenLine xmlns="" xmlns:a16="http://schemas.microsoft.com/office/drawing/2014/main" xmlns:a14="http://schemas.microsoft.com/office/drawing/2010/main" xmlns:p14="http://schemas.microsoft.com/office/powerpoint/2010/main" w="9525">
+                <a14:hiddenLine xmlns:p14="http://schemas.microsoft.com/office/powerpoint/2010/main" xmlns:a14="http://schemas.microsoft.com/office/drawing/2010/main" xmlns:a16="http://schemas.microsoft.com/office/drawing/2014/main" xmlns="" w="9525">
                   <a:solidFill>
                     <a:srgbClr val="000000"/>
                   </a:solidFill>
@@ -21264,7 +21265,7 @@
             </a:ln>
             <a:extLst>
               <a:ext uri="{91240B29-F687-4f45-9708-019B960494DF}">
-                <a14:hiddenLine xmlns="" xmlns:a16="http://schemas.microsoft.com/office/drawing/2014/main" xmlns:a14="http://schemas.microsoft.com/office/drawing/2010/main" xmlns:p14="http://schemas.microsoft.com/office/powerpoint/2010/main" w="9525">
+                <a14:hiddenLine xmlns:p14="http://schemas.microsoft.com/office/powerpoint/2010/main" xmlns:a14="http://schemas.microsoft.com/office/drawing/2010/main" xmlns:a16="http://schemas.microsoft.com/office/drawing/2014/main" xmlns="" w="9525">
                   <a:solidFill>
                     <a:srgbClr val="000000"/>
                   </a:solidFill>
@@ -21348,7 +21349,7 @@
             </a:ln>
             <a:extLst>
               <a:ext uri="{91240B29-F687-4f45-9708-019B960494DF}">
-                <a14:hiddenLine xmlns="" xmlns:a16="http://schemas.microsoft.com/office/drawing/2014/main" xmlns:a14="http://schemas.microsoft.com/office/drawing/2010/main" xmlns:p14="http://schemas.microsoft.com/office/powerpoint/2010/main" w="9525">
+                <a14:hiddenLine xmlns:p14="http://schemas.microsoft.com/office/powerpoint/2010/main" xmlns:a14="http://schemas.microsoft.com/office/drawing/2010/main" xmlns:a16="http://schemas.microsoft.com/office/drawing/2014/main" xmlns="" w="9525">
                   <a:solidFill>
                     <a:srgbClr val="000000"/>
                   </a:solidFill>
@@ -21432,7 +21433,7 @@
             </a:ln>
             <a:extLst>
               <a:ext uri="{91240B29-F687-4f45-9708-019B960494DF}">
-                <a14:hiddenLine xmlns="" xmlns:a16="http://schemas.microsoft.com/office/drawing/2014/main" xmlns:a14="http://schemas.microsoft.com/office/drawing/2010/main" xmlns:p14="http://schemas.microsoft.com/office/powerpoint/2010/main" w="9525">
+                <a14:hiddenLine xmlns:p14="http://schemas.microsoft.com/office/powerpoint/2010/main" xmlns:a14="http://schemas.microsoft.com/office/drawing/2010/main" xmlns:a16="http://schemas.microsoft.com/office/drawing/2014/main" xmlns="" w="9525">
                   <a:solidFill>
                     <a:srgbClr val="000000"/>
                   </a:solidFill>
@@ -21544,7 +21545,7 @@
             </a:ln>
             <a:extLst>
               <a:ext uri="{91240B29-F687-4f45-9708-019B960494DF}">
-                <a14:hiddenLine xmlns="" xmlns:a16="http://schemas.microsoft.com/office/drawing/2014/main" xmlns:a14="http://schemas.microsoft.com/office/drawing/2010/main" xmlns:p14="http://schemas.microsoft.com/office/powerpoint/2010/main" w="9525">
+                <a14:hiddenLine xmlns:p14="http://schemas.microsoft.com/office/powerpoint/2010/main" xmlns:a14="http://schemas.microsoft.com/office/drawing/2010/main" xmlns:a16="http://schemas.microsoft.com/office/drawing/2014/main" xmlns="" w="9525">
                   <a:solidFill>
                     <a:srgbClr val="000000"/>
                   </a:solidFill>
@@ -21656,7 +21657,7 @@
             </a:ln>
             <a:extLst>
               <a:ext uri="{91240B29-F687-4f45-9708-019B960494DF}">
-                <a14:hiddenLine xmlns="" xmlns:a16="http://schemas.microsoft.com/office/drawing/2014/main" xmlns:a14="http://schemas.microsoft.com/office/drawing/2010/main" xmlns:p14="http://schemas.microsoft.com/office/powerpoint/2010/main" w="9525">
+                <a14:hiddenLine xmlns:p14="http://schemas.microsoft.com/office/powerpoint/2010/main" xmlns:a14="http://schemas.microsoft.com/office/drawing/2010/main" xmlns:a16="http://schemas.microsoft.com/office/drawing/2014/main" xmlns="" w="9525">
                   <a:solidFill>
                     <a:srgbClr val="000000"/>
                   </a:solidFill>
@@ -21740,7 +21741,7 @@
             </a:ln>
             <a:extLst>
               <a:ext uri="{91240B29-F687-4f45-9708-019B960494DF}">
-                <a14:hiddenLine xmlns="" xmlns:a16="http://schemas.microsoft.com/office/drawing/2014/main" xmlns:a14="http://schemas.microsoft.com/office/drawing/2010/main" xmlns:p14="http://schemas.microsoft.com/office/powerpoint/2010/main" w="9525">
+                <a14:hiddenLine xmlns:p14="http://schemas.microsoft.com/office/powerpoint/2010/main" xmlns:a14="http://schemas.microsoft.com/office/drawing/2010/main" xmlns:a16="http://schemas.microsoft.com/office/drawing/2014/main" xmlns="" w="9525">
                   <a:solidFill>
                     <a:srgbClr val="000000"/>
                   </a:solidFill>
@@ -21872,7 +21873,7 @@
             </a:ln>
             <a:extLst>
               <a:ext uri="{91240B29-F687-4f45-9708-019B960494DF}">
-                <a14:hiddenLine xmlns="" xmlns:a16="http://schemas.microsoft.com/office/drawing/2014/main" xmlns:a14="http://schemas.microsoft.com/office/drawing/2010/main" xmlns:p14="http://schemas.microsoft.com/office/powerpoint/2010/main" w="9525">
+                <a14:hiddenLine xmlns:p14="http://schemas.microsoft.com/office/powerpoint/2010/main" xmlns:a14="http://schemas.microsoft.com/office/drawing/2010/main" xmlns:a16="http://schemas.microsoft.com/office/drawing/2014/main" xmlns="" w="9525">
                   <a:solidFill>
                     <a:srgbClr val="000000"/>
                   </a:solidFill>
@@ -22000,7 +22001,7 @@
             </a:ln>
             <a:extLst>
               <a:ext uri="{91240B29-F687-4f45-9708-019B960494DF}">
-                <a14:hiddenLine xmlns="" xmlns:a16="http://schemas.microsoft.com/office/drawing/2014/main" xmlns:a14="http://schemas.microsoft.com/office/drawing/2010/main" xmlns:p14="http://schemas.microsoft.com/office/powerpoint/2010/main" w="9525">
+                <a14:hiddenLine xmlns:p14="http://schemas.microsoft.com/office/powerpoint/2010/main" xmlns:a14="http://schemas.microsoft.com/office/drawing/2010/main" xmlns:a16="http://schemas.microsoft.com/office/drawing/2014/main" xmlns="" w="9525">
                   <a:solidFill>
                     <a:srgbClr val="000000"/>
                   </a:solidFill>
@@ -22084,7 +22085,7 @@
             </a:ln>
             <a:extLst>
               <a:ext uri="{91240B29-F687-4f45-9708-019B960494DF}">
-                <a14:hiddenLine xmlns="" xmlns:a16="http://schemas.microsoft.com/office/drawing/2014/main" xmlns:a14="http://schemas.microsoft.com/office/drawing/2010/main" xmlns:p14="http://schemas.microsoft.com/office/powerpoint/2010/main" w="9525">
+                <a14:hiddenLine xmlns:p14="http://schemas.microsoft.com/office/powerpoint/2010/main" xmlns:a14="http://schemas.microsoft.com/office/drawing/2010/main" xmlns:a16="http://schemas.microsoft.com/office/drawing/2014/main" xmlns="" w="9525">
                   <a:solidFill>
                     <a:srgbClr val="000000"/>
                   </a:solidFill>
@@ -22168,7 +22169,7 @@
             </a:ln>
             <a:extLst>
               <a:ext uri="{91240B29-F687-4f45-9708-019B960494DF}">
-                <a14:hiddenLine xmlns="" xmlns:a16="http://schemas.microsoft.com/office/drawing/2014/main" xmlns:a14="http://schemas.microsoft.com/office/drawing/2010/main" xmlns:p14="http://schemas.microsoft.com/office/powerpoint/2010/main" w="9525">
+                <a14:hiddenLine xmlns:p14="http://schemas.microsoft.com/office/powerpoint/2010/main" xmlns:a14="http://schemas.microsoft.com/office/drawing/2010/main" xmlns:a16="http://schemas.microsoft.com/office/drawing/2014/main" xmlns="" w="9525">
                   <a:solidFill>
                     <a:srgbClr val="000000"/>
                   </a:solidFill>
@@ -22280,7 +22281,7 @@
             </a:ln>
             <a:extLst>
               <a:ext uri="{91240B29-F687-4f45-9708-019B960494DF}">
-                <a14:hiddenLine xmlns="" xmlns:a16="http://schemas.microsoft.com/office/drawing/2014/main" xmlns:a14="http://schemas.microsoft.com/office/drawing/2010/main" xmlns:p14="http://schemas.microsoft.com/office/powerpoint/2010/main" w="9525">
+                <a14:hiddenLine xmlns:p14="http://schemas.microsoft.com/office/powerpoint/2010/main" xmlns:a14="http://schemas.microsoft.com/office/drawing/2010/main" xmlns:a16="http://schemas.microsoft.com/office/drawing/2014/main" xmlns="" w="9525">
                   <a:solidFill>
                     <a:srgbClr val="000000"/>
                   </a:solidFill>
@@ -22336,7 +22337,7 @@
             </a:ln>
             <a:extLst>
               <a:ext uri="{91240B29-F687-4f45-9708-019B960494DF}">
-                <a14:hiddenLine xmlns="" xmlns:a16="http://schemas.microsoft.com/office/drawing/2014/main" xmlns:a14="http://schemas.microsoft.com/office/drawing/2010/main" xmlns:p14="http://schemas.microsoft.com/office/powerpoint/2010/main" w="9525">
+                <a14:hiddenLine xmlns:p14="http://schemas.microsoft.com/office/powerpoint/2010/main" xmlns:a14="http://schemas.microsoft.com/office/drawing/2010/main" xmlns:a16="http://schemas.microsoft.com/office/drawing/2014/main" xmlns="" w="9525">
                   <a:solidFill>
                     <a:srgbClr val="000000"/>
                   </a:solidFill>
@@ -22423,7 +22424,7 @@
             </a:ln>
             <a:extLst>
               <a:ext uri="{91240B29-F687-4f45-9708-019B960494DF}">
-                <a14:hiddenLine xmlns="" xmlns:a16="http://schemas.microsoft.com/office/drawing/2014/main" xmlns:a14="http://schemas.microsoft.com/office/drawing/2010/main" xmlns:p14="http://schemas.microsoft.com/office/powerpoint/2010/main" w="9525">
+                <a14:hiddenLine xmlns:p14="http://schemas.microsoft.com/office/powerpoint/2010/main" xmlns:a14="http://schemas.microsoft.com/office/drawing/2010/main" xmlns:a16="http://schemas.microsoft.com/office/drawing/2014/main" xmlns="" w="9525">
                   <a:solidFill>
                     <a:srgbClr val="000000"/>
                   </a:solidFill>
@@ -22535,7 +22536,7 @@
             </a:ln>
             <a:extLst>
               <a:ext uri="{91240B29-F687-4f45-9708-019B960494DF}">
-                <a14:hiddenLine xmlns="" xmlns:a16="http://schemas.microsoft.com/office/drawing/2014/main" xmlns:a14="http://schemas.microsoft.com/office/drawing/2010/main" xmlns:p14="http://schemas.microsoft.com/office/powerpoint/2010/main" w="9525">
+                <a14:hiddenLine xmlns:p14="http://schemas.microsoft.com/office/powerpoint/2010/main" xmlns:a14="http://schemas.microsoft.com/office/drawing/2010/main" xmlns:a16="http://schemas.microsoft.com/office/drawing/2014/main" xmlns="" w="9525">
                   <a:solidFill>
                     <a:srgbClr val="000000"/>
                   </a:solidFill>
@@ -22619,7 +22620,7 @@
             </a:ln>
             <a:extLst>
               <a:ext uri="{91240B29-F687-4f45-9708-019B960494DF}">
-                <a14:hiddenLine xmlns="" xmlns:a16="http://schemas.microsoft.com/office/drawing/2014/main" xmlns:a14="http://schemas.microsoft.com/office/drawing/2010/main" xmlns:p14="http://schemas.microsoft.com/office/powerpoint/2010/main" w="9525">
+                <a14:hiddenLine xmlns:p14="http://schemas.microsoft.com/office/powerpoint/2010/main" xmlns:a14="http://schemas.microsoft.com/office/drawing/2010/main" xmlns:a16="http://schemas.microsoft.com/office/drawing/2014/main" xmlns="" w="9525">
                   <a:solidFill>
                     <a:srgbClr val="000000"/>
                   </a:solidFill>
@@ -22731,7 +22732,7 @@
             </a:ln>
             <a:extLst>
               <a:ext uri="{91240B29-F687-4f45-9708-019B960494DF}">
-                <a14:hiddenLine xmlns="" xmlns:a16="http://schemas.microsoft.com/office/drawing/2014/main" xmlns:a14="http://schemas.microsoft.com/office/drawing/2010/main" xmlns:p14="http://schemas.microsoft.com/office/powerpoint/2010/main" w="9525">
+                <a14:hiddenLine xmlns:p14="http://schemas.microsoft.com/office/powerpoint/2010/main" xmlns:a14="http://schemas.microsoft.com/office/drawing/2010/main" xmlns:a16="http://schemas.microsoft.com/office/drawing/2014/main" xmlns="" w="9525">
                   <a:solidFill>
                     <a:srgbClr val="000000"/>
                   </a:solidFill>
@@ -22818,7 +22819,7 @@
             </a:ln>
             <a:extLst>
               <a:ext uri="{91240B29-F687-4f45-9708-019B960494DF}">
-                <a14:hiddenLine xmlns="" xmlns:a16="http://schemas.microsoft.com/office/drawing/2014/main" xmlns:a14="http://schemas.microsoft.com/office/drawing/2010/main" xmlns:p14="http://schemas.microsoft.com/office/powerpoint/2010/main" w="9525">
+                <a14:hiddenLine xmlns:p14="http://schemas.microsoft.com/office/powerpoint/2010/main" xmlns:a14="http://schemas.microsoft.com/office/drawing/2010/main" xmlns:a16="http://schemas.microsoft.com/office/drawing/2014/main" xmlns="" w="9525">
                   <a:solidFill>
                     <a:srgbClr val="000000"/>
                   </a:solidFill>
@@ -22902,7 +22903,7 @@
             </a:ln>
             <a:extLst>
               <a:ext uri="{91240B29-F687-4f45-9708-019B960494DF}">
-                <a14:hiddenLine xmlns="" xmlns:a16="http://schemas.microsoft.com/office/drawing/2014/main" xmlns:a14="http://schemas.microsoft.com/office/drawing/2010/main" xmlns:p14="http://schemas.microsoft.com/office/powerpoint/2010/main" w="9525">
+                <a14:hiddenLine xmlns:p14="http://schemas.microsoft.com/office/powerpoint/2010/main" xmlns:a14="http://schemas.microsoft.com/office/drawing/2010/main" xmlns:a16="http://schemas.microsoft.com/office/drawing/2014/main" xmlns="" w="9525">
                   <a:solidFill>
                     <a:srgbClr val="000000"/>
                   </a:solidFill>
@@ -23014,7 +23015,7 @@
             </a:ln>
             <a:extLst>
               <a:ext uri="{91240B29-F687-4f45-9708-019B960494DF}">
-                <a14:hiddenLine xmlns="" xmlns:a16="http://schemas.microsoft.com/office/drawing/2014/main" xmlns:a14="http://schemas.microsoft.com/office/drawing/2010/main" xmlns:p14="http://schemas.microsoft.com/office/powerpoint/2010/main" w="9525">
+                <a14:hiddenLine xmlns:p14="http://schemas.microsoft.com/office/powerpoint/2010/main" xmlns:a14="http://schemas.microsoft.com/office/drawing/2010/main" xmlns:a16="http://schemas.microsoft.com/office/drawing/2014/main" xmlns="" w="9525">
                   <a:solidFill>
                     <a:srgbClr val="000000"/>
                   </a:solidFill>
@@ -23126,7 +23127,7 @@
             </a:ln>
             <a:extLst>
               <a:ext uri="{91240B29-F687-4f45-9708-019B960494DF}">
-                <a14:hiddenLine xmlns="" xmlns:a16="http://schemas.microsoft.com/office/drawing/2014/main" xmlns:a14="http://schemas.microsoft.com/office/drawing/2010/main" xmlns:p14="http://schemas.microsoft.com/office/powerpoint/2010/main" w="9525">
+                <a14:hiddenLine xmlns:p14="http://schemas.microsoft.com/office/powerpoint/2010/main" xmlns:a14="http://schemas.microsoft.com/office/drawing/2010/main" xmlns:a16="http://schemas.microsoft.com/office/drawing/2014/main" xmlns="" w="9525">
                   <a:solidFill>
                     <a:srgbClr val="000000"/>
                   </a:solidFill>
@@ -23213,7 +23214,7 @@
             </a:ln>
             <a:extLst>
               <a:ext uri="{91240B29-F687-4f45-9708-019B960494DF}">
-                <a14:hiddenLine xmlns="" xmlns:a16="http://schemas.microsoft.com/office/drawing/2014/main" xmlns:a14="http://schemas.microsoft.com/office/drawing/2010/main" xmlns:p14="http://schemas.microsoft.com/office/powerpoint/2010/main" w="9525">
+                <a14:hiddenLine xmlns:p14="http://schemas.microsoft.com/office/powerpoint/2010/main" xmlns:a14="http://schemas.microsoft.com/office/drawing/2010/main" xmlns:a16="http://schemas.microsoft.com/office/drawing/2014/main" xmlns="" w="9525">
                   <a:solidFill>
                     <a:srgbClr val="000000"/>
                   </a:solidFill>
@@ -23355,7 +23356,7 @@
             </a:ln>
             <a:extLst>
               <a:ext uri="{91240B29-F687-4f45-9708-019B960494DF}">
-                <a14:hiddenLine xmlns="" xmlns:a16="http://schemas.microsoft.com/office/drawing/2014/main" xmlns:a14="http://schemas.microsoft.com/office/drawing/2010/main" xmlns:p14="http://schemas.microsoft.com/office/powerpoint/2010/main" w="9525">
+                <a14:hiddenLine xmlns:p14="http://schemas.microsoft.com/office/powerpoint/2010/main" xmlns:a14="http://schemas.microsoft.com/office/drawing/2010/main" xmlns:a16="http://schemas.microsoft.com/office/drawing/2014/main" xmlns="" w="9525">
                   <a:solidFill>
                     <a:srgbClr val="000000"/>
                   </a:solidFill>
@@ -23541,7 +23542,7 @@
             </a:ln>
             <a:extLst>
               <a:ext uri="{91240B29-F687-4f45-9708-019B960494DF}">
-                <a14:hiddenLine xmlns="" xmlns:a16="http://schemas.microsoft.com/office/drawing/2014/main" xmlns:a14="http://schemas.microsoft.com/office/drawing/2010/main" xmlns:p14="http://schemas.microsoft.com/office/powerpoint/2010/main" w="9525">
+                <a14:hiddenLine xmlns:p14="http://schemas.microsoft.com/office/powerpoint/2010/main" xmlns:a14="http://schemas.microsoft.com/office/drawing/2010/main" xmlns:a16="http://schemas.microsoft.com/office/drawing/2014/main" xmlns="" w="9525">
                   <a:solidFill>
                     <a:srgbClr val="000000"/>
                   </a:solidFill>
@@ -23678,7 +23679,7 @@
             </a:ln>
             <a:extLst>
               <a:ext uri="{91240B29-F687-4f45-9708-019B960494DF}">
-                <a14:hiddenLine xmlns="" xmlns:a16="http://schemas.microsoft.com/office/drawing/2014/main" xmlns:a14="http://schemas.microsoft.com/office/drawing/2010/main" xmlns:p14="http://schemas.microsoft.com/office/powerpoint/2010/main" w="9525">
+                <a14:hiddenLine xmlns:p14="http://schemas.microsoft.com/office/powerpoint/2010/main" xmlns:a14="http://schemas.microsoft.com/office/drawing/2010/main" xmlns:a16="http://schemas.microsoft.com/office/drawing/2014/main" xmlns="" w="9525">
                   <a:solidFill>
                     <a:srgbClr val="000000"/>
                   </a:solidFill>
@@ -23790,7 +23791,7 @@
             </a:ln>
             <a:extLst>
               <a:ext uri="{91240B29-F687-4f45-9708-019B960494DF}">
-                <a14:hiddenLine xmlns="" xmlns:a16="http://schemas.microsoft.com/office/drawing/2014/main" xmlns:a14="http://schemas.microsoft.com/office/drawing/2010/main" xmlns:p14="http://schemas.microsoft.com/office/powerpoint/2010/main" w="9525">
+                <a14:hiddenLine xmlns:p14="http://schemas.microsoft.com/office/powerpoint/2010/main" xmlns:a14="http://schemas.microsoft.com/office/drawing/2010/main" xmlns:a16="http://schemas.microsoft.com/office/drawing/2014/main" xmlns="" w="9525">
                   <a:solidFill>
                     <a:srgbClr val="000000"/>
                   </a:solidFill>
@@ -23877,7 +23878,7 @@
             </a:ln>
             <a:extLst>
               <a:ext uri="{91240B29-F687-4f45-9708-019B960494DF}">
-                <a14:hiddenLine xmlns="" xmlns:a16="http://schemas.microsoft.com/office/drawing/2014/main" xmlns:a14="http://schemas.microsoft.com/office/drawing/2010/main" xmlns:p14="http://schemas.microsoft.com/office/powerpoint/2010/main" w="9525">
+                <a14:hiddenLine xmlns:p14="http://schemas.microsoft.com/office/powerpoint/2010/main" xmlns:a14="http://schemas.microsoft.com/office/drawing/2010/main" xmlns:a16="http://schemas.microsoft.com/office/drawing/2014/main" xmlns="" w="9525">
                   <a:solidFill>
                     <a:srgbClr val="000000"/>
                   </a:solidFill>
@@ -23989,7 +23990,7 @@
             </a:ln>
             <a:extLst>
               <a:ext uri="{91240B29-F687-4f45-9708-019B960494DF}">
-                <a14:hiddenLine xmlns="" xmlns:a16="http://schemas.microsoft.com/office/drawing/2014/main" xmlns:a14="http://schemas.microsoft.com/office/drawing/2010/main" xmlns:p14="http://schemas.microsoft.com/office/powerpoint/2010/main" w="9525">
+                <a14:hiddenLine xmlns:p14="http://schemas.microsoft.com/office/powerpoint/2010/main" xmlns:a14="http://schemas.microsoft.com/office/drawing/2010/main" xmlns:a16="http://schemas.microsoft.com/office/drawing/2014/main" xmlns="" w="9525">
                   <a:solidFill>
                     <a:srgbClr val="000000"/>
                   </a:solidFill>
@@ -24079,7 +24080,7 @@
             </a:ln>
             <a:extLst>
               <a:ext uri="{91240B29-F687-4f45-9708-019B960494DF}">
-                <a14:hiddenLine xmlns="" xmlns:a16="http://schemas.microsoft.com/office/drawing/2014/main" xmlns:a14="http://schemas.microsoft.com/office/drawing/2010/main" xmlns:p14="http://schemas.microsoft.com/office/powerpoint/2010/main" w="9525">
+                <a14:hiddenLine xmlns:p14="http://schemas.microsoft.com/office/powerpoint/2010/main" xmlns:a14="http://schemas.microsoft.com/office/drawing/2010/main" xmlns:a16="http://schemas.microsoft.com/office/drawing/2014/main" xmlns="" w="9525">
                   <a:solidFill>
                     <a:srgbClr val="000000"/>
                   </a:solidFill>
@@ -24191,7 +24192,7 @@
             </a:ln>
             <a:extLst>
               <a:ext uri="{91240B29-F687-4f45-9708-019B960494DF}">
-                <a14:hiddenLine xmlns="" xmlns:a16="http://schemas.microsoft.com/office/drawing/2014/main" xmlns:a14="http://schemas.microsoft.com/office/drawing/2010/main" xmlns:p14="http://schemas.microsoft.com/office/powerpoint/2010/main" w="9525">
+                <a14:hiddenLine xmlns:p14="http://schemas.microsoft.com/office/powerpoint/2010/main" xmlns:a14="http://schemas.microsoft.com/office/drawing/2010/main" xmlns:a16="http://schemas.microsoft.com/office/drawing/2014/main" xmlns="" w="9525">
                   <a:solidFill>
                     <a:srgbClr val="000000"/>
                   </a:solidFill>
@@ -24281,7 +24282,7 @@
             </a:ln>
             <a:extLst>
               <a:ext uri="{91240B29-F687-4f45-9708-019B960494DF}">
-                <a14:hiddenLine xmlns="" xmlns:a16="http://schemas.microsoft.com/office/drawing/2014/main" xmlns:a14="http://schemas.microsoft.com/office/drawing/2010/main" xmlns:p14="http://schemas.microsoft.com/office/powerpoint/2010/main" w="9525">
+                <a14:hiddenLine xmlns:p14="http://schemas.microsoft.com/office/powerpoint/2010/main" xmlns:a14="http://schemas.microsoft.com/office/drawing/2010/main" xmlns:a16="http://schemas.microsoft.com/office/drawing/2014/main" xmlns="" w="9525">
                   <a:solidFill>
                     <a:srgbClr val="000000"/>
                   </a:solidFill>
@@ -24393,7 +24394,7 @@
             </a:ln>
             <a:extLst>
               <a:ext uri="{91240B29-F687-4f45-9708-019B960494DF}">
-                <a14:hiddenLine xmlns="" xmlns:a16="http://schemas.microsoft.com/office/drawing/2014/main" xmlns:a14="http://schemas.microsoft.com/office/drawing/2010/main" xmlns:p14="http://schemas.microsoft.com/office/powerpoint/2010/main" w="9525">
+                <a14:hiddenLine xmlns:p14="http://schemas.microsoft.com/office/powerpoint/2010/main" xmlns:a14="http://schemas.microsoft.com/office/drawing/2010/main" xmlns:a16="http://schemas.microsoft.com/office/drawing/2014/main" xmlns="" w="9525">
                   <a:solidFill>
                     <a:srgbClr val="000000"/>
                   </a:solidFill>
@@ -24449,7 +24450,7 @@
             </a:ln>
             <a:extLst>
               <a:ext uri="{91240B29-F687-4f45-9708-019B960494DF}">
-                <a14:hiddenLine xmlns="" xmlns:a16="http://schemas.microsoft.com/office/drawing/2014/main" xmlns:a14="http://schemas.microsoft.com/office/drawing/2010/main" xmlns:p14="http://schemas.microsoft.com/office/powerpoint/2010/main" w="9525">
+                <a14:hiddenLine xmlns:p14="http://schemas.microsoft.com/office/powerpoint/2010/main" xmlns:a14="http://schemas.microsoft.com/office/drawing/2010/main" xmlns:a16="http://schemas.microsoft.com/office/drawing/2014/main" xmlns="" w="9525">
                   <a:solidFill>
                     <a:srgbClr val="000000"/>
                   </a:solidFill>
@@ -24670,7 +24671,7 @@
           <a:noFill/>
           <a:extLst>
             <a:ext uri="{909E8E84-426E-40dd-AFC4-6F175D3DCCD1}">
-              <a14:hiddenFill xmlns:p14="http://schemas.microsoft.com/office/powerpoint/2010/main" xmlns:a14="http://schemas.microsoft.com/office/drawing/2010/main" xmlns:a16="http://schemas.microsoft.com/office/drawing/2014/main" xmlns="">
+              <a14:hiddenFill xmlns="" xmlns:a16="http://schemas.microsoft.com/office/drawing/2014/main" xmlns:a14="http://schemas.microsoft.com/office/drawing/2010/main" xmlns:p14="http://schemas.microsoft.com/office/powerpoint/2010/main">
                 <a:solidFill>
                   <a:srgbClr val="FFFFFF"/>
                 </a:solidFill>
@@ -24761,7 +24762,7 @@
             </a:ln>
             <a:extLst>
               <a:ext uri="{91240B29-F687-4f45-9708-019B960494DF}">
-                <a14:hiddenLine xmlns:p14="http://schemas.microsoft.com/office/powerpoint/2010/main" xmlns:a14="http://schemas.microsoft.com/office/drawing/2010/main" xmlns:a16="http://schemas.microsoft.com/office/drawing/2014/main" xmlns="" w="9525">
+                <a14:hiddenLine xmlns="" xmlns:a16="http://schemas.microsoft.com/office/drawing/2014/main" xmlns:a14="http://schemas.microsoft.com/office/drawing/2010/main" xmlns:p14="http://schemas.microsoft.com/office/powerpoint/2010/main" w="9525">
                   <a:solidFill>
                     <a:srgbClr val="000000"/>
                   </a:solidFill>
@@ -24873,7 +24874,7 @@
             </a:ln>
             <a:extLst>
               <a:ext uri="{91240B29-F687-4f45-9708-019B960494DF}">
-                <a14:hiddenLine xmlns:p14="http://schemas.microsoft.com/office/powerpoint/2010/main" xmlns:a14="http://schemas.microsoft.com/office/drawing/2010/main" xmlns:a16="http://schemas.microsoft.com/office/drawing/2014/main" xmlns="" w="9525">
+                <a14:hiddenLine xmlns="" xmlns:a16="http://schemas.microsoft.com/office/drawing/2014/main" xmlns:a14="http://schemas.microsoft.com/office/drawing/2010/main" xmlns:p14="http://schemas.microsoft.com/office/powerpoint/2010/main" w="9525">
                   <a:solidFill>
                     <a:srgbClr val="000000"/>
                   </a:solidFill>
@@ -24985,7 +24986,7 @@
             </a:ln>
             <a:extLst>
               <a:ext uri="{91240B29-F687-4f45-9708-019B960494DF}">
-                <a14:hiddenLine xmlns:p14="http://schemas.microsoft.com/office/powerpoint/2010/main" xmlns:a14="http://schemas.microsoft.com/office/drawing/2010/main" xmlns:a16="http://schemas.microsoft.com/office/drawing/2014/main" xmlns="" w="9525">
+                <a14:hiddenLine xmlns="" xmlns:a16="http://schemas.microsoft.com/office/drawing/2014/main" xmlns:a14="http://schemas.microsoft.com/office/drawing/2010/main" xmlns:p14="http://schemas.microsoft.com/office/powerpoint/2010/main" w="9525">
                   <a:solidFill>
                     <a:srgbClr val="000000"/>
                   </a:solidFill>
@@ -25041,7 +25042,7 @@
             </a:ln>
             <a:extLst>
               <a:ext uri="{91240B29-F687-4f45-9708-019B960494DF}">
-                <a14:hiddenLine xmlns:p14="http://schemas.microsoft.com/office/powerpoint/2010/main" xmlns:a14="http://schemas.microsoft.com/office/drawing/2010/main" xmlns:a16="http://schemas.microsoft.com/office/drawing/2014/main" xmlns="" w="9525">
+                <a14:hiddenLine xmlns="" xmlns:a16="http://schemas.microsoft.com/office/drawing/2014/main" xmlns:a14="http://schemas.microsoft.com/office/drawing/2010/main" xmlns:p14="http://schemas.microsoft.com/office/powerpoint/2010/main" w="9525">
                   <a:solidFill>
                     <a:srgbClr val="000000"/>
                   </a:solidFill>
@@ -25153,7 +25154,7 @@
             </a:ln>
             <a:extLst>
               <a:ext uri="{91240B29-F687-4f45-9708-019B960494DF}">
-                <a14:hiddenLine xmlns:p14="http://schemas.microsoft.com/office/powerpoint/2010/main" xmlns:a14="http://schemas.microsoft.com/office/drawing/2010/main" xmlns:a16="http://schemas.microsoft.com/office/drawing/2014/main" xmlns="" w="9525">
+                <a14:hiddenLine xmlns="" xmlns:a16="http://schemas.microsoft.com/office/drawing/2014/main" xmlns:a14="http://schemas.microsoft.com/office/drawing/2010/main" xmlns:p14="http://schemas.microsoft.com/office/powerpoint/2010/main" w="9525">
                   <a:solidFill>
                     <a:srgbClr val="000000"/>
                   </a:solidFill>
@@ -25237,7 +25238,7 @@
             </a:ln>
             <a:extLst>
               <a:ext uri="{91240B29-F687-4f45-9708-019B960494DF}">
-                <a14:hiddenLine xmlns:p14="http://schemas.microsoft.com/office/powerpoint/2010/main" xmlns:a14="http://schemas.microsoft.com/office/drawing/2010/main" xmlns:a16="http://schemas.microsoft.com/office/drawing/2014/main" xmlns="" w="9525">
+                <a14:hiddenLine xmlns="" xmlns:a16="http://schemas.microsoft.com/office/drawing/2014/main" xmlns:a14="http://schemas.microsoft.com/office/drawing/2010/main" xmlns:p14="http://schemas.microsoft.com/office/powerpoint/2010/main" w="9525">
                   <a:solidFill>
                     <a:srgbClr val="000000"/>
                   </a:solidFill>
@@ -25321,7 +25322,7 @@
             </a:ln>
             <a:extLst>
               <a:ext uri="{91240B29-F687-4f45-9708-019B960494DF}">
-                <a14:hiddenLine xmlns:p14="http://schemas.microsoft.com/office/powerpoint/2010/main" xmlns:a14="http://schemas.microsoft.com/office/drawing/2010/main" xmlns:a16="http://schemas.microsoft.com/office/drawing/2014/main" xmlns="" w="9525">
+                <a14:hiddenLine xmlns="" xmlns:a16="http://schemas.microsoft.com/office/drawing/2014/main" xmlns:a14="http://schemas.microsoft.com/office/drawing/2010/main" xmlns:p14="http://schemas.microsoft.com/office/powerpoint/2010/main" w="9525">
                   <a:solidFill>
                     <a:srgbClr val="000000"/>
                   </a:solidFill>
@@ -25433,7 +25434,7 @@
             </a:ln>
             <a:extLst>
               <a:ext uri="{91240B29-F687-4f45-9708-019B960494DF}">
-                <a14:hiddenLine xmlns:p14="http://schemas.microsoft.com/office/powerpoint/2010/main" xmlns:a14="http://schemas.microsoft.com/office/drawing/2010/main" xmlns:a16="http://schemas.microsoft.com/office/drawing/2014/main" xmlns="" w="9525">
+                <a14:hiddenLine xmlns="" xmlns:a16="http://schemas.microsoft.com/office/drawing/2014/main" xmlns:a14="http://schemas.microsoft.com/office/drawing/2010/main" xmlns:p14="http://schemas.microsoft.com/office/powerpoint/2010/main" w="9525">
                   <a:solidFill>
                     <a:srgbClr val="000000"/>
                   </a:solidFill>
@@ -25517,7 +25518,7 @@
             </a:ln>
             <a:extLst>
               <a:ext uri="{91240B29-F687-4f45-9708-019B960494DF}">
-                <a14:hiddenLine xmlns:p14="http://schemas.microsoft.com/office/powerpoint/2010/main" xmlns:a14="http://schemas.microsoft.com/office/drawing/2010/main" xmlns:a16="http://schemas.microsoft.com/office/drawing/2014/main" xmlns="" w="9525">
+                <a14:hiddenLine xmlns="" xmlns:a16="http://schemas.microsoft.com/office/drawing/2014/main" xmlns:a14="http://schemas.microsoft.com/office/drawing/2010/main" xmlns:p14="http://schemas.microsoft.com/office/powerpoint/2010/main" w="9525">
                   <a:solidFill>
                     <a:srgbClr val="000000"/>
                   </a:solidFill>
@@ -25601,7 +25602,7 @@
             </a:ln>
             <a:extLst>
               <a:ext uri="{91240B29-F687-4f45-9708-019B960494DF}">
-                <a14:hiddenLine xmlns:p14="http://schemas.microsoft.com/office/powerpoint/2010/main" xmlns:a14="http://schemas.microsoft.com/office/drawing/2010/main" xmlns:a16="http://schemas.microsoft.com/office/drawing/2014/main" xmlns="" w="9525">
+                <a14:hiddenLine xmlns="" xmlns:a16="http://schemas.microsoft.com/office/drawing/2014/main" xmlns:a14="http://schemas.microsoft.com/office/drawing/2010/main" xmlns:p14="http://schemas.microsoft.com/office/powerpoint/2010/main" w="9525">
                   <a:solidFill>
                     <a:srgbClr val="000000"/>
                   </a:solidFill>
@@ -25713,7 +25714,7 @@
             </a:ln>
             <a:extLst>
               <a:ext uri="{91240B29-F687-4f45-9708-019B960494DF}">
-                <a14:hiddenLine xmlns:p14="http://schemas.microsoft.com/office/powerpoint/2010/main" xmlns:a14="http://schemas.microsoft.com/office/drawing/2010/main" xmlns:a16="http://schemas.microsoft.com/office/drawing/2014/main" xmlns="" w="9525">
+                <a14:hiddenLine xmlns="" xmlns:a16="http://schemas.microsoft.com/office/drawing/2014/main" xmlns:a14="http://schemas.microsoft.com/office/drawing/2010/main" xmlns:p14="http://schemas.microsoft.com/office/powerpoint/2010/main" w="9525">
                   <a:solidFill>
                     <a:srgbClr val="000000"/>
                   </a:solidFill>
@@ -25825,7 +25826,7 @@
             </a:ln>
             <a:extLst>
               <a:ext uri="{91240B29-F687-4f45-9708-019B960494DF}">
-                <a14:hiddenLine xmlns:p14="http://schemas.microsoft.com/office/powerpoint/2010/main" xmlns:a14="http://schemas.microsoft.com/office/drawing/2010/main" xmlns:a16="http://schemas.microsoft.com/office/drawing/2014/main" xmlns="" w="9525">
+                <a14:hiddenLine xmlns="" xmlns:a16="http://schemas.microsoft.com/office/drawing/2014/main" xmlns:a14="http://schemas.microsoft.com/office/drawing/2010/main" xmlns:p14="http://schemas.microsoft.com/office/powerpoint/2010/main" w="9525">
                   <a:solidFill>
                     <a:srgbClr val="000000"/>
                   </a:solidFill>
@@ -25909,7 +25910,7 @@
             </a:ln>
             <a:extLst>
               <a:ext uri="{91240B29-F687-4f45-9708-019B960494DF}">
-                <a14:hiddenLine xmlns:p14="http://schemas.microsoft.com/office/powerpoint/2010/main" xmlns:a14="http://schemas.microsoft.com/office/drawing/2010/main" xmlns:a16="http://schemas.microsoft.com/office/drawing/2014/main" xmlns="" w="9525">
+                <a14:hiddenLine xmlns="" xmlns:a16="http://schemas.microsoft.com/office/drawing/2014/main" xmlns:a14="http://schemas.microsoft.com/office/drawing/2010/main" xmlns:p14="http://schemas.microsoft.com/office/powerpoint/2010/main" w="9525">
                   <a:solidFill>
                     <a:srgbClr val="000000"/>
                   </a:solidFill>
@@ -26041,7 +26042,7 @@
             </a:ln>
             <a:extLst>
               <a:ext uri="{91240B29-F687-4f45-9708-019B960494DF}">
-                <a14:hiddenLine xmlns:p14="http://schemas.microsoft.com/office/powerpoint/2010/main" xmlns:a14="http://schemas.microsoft.com/office/drawing/2010/main" xmlns:a16="http://schemas.microsoft.com/office/drawing/2014/main" xmlns="" w="9525">
+                <a14:hiddenLine xmlns="" xmlns:a16="http://schemas.microsoft.com/office/drawing/2014/main" xmlns:a14="http://schemas.microsoft.com/office/drawing/2010/main" xmlns:p14="http://schemas.microsoft.com/office/powerpoint/2010/main" w="9525">
                   <a:solidFill>
                     <a:srgbClr val="000000"/>
                   </a:solidFill>
@@ -26125,7 +26126,7 @@
             </a:ln>
             <a:extLst>
               <a:ext uri="{91240B29-F687-4f45-9708-019B960494DF}">
-                <a14:hiddenLine xmlns:p14="http://schemas.microsoft.com/office/powerpoint/2010/main" xmlns:a14="http://schemas.microsoft.com/office/drawing/2010/main" xmlns:a16="http://schemas.microsoft.com/office/drawing/2014/main" xmlns="" w="9525">
+                <a14:hiddenLine xmlns="" xmlns:a16="http://schemas.microsoft.com/office/drawing/2014/main" xmlns:a14="http://schemas.microsoft.com/office/drawing/2010/main" xmlns:p14="http://schemas.microsoft.com/office/powerpoint/2010/main" w="9525">
                   <a:solidFill>
                     <a:srgbClr val="000000"/>
                   </a:solidFill>
@@ -26237,7 +26238,7 @@
             </a:ln>
             <a:extLst>
               <a:ext uri="{91240B29-F687-4f45-9708-019B960494DF}">
-                <a14:hiddenLine xmlns:p14="http://schemas.microsoft.com/office/powerpoint/2010/main" xmlns:a14="http://schemas.microsoft.com/office/drawing/2010/main" xmlns:a16="http://schemas.microsoft.com/office/drawing/2014/main" xmlns="" w="9525">
+                <a14:hiddenLine xmlns="" xmlns:a16="http://schemas.microsoft.com/office/drawing/2014/main" xmlns:a14="http://schemas.microsoft.com/office/drawing/2010/main" xmlns:p14="http://schemas.microsoft.com/office/powerpoint/2010/main" w="9525">
                   <a:solidFill>
                     <a:srgbClr val="000000"/>
                   </a:solidFill>
@@ -26349,7 +26350,7 @@
             </a:ln>
             <a:extLst>
               <a:ext uri="{91240B29-F687-4f45-9708-019B960494DF}">
-                <a14:hiddenLine xmlns:p14="http://schemas.microsoft.com/office/powerpoint/2010/main" xmlns:a14="http://schemas.microsoft.com/office/drawing/2010/main" xmlns:a16="http://schemas.microsoft.com/office/drawing/2014/main" xmlns="" w="9525">
+                <a14:hiddenLine xmlns="" xmlns:a16="http://schemas.microsoft.com/office/drawing/2014/main" xmlns:a14="http://schemas.microsoft.com/office/drawing/2010/main" xmlns:p14="http://schemas.microsoft.com/office/powerpoint/2010/main" w="9525">
                   <a:solidFill>
                     <a:srgbClr val="000000"/>
                   </a:solidFill>
@@ -26433,7 +26434,7 @@
             </a:ln>
             <a:extLst>
               <a:ext uri="{91240B29-F687-4f45-9708-019B960494DF}">
-                <a14:hiddenLine xmlns:p14="http://schemas.microsoft.com/office/powerpoint/2010/main" xmlns:a14="http://schemas.microsoft.com/office/drawing/2010/main" xmlns:a16="http://schemas.microsoft.com/office/drawing/2014/main" xmlns="" w="9525">
+                <a14:hiddenLine xmlns="" xmlns:a16="http://schemas.microsoft.com/office/drawing/2014/main" xmlns:a14="http://schemas.microsoft.com/office/drawing/2010/main" xmlns:p14="http://schemas.microsoft.com/office/powerpoint/2010/main" w="9525">
                   <a:solidFill>
                     <a:srgbClr val="000000"/>
                   </a:solidFill>
@@ -26545,7 +26546,7 @@
             </a:ln>
             <a:extLst>
               <a:ext uri="{91240B29-F687-4f45-9708-019B960494DF}">
-                <a14:hiddenLine xmlns:p14="http://schemas.microsoft.com/office/powerpoint/2010/main" xmlns:a14="http://schemas.microsoft.com/office/drawing/2010/main" xmlns:a16="http://schemas.microsoft.com/office/drawing/2014/main" xmlns="" w="9525">
+                <a14:hiddenLine xmlns="" xmlns:a16="http://schemas.microsoft.com/office/drawing/2014/main" xmlns:a14="http://schemas.microsoft.com/office/drawing/2010/main" xmlns:p14="http://schemas.microsoft.com/office/powerpoint/2010/main" w="9525">
                   <a:solidFill>
                     <a:srgbClr val="000000"/>
                   </a:solidFill>
@@ -26657,7 +26658,7 @@
             </a:ln>
             <a:extLst>
               <a:ext uri="{91240B29-F687-4f45-9708-019B960494DF}">
-                <a14:hiddenLine xmlns:p14="http://schemas.microsoft.com/office/powerpoint/2010/main" xmlns:a14="http://schemas.microsoft.com/office/drawing/2010/main" xmlns:a16="http://schemas.microsoft.com/office/drawing/2014/main" xmlns="" w="9525">
+                <a14:hiddenLine xmlns="" xmlns:a16="http://schemas.microsoft.com/office/drawing/2014/main" xmlns:a14="http://schemas.microsoft.com/office/drawing/2010/main" xmlns:p14="http://schemas.microsoft.com/office/powerpoint/2010/main" w="9525">
                   <a:solidFill>
                     <a:srgbClr val="000000"/>
                   </a:solidFill>
@@ -26735,7 +26736,7 @@
             </a:ln>
             <a:extLst>
               <a:ext uri="{91240B29-F687-4f45-9708-019B960494DF}">
-                <a14:hiddenLine xmlns:p14="http://schemas.microsoft.com/office/powerpoint/2010/main" xmlns:a14="http://schemas.microsoft.com/office/drawing/2010/main" xmlns:a16="http://schemas.microsoft.com/office/drawing/2014/main" xmlns="" w="9525">
+                <a14:hiddenLine xmlns="" xmlns:a16="http://schemas.microsoft.com/office/drawing/2014/main" xmlns:a14="http://schemas.microsoft.com/office/drawing/2010/main" xmlns:p14="http://schemas.microsoft.com/office/powerpoint/2010/main" w="9525">
                   <a:solidFill>
                     <a:srgbClr val="000000"/>
                   </a:solidFill>
@@ -26847,7 +26848,7 @@
             </a:ln>
             <a:extLst>
               <a:ext uri="{91240B29-F687-4f45-9708-019B960494DF}">
-                <a14:hiddenLine xmlns:p14="http://schemas.microsoft.com/office/powerpoint/2010/main" xmlns:a14="http://schemas.microsoft.com/office/drawing/2010/main" xmlns:a16="http://schemas.microsoft.com/office/drawing/2014/main" xmlns="" w="9525">
+                <a14:hiddenLine xmlns="" xmlns:a16="http://schemas.microsoft.com/office/drawing/2014/main" xmlns:a14="http://schemas.microsoft.com/office/drawing/2010/main" xmlns:p14="http://schemas.microsoft.com/office/powerpoint/2010/main" w="9525">
                   <a:solidFill>
                     <a:srgbClr val="000000"/>
                   </a:solidFill>
@@ -26925,7 +26926,7 @@
             </a:ln>
             <a:extLst>
               <a:ext uri="{91240B29-F687-4f45-9708-019B960494DF}">
-                <a14:hiddenLine xmlns:p14="http://schemas.microsoft.com/office/powerpoint/2010/main" xmlns:a14="http://schemas.microsoft.com/office/drawing/2010/main" xmlns:a16="http://schemas.microsoft.com/office/drawing/2014/main" xmlns="" w="9525">
+                <a14:hiddenLine xmlns="" xmlns:a16="http://schemas.microsoft.com/office/drawing/2014/main" xmlns:a14="http://schemas.microsoft.com/office/drawing/2010/main" xmlns:p14="http://schemas.microsoft.com/office/powerpoint/2010/main" w="9525">
                   <a:solidFill>
                     <a:srgbClr val="000000"/>
                   </a:solidFill>
@@ -27037,7 +27038,7 @@
             </a:ln>
             <a:extLst>
               <a:ext uri="{91240B29-F687-4f45-9708-019B960494DF}">
-                <a14:hiddenLine xmlns:p14="http://schemas.microsoft.com/office/powerpoint/2010/main" xmlns:a14="http://schemas.microsoft.com/office/drawing/2010/main" xmlns:a16="http://schemas.microsoft.com/office/drawing/2014/main" xmlns="" w="9525">
+                <a14:hiddenLine xmlns="" xmlns:a16="http://schemas.microsoft.com/office/drawing/2014/main" xmlns:a14="http://schemas.microsoft.com/office/drawing/2010/main" xmlns:p14="http://schemas.microsoft.com/office/powerpoint/2010/main" w="9525">
                   <a:solidFill>
                     <a:srgbClr val="000000"/>
                   </a:solidFill>
@@ -27127,7 +27128,7 @@
             </a:ln>
             <a:extLst>
               <a:ext uri="{91240B29-F687-4f45-9708-019B960494DF}">
-                <a14:hiddenLine xmlns:p14="http://schemas.microsoft.com/office/powerpoint/2010/main" xmlns:a14="http://schemas.microsoft.com/office/drawing/2010/main" xmlns:a16="http://schemas.microsoft.com/office/drawing/2014/main" xmlns="" w="9525">
+                <a14:hiddenLine xmlns="" xmlns:a16="http://schemas.microsoft.com/office/drawing/2014/main" xmlns:a14="http://schemas.microsoft.com/office/drawing/2010/main" xmlns:p14="http://schemas.microsoft.com/office/powerpoint/2010/main" w="9525">
                   <a:solidFill>
                     <a:srgbClr val="000000"/>
                   </a:solidFill>
@@ -27239,7 +27240,7 @@
             </a:ln>
             <a:extLst>
               <a:ext uri="{91240B29-F687-4f45-9708-019B960494DF}">
-                <a14:hiddenLine xmlns:p14="http://schemas.microsoft.com/office/powerpoint/2010/main" xmlns:a14="http://schemas.microsoft.com/office/drawing/2010/main" xmlns:a16="http://schemas.microsoft.com/office/drawing/2014/main" xmlns="" w="9525">
+                <a14:hiddenLine xmlns="" xmlns:a16="http://schemas.microsoft.com/office/drawing/2014/main" xmlns:a14="http://schemas.microsoft.com/office/drawing/2010/main" xmlns:p14="http://schemas.microsoft.com/office/powerpoint/2010/main" w="9525">
                   <a:solidFill>
                     <a:srgbClr val="000000"/>
                   </a:solidFill>
@@ -27329,7 +27330,7 @@
             </a:ln>
             <a:extLst>
               <a:ext uri="{91240B29-F687-4f45-9708-019B960494DF}">
-                <a14:hiddenLine xmlns:p14="http://schemas.microsoft.com/office/powerpoint/2010/main" xmlns:a14="http://schemas.microsoft.com/office/drawing/2010/main" xmlns:a16="http://schemas.microsoft.com/office/drawing/2014/main" xmlns="" w="9525">
+                <a14:hiddenLine xmlns="" xmlns:a16="http://schemas.microsoft.com/office/drawing/2014/main" xmlns:a14="http://schemas.microsoft.com/office/drawing/2010/main" xmlns:p14="http://schemas.microsoft.com/office/powerpoint/2010/main" w="9525">
                   <a:solidFill>
                     <a:srgbClr val="000000"/>
                   </a:solidFill>
@@ -27441,7 +27442,7 @@
             </a:ln>
             <a:extLst>
               <a:ext uri="{91240B29-F687-4f45-9708-019B960494DF}">
-                <a14:hiddenLine xmlns:p14="http://schemas.microsoft.com/office/powerpoint/2010/main" xmlns:a14="http://schemas.microsoft.com/office/drawing/2010/main" xmlns:a16="http://schemas.microsoft.com/office/drawing/2014/main" xmlns="" w="9525">
+                <a14:hiddenLine xmlns="" xmlns:a16="http://schemas.microsoft.com/office/drawing/2014/main" xmlns:a14="http://schemas.microsoft.com/office/drawing/2010/main" xmlns:p14="http://schemas.microsoft.com/office/powerpoint/2010/main" w="9525">
                   <a:solidFill>
                     <a:srgbClr val="000000"/>
                   </a:solidFill>
@@ -27497,7 +27498,7 @@
             </a:ln>
             <a:extLst>
               <a:ext uri="{91240B29-F687-4f45-9708-019B960494DF}">
-                <a14:hiddenLine xmlns:p14="http://schemas.microsoft.com/office/powerpoint/2010/main" xmlns:a14="http://schemas.microsoft.com/office/drawing/2010/main" xmlns:a16="http://schemas.microsoft.com/office/drawing/2014/main" xmlns="" w="9525">
+                <a14:hiddenLine xmlns="" xmlns:a16="http://schemas.microsoft.com/office/drawing/2014/main" xmlns:a14="http://schemas.microsoft.com/office/drawing/2010/main" xmlns:p14="http://schemas.microsoft.com/office/powerpoint/2010/main" w="9525">
                   <a:solidFill>
                     <a:srgbClr val="000000"/>
                   </a:solidFill>
@@ -27609,7 +27610,7 @@
             </a:ln>
             <a:extLst>
               <a:ext uri="{91240B29-F687-4f45-9708-019B960494DF}">
-                <a14:hiddenLine xmlns:p14="http://schemas.microsoft.com/office/powerpoint/2010/main" xmlns:a14="http://schemas.microsoft.com/office/drawing/2010/main" xmlns:a16="http://schemas.microsoft.com/office/drawing/2014/main" xmlns="" w="9525">
+                <a14:hiddenLine xmlns="" xmlns:a16="http://schemas.microsoft.com/office/drawing/2014/main" xmlns:a14="http://schemas.microsoft.com/office/drawing/2010/main" xmlns:p14="http://schemas.microsoft.com/office/powerpoint/2010/main" w="9525">
                   <a:solidFill>
                     <a:srgbClr val="000000"/>
                   </a:solidFill>
@@ -27693,7 +27694,7 @@
             </a:ln>
             <a:extLst>
               <a:ext uri="{91240B29-F687-4f45-9708-019B960494DF}">
-                <a14:hiddenLine xmlns:p14="http://schemas.microsoft.com/office/powerpoint/2010/main" xmlns:a14="http://schemas.microsoft.com/office/drawing/2010/main" xmlns:a16="http://schemas.microsoft.com/office/drawing/2014/main" xmlns="" w="9525">
+                <a14:hiddenLine xmlns="" xmlns:a16="http://schemas.microsoft.com/office/drawing/2014/main" xmlns:a14="http://schemas.microsoft.com/office/drawing/2010/main" xmlns:p14="http://schemas.microsoft.com/office/powerpoint/2010/main" w="9525">
                   <a:solidFill>
                     <a:srgbClr val="000000"/>
                   </a:solidFill>
@@ -27777,7 +27778,7 @@
             </a:ln>
             <a:extLst>
               <a:ext uri="{91240B29-F687-4f45-9708-019B960494DF}">
-                <a14:hiddenLine xmlns:p14="http://schemas.microsoft.com/office/powerpoint/2010/main" xmlns:a14="http://schemas.microsoft.com/office/drawing/2010/main" xmlns:a16="http://schemas.microsoft.com/office/drawing/2014/main" xmlns="" w="9525">
+                <a14:hiddenLine xmlns="" xmlns:a16="http://schemas.microsoft.com/office/drawing/2014/main" xmlns:a14="http://schemas.microsoft.com/office/drawing/2010/main" xmlns:p14="http://schemas.microsoft.com/office/powerpoint/2010/main" w="9525">
                   <a:solidFill>
                     <a:srgbClr val="000000"/>
                   </a:solidFill>
@@ -27889,7 +27890,7 @@
             </a:ln>
             <a:extLst>
               <a:ext uri="{91240B29-F687-4f45-9708-019B960494DF}">
-                <a14:hiddenLine xmlns:p14="http://schemas.microsoft.com/office/powerpoint/2010/main" xmlns:a14="http://schemas.microsoft.com/office/drawing/2010/main" xmlns:a16="http://schemas.microsoft.com/office/drawing/2014/main" xmlns="" w="9525">
+                <a14:hiddenLine xmlns="" xmlns:a16="http://schemas.microsoft.com/office/drawing/2014/main" xmlns:a14="http://schemas.microsoft.com/office/drawing/2010/main" xmlns:p14="http://schemas.microsoft.com/office/powerpoint/2010/main" w="9525">
                   <a:solidFill>
                     <a:srgbClr val="000000"/>
                   </a:solidFill>
@@ -27979,7 +27980,7 @@
             </a:ln>
             <a:extLst>
               <a:ext uri="{91240B29-F687-4f45-9708-019B960494DF}">
-                <a14:hiddenLine xmlns:p14="http://schemas.microsoft.com/office/powerpoint/2010/main" xmlns:a14="http://schemas.microsoft.com/office/drawing/2010/main" xmlns:a16="http://schemas.microsoft.com/office/drawing/2014/main" xmlns="" w="9525">
+                <a14:hiddenLine xmlns="" xmlns:a16="http://schemas.microsoft.com/office/drawing/2014/main" xmlns:a14="http://schemas.microsoft.com/office/drawing/2010/main" xmlns:p14="http://schemas.microsoft.com/office/powerpoint/2010/main" w="9525">
                   <a:solidFill>
                     <a:srgbClr val="000000"/>
                   </a:solidFill>
@@ -28063,7 +28064,7 @@
             </a:ln>
             <a:extLst>
               <a:ext uri="{91240B29-F687-4f45-9708-019B960494DF}">
-                <a14:hiddenLine xmlns:p14="http://schemas.microsoft.com/office/powerpoint/2010/main" xmlns:a14="http://schemas.microsoft.com/office/drawing/2010/main" xmlns:a16="http://schemas.microsoft.com/office/drawing/2014/main" xmlns="" w="9525">
+                <a14:hiddenLine xmlns="" xmlns:a16="http://schemas.microsoft.com/office/drawing/2014/main" xmlns:a14="http://schemas.microsoft.com/office/drawing/2010/main" xmlns:p14="http://schemas.microsoft.com/office/powerpoint/2010/main" w="9525">
                   <a:solidFill>
                     <a:srgbClr val="000000"/>
                   </a:solidFill>
@@ -28175,7 +28176,7 @@
             </a:ln>
             <a:extLst>
               <a:ext uri="{91240B29-F687-4f45-9708-019B960494DF}">
-                <a14:hiddenLine xmlns:p14="http://schemas.microsoft.com/office/powerpoint/2010/main" xmlns:a14="http://schemas.microsoft.com/office/drawing/2010/main" xmlns:a16="http://schemas.microsoft.com/office/drawing/2014/main" xmlns="" w="9525">
+                <a14:hiddenLine xmlns="" xmlns:a16="http://schemas.microsoft.com/office/drawing/2014/main" xmlns:a14="http://schemas.microsoft.com/office/drawing/2010/main" xmlns:p14="http://schemas.microsoft.com/office/powerpoint/2010/main" w="9525">
                   <a:solidFill>
                     <a:srgbClr val="000000"/>
                   </a:solidFill>
@@ -28259,7 +28260,7 @@
             </a:ln>
             <a:extLst>
               <a:ext uri="{91240B29-F687-4f45-9708-019B960494DF}">
-                <a14:hiddenLine xmlns:p14="http://schemas.microsoft.com/office/powerpoint/2010/main" xmlns:a14="http://schemas.microsoft.com/office/drawing/2010/main" xmlns:a16="http://schemas.microsoft.com/office/drawing/2014/main" xmlns="" w="9525">
+                <a14:hiddenLine xmlns="" xmlns:a16="http://schemas.microsoft.com/office/drawing/2014/main" xmlns:a14="http://schemas.microsoft.com/office/drawing/2010/main" xmlns:p14="http://schemas.microsoft.com/office/powerpoint/2010/main" w="9525">
                   <a:solidFill>
                     <a:srgbClr val="000000"/>
                   </a:solidFill>
@@ -28371,7 +28372,7 @@
             </a:ln>
             <a:extLst>
               <a:ext uri="{91240B29-F687-4f45-9708-019B960494DF}">
-                <a14:hiddenLine xmlns:p14="http://schemas.microsoft.com/office/powerpoint/2010/main" xmlns:a14="http://schemas.microsoft.com/office/drawing/2010/main" xmlns:a16="http://schemas.microsoft.com/office/drawing/2014/main" xmlns="" w="9525">
+                <a14:hiddenLine xmlns="" xmlns:a16="http://schemas.microsoft.com/office/drawing/2014/main" xmlns:a14="http://schemas.microsoft.com/office/drawing/2010/main" xmlns:p14="http://schemas.microsoft.com/office/powerpoint/2010/main" w="9525">
                   <a:solidFill>
                     <a:srgbClr val="000000"/>
                   </a:solidFill>
@@ -28455,7 +28456,7 @@
             </a:ln>
             <a:extLst>
               <a:ext uri="{91240B29-F687-4f45-9708-019B960494DF}">
-                <a14:hiddenLine xmlns:p14="http://schemas.microsoft.com/office/powerpoint/2010/main" xmlns:a14="http://schemas.microsoft.com/office/drawing/2010/main" xmlns:a16="http://schemas.microsoft.com/office/drawing/2014/main" xmlns="" w="9525">
+                <a14:hiddenLine xmlns="" xmlns:a16="http://schemas.microsoft.com/office/drawing/2014/main" xmlns:a14="http://schemas.microsoft.com/office/drawing/2010/main" xmlns:p14="http://schemas.microsoft.com/office/powerpoint/2010/main" w="9525">
                   <a:solidFill>
                     <a:srgbClr val="000000"/>
                   </a:solidFill>
@@ -28567,7 +28568,7 @@
             </a:ln>
             <a:extLst>
               <a:ext uri="{91240B29-F687-4f45-9708-019B960494DF}">
-                <a14:hiddenLine xmlns:p14="http://schemas.microsoft.com/office/powerpoint/2010/main" xmlns:a14="http://schemas.microsoft.com/office/drawing/2010/main" xmlns:a16="http://schemas.microsoft.com/office/drawing/2014/main" xmlns="" w="9525">
+                <a14:hiddenLine xmlns="" xmlns:a16="http://schemas.microsoft.com/office/drawing/2014/main" xmlns:a14="http://schemas.microsoft.com/office/drawing/2010/main" xmlns:p14="http://schemas.microsoft.com/office/powerpoint/2010/main" w="9525">
                   <a:solidFill>
                     <a:srgbClr val="000000"/>
                   </a:solidFill>
@@ -28623,7 +28624,7 @@
             </a:ln>
             <a:extLst>
               <a:ext uri="{91240B29-F687-4f45-9708-019B960494DF}">
-                <a14:hiddenLine xmlns:p14="http://schemas.microsoft.com/office/powerpoint/2010/main" xmlns:a14="http://schemas.microsoft.com/office/drawing/2010/main" xmlns:a16="http://schemas.microsoft.com/office/drawing/2014/main" xmlns="" w="9525">
+                <a14:hiddenLine xmlns="" xmlns:a16="http://schemas.microsoft.com/office/drawing/2014/main" xmlns:a14="http://schemas.microsoft.com/office/drawing/2010/main" xmlns:p14="http://schemas.microsoft.com/office/powerpoint/2010/main" w="9525">
                   <a:solidFill>
                     <a:srgbClr val="000000"/>
                   </a:solidFill>
@@ -28710,7 +28711,7 @@
             </a:ln>
             <a:extLst>
               <a:ext uri="{91240B29-F687-4f45-9708-019B960494DF}">
-                <a14:hiddenLine xmlns:p14="http://schemas.microsoft.com/office/powerpoint/2010/main" xmlns:a14="http://schemas.microsoft.com/office/drawing/2010/main" xmlns:a16="http://schemas.microsoft.com/office/drawing/2014/main" xmlns="" w="9525">
+                <a14:hiddenLine xmlns="" xmlns:a16="http://schemas.microsoft.com/office/drawing/2014/main" xmlns:a14="http://schemas.microsoft.com/office/drawing/2010/main" xmlns:p14="http://schemas.microsoft.com/office/powerpoint/2010/main" w="9525">
                   <a:solidFill>
                     <a:srgbClr val="000000"/>
                   </a:solidFill>
@@ -28822,7 +28823,7 @@
             </a:ln>
             <a:extLst>
               <a:ext uri="{91240B29-F687-4f45-9708-019B960494DF}">
-                <a14:hiddenLine xmlns:p14="http://schemas.microsoft.com/office/powerpoint/2010/main" xmlns:a14="http://schemas.microsoft.com/office/drawing/2010/main" xmlns:a16="http://schemas.microsoft.com/office/drawing/2014/main" xmlns="" w="9525">
+                <a14:hiddenLine xmlns="" xmlns:a16="http://schemas.microsoft.com/office/drawing/2014/main" xmlns:a14="http://schemas.microsoft.com/office/drawing/2010/main" xmlns:p14="http://schemas.microsoft.com/office/powerpoint/2010/main" w="9525">
                   <a:solidFill>
                     <a:srgbClr val="000000"/>
                   </a:solidFill>
@@ -28906,7 +28907,7 @@
             </a:ln>
             <a:extLst>
               <a:ext uri="{91240B29-F687-4f45-9708-019B960494DF}">
-                <a14:hiddenLine xmlns:p14="http://schemas.microsoft.com/office/powerpoint/2010/main" xmlns:a14="http://schemas.microsoft.com/office/drawing/2010/main" xmlns:a16="http://schemas.microsoft.com/office/drawing/2014/main" xmlns="" w="9525">
+                <a14:hiddenLine xmlns="" xmlns:a16="http://schemas.microsoft.com/office/drawing/2014/main" xmlns:a14="http://schemas.microsoft.com/office/drawing/2010/main" xmlns:p14="http://schemas.microsoft.com/office/powerpoint/2010/main" w="9525">
                   <a:solidFill>
                     <a:srgbClr val="000000"/>
                   </a:solidFill>
@@ -29018,7 +29019,7 @@
             </a:ln>
             <a:extLst>
               <a:ext uri="{91240B29-F687-4f45-9708-019B960494DF}">
-                <a14:hiddenLine xmlns:p14="http://schemas.microsoft.com/office/powerpoint/2010/main" xmlns:a14="http://schemas.microsoft.com/office/drawing/2010/main" xmlns:a16="http://schemas.microsoft.com/office/drawing/2014/main" xmlns="" w="9525">
+                <a14:hiddenLine xmlns="" xmlns:a16="http://schemas.microsoft.com/office/drawing/2014/main" xmlns:a14="http://schemas.microsoft.com/office/drawing/2010/main" xmlns:p14="http://schemas.microsoft.com/office/powerpoint/2010/main" w="9525">
                   <a:solidFill>
                     <a:srgbClr val="000000"/>
                   </a:solidFill>
@@ -29130,7 +29131,7 @@
             </a:ln>
             <a:extLst>
               <a:ext uri="{91240B29-F687-4f45-9708-019B960494DF}">
-                <a14:hiddenLine xmlns:p14="http://schemas.microsoft.com/office/powerpoint/2010/main" xmlns:a14="http://schemas.microsoft.com/office/drawing/2010/main" xmlns:a16="http://schemas.microsoft.com/office/drawing/2014/main" xmlns="" w="9525">
+                <a14:hiddenLine xmlns="" xmlns:a16="http://schemas.microsoft.com/office/drawing/2014/main" xmlns:a14="http://schemas.microsoft.com/office/drawing/2010/main" xmlns:p14="http://schemas.microsoft.com/office/powerpoint/2010/main" w="9525">
                   <a:solidFill>
                     <a:srgbClr val="000000"/>
                   </a:solidFill>
@@ -29217,7 +29218,7 @@
             </a:ln>
             <a:extLst>
               <a:ext uri="{91240B29-F687-4f45-9708-019B960494DF}">
-                <a14:hiddenLine xmlns:p14="http://schemas.microsoft.com/office/powerpoint/2010/main" xmlns:a14="http://schemas.microsoft.com/office/drawing/2010/main" xmlns:a16="http://schemas.microsoft.com/office/drawing/2014/main" xmlns="" w="9525">
+                <a14:hiddenLine xmlns="" xmlns:a16="http://schemas.microsoft.com/office/drawing/2014/main" xmlns:a14="http://schemas.microsoft.com/office/drawing/2010/main" xmlns:p14="http://schemas.microsoft.com/office/powerpoint/2010/main" w="9525">
                   <a:solidFill>
                     <a:srgbClr val="000000"/>
                   </a:solidFill>
@@ -29301,7 +29302,7 @@
             </a:ln>
             <a:extLst>
               <a:ext uri="{91240B29-F687-4f45-9708-019B960494DF}">
-                <a14:hiddenLine xmlns:p14="http://schemas.microsoft.com/office/powerpoint/2010/main" xmlns:a14="http://schemas.microsoft.com/office/drawing/2010/main" xmlns:a16="http://schemas.microsoft.com/office/drawing/2014/main" xmlns="" w="9525">
+                <a14:hiddenLine xmlns="" xmlns:a16="http://schemas.microsoft.com/office/drawing/2014/main" xmlns:a14="http://schemas.microsoft.com/office/drawing/2010/main" xmlns:p14="http://schemas.microsoft.com/office/powerpoint/2010/main" w="9525">
                   <a:solidFill>
                     <a:srgbClr val="000000"/>
                   </a:solidFill>
@@ -29413,7 +29414,7 @@
             </a:ln>
             <a:extLst>
               <a:ext uri="{91240B29-F687-4f45-9708-019B960494DF}">
-                <a14:hiddenLine xmlns:p14="http://schemas.microsoft.com/office/powerpoint/2010/main" xmlns:a14="http://schemas.microsoft.com/office/drawing/2010/main" xmlns:a16="http://schemas.microsoft.com/office/drawing/2014/main" xmlns="" w="9525">
+                <a14:hiddenLine xmlns="" xmlns:a16="http://schemas.microsoft.com/office/drawing/2014/main" xmlns:a14="http://schemas.microsoft.com/office/drawing/2010/main" xmlns:p14="http://schemas.microsoft.com/office/powerpoint/2010/main" w="9525">
                   <a:solidFill>
                     <a:srgbClr val="000000"/>
                   </a:solidFill>
@@ -29525,7 +29526,7 @@
             </a:ln>
             <a:extLst>
               <a:ext uri="{91240B29-F687-4f45-9708-019B960494DF}">
-                <a14:hiddenLine xmlns:p14="http://schemas.microsoft.com/office/powerpoint/2010/main" xmlns:a14="http://schemas.microsoft.com/office/drawing/2010/main" xmlns:a16="http://schemas.microsoft.com/office/drawing/2014/main" xmlns="" w="9525">
+                <a14:hiddenLine xmlns="" xmlns:a16="http://schemas.microsoft.com/office/drawing/2014/main" xmlns:a14="http://schemas.microsoft.com/office/drawing/2010/main" xmlns:p14="http://schemas.microsoft.com/office/powerpoint/2010/main" w="9525">
                   <a:solidFill>
                     <a:srgbClr val="000000"/>
                   </a:solidFill>
@@ -29609,7 +29610,7 @@
             </a:ln>
             <a:extLst>
               <a:ext uri="{91240B29-F687-4f45-9708-019B960494DF}">
-                <a14:hiddenLine xmlns:p14="http://schemas.microsoft.com/office/powerpoint/2010/main" xmlns:a14="http://schemas.microsoft.com/office/drawing/2010/main" xmlns:a16="http://schemas.microsoft.com/office/drawing/2014/main" xmlns="" w="9525">
+                <a14:hiddenLine xmlns="" xmlns:a16="http://schemas.microsoft.com/office/drawing/2014/main" xmlns:a14="http://schemas.microsoft.com/office/drawing/2010/main" xmlns:p14="http://schemas.microsoft.com/office/powerpoint/2010/main" w="9525">
                   <a:solidFill>
                     <a:srgbClr val="000000"/>
                   </a:solidFill>
@@ -29751,7 +29752,7 @@
             </a:ln>
             <a:extLst>
               <a:ext uri="{91240B29-F687-4f45-9708-019B960494DF}">
-                <a14:hiddenLine xmlns:p14="http://schemas.microsoft.com/office/powerpoint/2010/main" xmlns:a14="http://schemas.microsoft.com/office/drawing/2010/main" xmlns:a16="http://schemas.microsoft.com/office/drawing/2014/main" xmlns="" w="9525">
+                <a14:hiddenLine xmlns="" xmlns:a16="http://schemas.microsoft.com/office/drawing/2014/main" xmlns:a14="http://schemas.microsoft.com/office/drawing/2010/main" xmlns:p14="http://schemas.microsoft.com/office/powerpoint/2010/main" w="9525">
                   <a:solidFill>
                     <a:srgbClr val="000000"/>
                   </a:solidFill>
@@ -29841,7 +29842,7 @@
             </a:ln>
             <a:extLst>
               <a:ext uri="{91240B29-F687-4f45-9708-019B960494DF}">
-                <a14:hiddenLine xmlns:p14="http://schemas.microsoft.com/office/powerpoint/2010/main" xmlns:a14="http://schemas.microsoft.com/office/drawing/2010/main" xmlns:a16="http://schemas.microsoft.com/office/drawing/2014/main" xmlns="" w="9525">
+                <a14:hiddenLine xmlns="" xmlns:a16="http://schemas.microsoft.com/office/drawing/2014/main" xmlns:a14="http://schemas.microsoft.com/office/drawing/2010/main" xmlns:p14="http://schemas.microsoft.com/office/powerpoint/2010/main" w="9525">
                   <a:solidFill>
                     <a:srgbClr val="000000"/>
                   </a:solidFill>
@@ -29953,7 +29954,7 @@
             </a:ln>
             <a:extLst>
               <a:ext uri="{91240B29-F687-4f45-9708-019B960494DF}">
-                <a14:hiddenLine xmlns:p14="http://schemas.microsoft.com/office/powerpoint/2010/main" xmlns:a14="http://schemas.microsoft.com/office/drawing/2010/main" xmlns:a16="http://schemas.microsoft.com/office/drawing/2014/main" xmlns="" w="9525">
+                <a14:hiddenLine xmlns="" xmlns:a16="http://schemas.microsoft.com/office/drawing/2014/main" xmlns:a14="http://schemas.microsoft.com/office/drawing/2010/main" xmlns:p14="http://schemas.microsoft.com/office/powerpoint/2010/main" w="9525">
                   <a:solidFill>
                     <a:srgbClr val="000000"/>
                   </a:solidFill>
@@ -30117,7 +30118,7 @@
             <a:noFill/>
             <a:extLst>
               <a:ext uri="{909E8E84-426E-40dd-AFC4-6F175D3DCCD1}">
-                <a14:hiddenFill xmlns:p14="http://schemas.microsoft.com/office/powerpoint/2010/main" xmlns:a14="http://schemas.microsoft.com/office/drawing/2010/main" xmlns:a16="http://schemas.microsoft.com/office/drawing/2014/main" xmlns="">
+                <a14:hiddenFill xmlns="" xmlns:a16="http://schemas.microsoft.com/office/drawing/2014/main" xmlns:a14="http://schemas.microsoft.com/office/drawing/2010/main" xmlns:p14="http://schemas.microsoft.com/office/powerpoint/2010/main">
                   <a:solidFill>
                     <a:srgbClr val="FFFFFF"/>
                   </a:solidFill>
@@ -30210,7 +30211,7 @@
             </a:ln>
             <a:extLst>
               <a:ext uri="{91240B29-F687-4f45-9708-019B960494DF}">
-                <a14:hiddenLine xmlns:p14="http://schemas.microsoft.com/office/powerpoint/2010/main" xmlns:a14="http://schemas.microsoft.com/office/drawing/2010/main" xmlns:a16="http://schemas.microsoft.com/office/drawing/2014/main" xmlns="" w="9525">
+                <a14:hiddenLine xmlns="" xmlns:a16="http://schemas.microsoft.com/office/drawing/2014/main" xmlns:a14="http://schemas.microsoft.com/office/drawing/2010/main" xmlns:p14="http://schemas.microsoft.com/office/powerpoint/2010/main" w="9525">
                   <a:solidFill>
                     <a:srgbClr val="000000"/>
                   </a:solidFill>
@@ -30322,7 +30323,7 @@
             </a:ln>
             <a:extLst>
               <a:ext uri="{91240B29-F687-4f45-9708-019B960494DF}">
-                <a14:hiddenLine xmlns:p14="http://schemas.microsoft.com/office/powerpoint/2010/main" xmlns:a14="http://schemas.microsoft.com/office/drawing/2010/main" xmlns:a16="http://schemas.microsoft.com/office/drawing/2014/main" xmlns="" w="9525">
+                <a14:hiddenLine xmlns="" xmlns:a16="http://schemas.microsoft.com/office/drawing/2014/main" xmlns:a14="http://schemas.microsoft.com/office/drawing/2010/main" xmlns:p14="http://schemas.microsoft.com/office/powerpoint/2010/main" w="9525">
                   <a:solidFill>
                     <a:srgbClr val="000000"/>
                   </a:solidFill>
@@ -30434,7 +30435,7 @@
             </a:ln>
             <a:extLst>
               <a:ext uri="{91240B29-F687-4f45-9708-019B960494DF}">
-                <a14:hiddenLine xmlns:p14="http://schemas.microsoft.com/office/powerpoint/2010/main" xmlns:a14="http://schemas.microsoft.com/office/drawing/2010/main" xmlns:a16="http://schemas.microsoft.com/office/drawing/2014/main" xmlns="" w="9525">
+                <a14:hiddenLine xmlns="" xmlns:a16="http://schemas.microsoft.com/office/drawing/2014/main" xmlns:a14="http://schemas.microsoft.com/office/drawing/2010/main" xmlns:p14="http://schemas.microsoft.com/office/powerpoint/2010/main" w="9525">
                   <a:solidFill>
                     <a:srgbClr val="000000"/>
                   </a:solidFill>
@@ -30518,7 +30519,7 @@
             </a:ln>
             <a:extLst>
               <a:ext uri="{91240B29-F687-4f45-9708-019B960494DF}">
-                <a14:hiddenLine xmlns:p14="http://schemas.microsoft.com/office/powerpoint/2010/main" xmlns:a14="http://schemas.microsoft.com/office/drawing/2010/main" xmlns:a16="http://schemas.microsoft.com/office/drawing/2014/main" xmlns="" w="9525">
+                <a14:hiddenLine xmlns="" xmlns:a16="http://schemas.microsoft.com/office/drawing/2014/main" xmlns:a14="http://schemas.microsoft.com/office/drawing/2010/main" xmlns:p14="http://schemas.microsoft.com/office/powerpoint/2010/main" w="9525">
                   <a:solidFill>
                     <a:srgbClr val="000000"/>
                   </a:solidFill>
@@ -30630,7 +30631,7 @@
             </a:ln>
             <a:extLst>
               <a:ext uri="{91240B29-F687-4f45-9708-019B960494DF}">
-                <a14:hiddenLine xmlns:p14="http://schemas.microsoft.com/office/powerpoint/2010/main" xmlns:a14="http://schemas.microsoft.com/office/drawing/2010/main" xmlns:a16="http://schemas.microsoft.com/office/drawing/2014/main" xmlns="" w="9525">
+                <a14:hiddenLine xmlns="" xmlns:a16="http://schemas.microsoft.com/office/drawing/2014/main" xmlns:a14="http://schemas.microsoft.com/office/drawing/2010/main" xmlns:p14="http://schemas.microsoft.com/office/powerpoint/2010/main" w="9525">
                   <a:solidFill>
                     <a:srgbClr val="000000"/>
                   </a:solidFill>
@@ -30714,7 +30715,7 @@
             </a:ln>
             <a:extLst>
               <a:ext uri="{91240B29-F687-4f45-9708-019B960494DF}">
-                <a14:hiddenLine xmlns:p14="http://schemas.microsoft.com/office/powerpoint/2010/main" xmlns:a14="http://schemas.microsoft.com/office/drawing/2010/main" xmlns:a16="http://schemas.microsoft.com/office/drawing/2014/main" xmlns="" w="9525">
+                <a14:hiddenLine xmlns="" xmlns:a16="http://schemas.microsoft.com/office/drawing/2014/main" xmlns:a14="http://schemas.microsoft.com/office/drawing/2010/main" xmlns:p14="http://schemas.microsoft.com/office/powerpoint/2010/main" w="9525">
                   <a:solidFill>
                     <a:srgbClr val="000000"/>
                   </a:solidFill>
@@ -30798,7 +30799,7 @@
             </a:ln>
             <a:extLst>
               <a:ext uri="{91240B29-F687-4f45-9708-019B960494DF}">
-                <a14:hiddenLine xmlns:p14="http://schemas.microsoft.com/office/powerpoint/2010/main" xmlns:a14="http://schemas.microsoft.com/office/drawing/2010/main" xmlns:a16="http://schemas.microsoft.com/office/drawing/2014/main" xmlns="" w="9525">
+                <a14:hiddenLine xmlns="" xmlns:a16="http://schemas.microsoft.com/office/drawing/2014/main" xmlns:a14="http://schemas.microsoft.com/office/drawing/2010/main" xmlns:p14="http://schemas.microsoft.com/office/powerpoint/2010/main" w="9525">
                   <a:solidFill>
                     <a:srgbClr val="000000"/>
                   </a:solidFill>
@@ -30910,7 +30911,7 @@
             </a:ln>
             <a:extLst>
               <a:ext uri="{91240B29-F687-4f45-9708-019B960494DF}">
-                <a14:hiddenLine xmlns:p14="http://schemas.microsoft.com/office/powerpoint/2010/main" xmlns:a14="http://schemas.microsoft.com/office/drawing/2010/main" xmlns:a16="http://schemas.microsoft.com/office/drawing/2014/main" xmlns="" w="9525">
+                <a14:hiddenLine xmlns="" xmlns:a16="http://schemas.microsoft.com/office/drawing/2014/main" xmlns:a14="http://schemas.microsoft.com/office/drawing/2010/main" xmlns:p14="http://schemas.microsoft.com/office/powerpoint/2010/main" w="9525">
                   <a:solidFill>
                     <a:srgbClr val="000000"/>
                   </a:solidFill>
@@ -31022,7 +31023,7 @@
             </a:ln>
             <a:extLst>
               <a:ext uri="{91240B29-F687-4f45-9708-019B960494DF}">
-                <a14:hiddenLine xmlns:p14="http://schemas.microsoft.com/office/powerpoint/2010/main" xmlns:a14="http://schemas.microsoft.com/office/drawing/2010/main" xmlns:a16="http://schemas.microsoft.com/office/drawing/2014/main" xmlns="" w="9525">
+                <a14:hiddenLine xmlns="" xmlns:a16="http://schemas.microsoft.com/office/drawing/2014/main" xmlns:a14="http://schemas.microsoft.com/office/drawing/2010/main" xmlns:p14="http://schemas.microsoft.com/office/powerpoint/2010/main" w="9525">
                   <a:solidFill>
                     <a:srgbClr val="000000"/>
                   </a:solidFill>
@@ -31106,7 +31107,7 @@
             </a:ln>
             <a:extLst>
               <a:ext uri="{91240B29-F687-4f45-9708-019B960494DF}">
-                <a14:hiddenLine xmlns:p14="http://schemas.microsoft.com/office/powerpoint/2010/main" xmlns:a14="http://schemas.microsoft.com/office/drawing/2010/main" xmlns:a16="http://schemas.microsoft.com/office/drawing/2014/main" xmlns="" w="9525">
+                <a14:hiddenLine xmlns="" xmlns:a16="http://schemas.microsoft.com/office/drawing/2014/main" xmlns:a14="http://schemas.microsoft.com/office/drawing/2010/main" xmlns:p14="http://schemas.microsoft.com/office/powerpoint/2010/main" w="9525">
                   <a:solidFill>
                     <a:srgbClr val="000000"/>
                   </a:solidFill>
@@ -31238,7 +31239,7 @@
             </a:ln>
             <a:extLst>
               <a:ext uri="{91240B29-F687-4f45-9708-019B960494DF}">
-                <a14:hiddenLine xmlns:p14="http://schemas.microsoft.com/office/powerpoint/2010/main" xmlns:a14="http://schemas.microsoft.com/office/drawing/2010/main" xmlns:a16="http://schemas.microsoft.com/office/drawing/2014/main" xmlns="" w="9525">
+                <a14:hiddenLine xmlns="" xmlns:a16="http://schemas.microsoft.com/office/drawing/2014/main" xmlns:a14="http://schemas.microsoft.com/office/drawing/2010/main" xmlns:p14="http://schemas.microsoft.com/office/powerpoint/2010/main" w="9525">
                   <a:solidFill>
                     <a:srgbClr val="000000"/>
                   </a:solidFill>
@@ -31366,7 +31367,7 @@
             </a:ln>
             <a:extLst>
               <a:ext uri="{91240B29-F687-4f45-9708-019B960494DF}">
-                <a14:hiddenLine xmlns:p14="http://schemas.microsoft.com/office/powerpoint/2010/main" xmlns:a14="http://schemas.microsoft.com/office/drawing/2010/main" xmlns:a16="http://schemas.microsoft.com/office/drawing/2014/main" xmlns="" w="9525">
+                <a14:hiddenLine xmlns="" xmlns:a16="http://schemas.microsoft.com/office/drawing/2014/main" xmlns:a14="http://schemas.microsoft.com/office/drawing/2010/main" xmlns:p14="http://schemas.microsoft.com/office/powerpoint/2010/main" w="9525">
                   <a:solidFill>
                     <a:srgbClr val="000000"/>
                   </a:solidFill>
@@ -31450,7 +31451,7 @@
             </a:ln>
             <a:extLst>
               <a:ext uri="{91240B29-F687-4f45-9708-019B960494DF}">
-                <a14:hiddenLine xmlns:p14="http://schemas.microsoft.com/office/powerpoint/2010/main" xmlns:a14="http://schemas.microsoft.com/office/drawing/2010/main" xmlns:a16="http://schemas.microsoft.com/office/drawing/2014/main" xmlns="" w="9525">
+                <a14:hiddenLine xmlns="" xmlns:a16="http://schemas.microsoft.com/office/drawing/2014/main" xmlns:a14="http://schemas.microsoft.com/office/drawing/2010/main" xmlns:p14="http://schemas.microsoft.com/office/powerpoint/2010/main" w="9525">
                   <a:solidFill>
                     <a:srgbClr val="000000"/>
                   </a:solidFill>
@@ -31534,7 +31535,7 @@
             </a:ln>
             <a:extLst>
               <a:ext uri="{91240B29-F687-4f45-9708-019B960494DF}">
-                <a14:hiddenLine xmlns:p14="http://schemas.microsoft.com/office/powerpoint/2010/main" xmlns:a14="http://schemas.microsoft.com/office/drawing/2010/main" xmlns:a16="http://schemas.microsoft.com/office/drawing/2014/main" xmlns="" w="9525">
+                <a14:hiddenLine xmlns="" xmlns:a16="http://schemas.microsoft.com/office/drawing/2014/main" xmlns:a14="http://schemas.microsoft.com/office/drawing/2010/main" xmlns:p14="http://schemas.microsoft.com/office/powerpoint/2010/main" w="9525">
                   <a:solidFill>
                     <a:srgbClr val="000000"/>
                   </a:solidFill>
@@ -31646,7 +31647,7 @@
             </a:ln>
             <a:extLst>
               <a:ext uri="{91240B29-F687-4f45-9708-019B960494DF}">
-                <a14:hiddenLine xmlns:p14="http://schemas.microsoft.com/office/powerpoint/2010/main" xmlns:a14="http://schemas.microsoft.com/office/drawing/2010/main" xmlns:a16="http://schemas.microsoft.com/office/drawing/2014/main" xmlns="" w="9525">
+                <a14:hiddenLine xmlns="" xmlns:a16="http://schemas.microsoft.com/office/drawing/2014/main" xmlns:a14="http://schemas.microsoft.com/office/drawing/2010/main" xmlns:p14="http://schemas.microsoft.com/office/powerpoint/2010/main" w="9525">
                   <a:solidFill>
                     <a:srgbClr val="000000"/>
                   </a:solidFill>
@@ -31702,7 +31703,7 @@
             </a:ln>
             <a:extLst>
               <a:ext uri="{91240B29-F687-4f45-9708-019B960494DF}">
-                <a14:hiddenLine xmlns:p14="http://schemas.microsoft.com/office/powerpoint/2010/main" xmlns:a14="http://schemas.microsoft.com/office/drawing/2010/main" xmlns:a16="http://schemas.microsoft.com/office/drawing/2014/main" xmlns="" w="9525">
+                <a14:hiddenLine xmlns="" xmlns:a16="http://schemas.microsoft.com/office/drawing/2014/main" xmlns:a14="http://schemas.microsoft.com/office/drawing/2010/main" xmlns:p14="http://schemas.microsoft.com/office/powerpoint/2010/main" w="9525">
                   <a:solidFill>
                     <a:srgbClr val="000000"/>
                   </a:solidFill>
@@ -31789,7 +31790,7 @@
             </a:ln>
             <a:extLst>
               <a:ext uri="{91240B29-F687-4f45-9708-019B960494DF}">
-                <a14:hiddenLine xmlns:p14="http://schemas.microsoft.com/office/powerpoint/2010/main" xmlns:a14="http://schemas.microsoft.com/office/drawing/2010/main" xmlns:a16="http://schemas.microsoft.com/office/drawing/2014/main" xmlns="" w="9525">
+                <a14:hiddenLine xmlns="" xmlns:a16="http://schemas.microsoft.com/office/drawing/2014/main" xmlns:a14="http://schemas.microsoft.com/office/drawing/2010/main" xmlns:p14="http://schemas.microsoft.com/office/powerpoint/2010/main" w="9525">
                   <a:solidFill>
                     <a:srgbClr val="000000"/>
                   </a:solidFill>
@@ -31901,7 +31902,7 @@
             </a:ln>
             <a:extLst>
               <a:ext uri="{91240B29-F687-4f45-9708-019B960494DF}">
-                <a14:hiddenLine xmlns:p14="http://schemas.microsoft.com/office/powerpoint/2010/main" xmlns:a14="http://schemas.microsoft.com/office/drawing/2010/main" xmlns:a16="http://schemas.microsoft.com/office/drawing/2014/main" xmlns="" w="9525">
+                <a14:hiddenLine xmlns="" xmlns:a16="http://schemas.microsoft.com/office/drawing/2014/main" xmlns:a14="http://schemas.microsoft.com/office/drawing/2010/main" xmlns:p14="http://schemas.microsoft.com/office/powerpoint/2010/main" w="9525">
                   <a:solidFill>
                     <a:srgbClr val="000000"/>
                   </a:solidFill>
@@ -31985,7 +31986,7 @@
             </a:ln>
             <a:extLst>
               <a:ext uri="{91240B29-F687-4f45-9708-019B960494DF}">
-                <a14:hiddenLine xmlns:p14="http://schemas.microsoft.com/office/powerpoint/2010/main" xmlns:a14="http://schemas.microsoft.com/office/drawing/2010/main" xmlns:a16="http://schemas.microsoft.com/office/drawing/2014/main" xmlns="" w="9525">
+                <a14:hiddenLine xmlns="" xmlns:a16="http://schemas.microsoft.com/office/drawing/2014/main" xmlns:a14="http://schemas.microsoft.com/office/drawing/2010/main" xmlns:p14="http://schemas.microsoft.com/office/powerpoint/2010/main" w="9525">
                   <a:solidFill>
                     <a:srgbClr val="000000"/>
                   </a:solidFill>
@@ -32097,7 +32098,7 @@
             </a:ln>
             <a:extLst>
               <a:ext uri="{91240B29-F687-4f45-9708-019B960494DF}">
-                <a14:hiddenLine xmlns:p14="http://schemas.microsoft.com/office/powerpoint/2010/main" xmlns:a14="http://schemas.microsoft.com/office/drawing/2010/main" xmlns:a16="http://schemas.microsoft.com/office/drawing/2014/main" xmlns="" w="9525">
+                <a14:hiddenLine xmlns="" xmlns:a16="http://schemas.microsoft.com/office/drawing/2014/main" xmlns:a14="http://schemas.microsoft.com/office/drawing/2010/main" xmlns:p14="http://schemas.microsoft.com/office/powerpoint/2010/main" w="9525">
                   <a:solidFill>
                     <a:srgbClr val="000000"/>
                   </a:solidFill>
@@ -32184,7 +32185,7 @@
             </a:ln>
             <a:extLst>
               <a:ext uri="{91240B29-F687-4f45-9708-019B960494DF}">
-                <a14:hiddenLine xmlns:p14="http://schemas.microsoft.com/office/powerpoint/2010/main" xmlns:a14="http://schemas.microsoft.com/office/drawing/2010/main" xmlns:a16="http://schemas.microsoft.com/office/drawing/2014/main" xmlns="" w="9525">
+                <a14:hiddenLine xmlns="" xmlns:a16="http://schemas.microsoft.com/office/drawing/2014/main" xmlns:a14="http://schemas.microsoft.com/office/drawing/2010/main" xmlns:p14="http://schemas.microsoft.com/office/powerpoint/2010/main" w="9525">
                   <a:solidFill>
                     <a:srgbClr val="000000"/>
                   </a:solidFill>
@@ -32268,7 +32269,7 @@
             </a:ln>
             <a:extLst>
               <a:ext uri="{91240B29-F687-4f45-9708-019B960494DF}">
-                <a14:hiddenLine xmlns:p14="http://schemas.microsoft.com/office/powerpoint/2010/main" xmlns:a14="http://schemas.microsoft.com/office/drawing/2010/main" xmlns:a16="http://schemas.microsoft.com/office/drawing/2014/main" xmlns="" w="9525">
+                <a14:hiddenLine xmlns="" xmlns:a16="http://schemas.microsoft.com/office/drawing/2014/main" xmlns:a14="http://schemas.microsoft.com/office/drawing/2010/main" xmlns:p14="http://schemas.microsoft.com/office/powerpoint/2010/main" w="9525">
                   <a:solidFill>
                     <a:srgbClr val="000000"/>
                   </a:solidFill>
@@ -32380,7 +32381,7 @@
             </a:ln>
             <a:extLst>
               <a:ext uri="{91240B29-F687-4f45-9708-019B960494DF}">
-                <a14:hiddenLine xmlns:p14="http://schemas.microsoft.com/office/powerpoint/2010/main" xmlns:a14="http://schemas.microsoft.com/office/drawing/2010/main" xmlns:a16="http://schemas.microsoft.com/office/drawing/2014/main" xmlns="" w="9525">
+                <a14:hiddenLine xmlns="" xmlns:a16="http://schemas.microsoft.com/office/drawing/2014/main" xmlns:a14="http://schemas.microsoft.com/office/drawing/2010/main" xmlns:p14="http://schemas.microsoft.com/office/powerpoint/2010/main" w="9525">
                   <a:solidFill>
                     <a:srgbClr val="000000"/>
                   </a:solidFill>
@@ -32492,7 +32493,7 @@
             </a:ln>
             <a:extLst>
               <a:ext uri="{91240B29-F687-4f45-9708-019B960494DF}">
-                <a14:hiddenLine xmlns:p14="http://schemas.microsoft.com/office/powerpoint/2010/main" xmlns:a14="http://schemas.microsoft.com/office/drawing/2010/main" xmlns:a16="http://schemas.microsoft.com/office/drawing/2014/main" xmlns="" w="9525">
+                <a14:hiddenLine xmlns="" xmlns:a16="http://schemas.microsoft.com/office/drawing/2014/main" xmlns:a14="http://schemas.microsoft.com/office/drawing/2010/main" xmlns:p14="http://schemas.microsoft.com/office/powerpoint/2010/main" w="9525">
                   <a:solidFill>
                     <a:srgbClr val="000000"/>
                   </a:solidFill>
@@ -32579,7 +32580,7 @@
             </a:ln>
             <a:extLst>
               <a:ext uri="{91240B29-F687-4f45-9708-019B960494DF}">
-                <a14:hiddenLine xmlns:p14="http://schemas.microsoft.com/office/powerpoint/2010/main" xmlns:a14="http://schemas.microsoft.com/office/drawing/2010/main" xmlns:a16="http://schemas.microsoft.com/office/drawing/2014/main" xmlns="" w="9525">
+                <a14:hiddenLine xmlns="" xmlns:a16="http://schemas.microsoft.com/office/drawing/2014/main" xmlns:a14="http://schemas.microsoft.com/office/drawing/2010/main" xmlns:p14="http://schemas.microsoft.com/office/powerpoint/2010/main" w="9525">
                   <a:solidFill>
                     <a:srgbClr val="000000"/>
                   </a:solidFill>
@@ -32721,7 +32722,7 @@
             </a:ln>
             <a:extLst>
               <a:ext uri="{91240B29-F687-4f45-9708-019B960494DF}">
-                <a14:hiddenLine xmlns:p14="http://schemas.microsoft.com/office/powerpoint/2010/main" xmlns:a14="http://schemas.microsoft.com/office/drawing/2010/main" xmlns:a16="http://schemas.microsoft.com/office/drawing/2014/main" xmlns="" w="9525">
+                <a14:hiddenLine xmlns="" xmlns:a16="http://schemas.microsoft.com/office/drawing/2014/main" xmlns:a14="http://schemas.microsoft.com/office/drawing/2010/main" xmlns:p14="http://schemas.microsoft.com/office/powerpoint/2010/main" w="9525">
                   <a:solidFill>
                     <a:srgbClr val="000000"/>
                   </a:solidFill>
@@ -32858,7 +32859,7 @@
             </a:ln>
             <a:extLst>
               <a:ext uri="{91240B29-F687-4f45-9708-019B960494DF}">
-                <a14:hiddenLine xmlns:p14="http://schemas.microsoft.com/office/powerpoint/2010/main" xmlns:a14="http://schemas.microsoft.com/office/drawing/2010/main" xmlns:a16="http://schemas.microsoft.com/office/drawing/2014/main" xmlns="" w="9525">
+                <a14:hiddenLine xmlns="" xmlns:a16="http://schemas.microsoft.com/office/drawing/2014/main" xmlns:a14="http://schemas.microsoft.com/office/drawing/2010/main" xmlns:p14="http://schemas.microsoft.com/office/powerpoint/2010/main" w="9525">
                   <a:solidFill>
                     <a:srgbClr val="000000"/>
                   </a:solidFill>
@@ -32995,7 +32996,7 @@
             </a:ln>
             <a:extLst>
               <a:ext uri="{91240B29-F687-4f45-9708-019B960494DF}">
-                <a14:hiddenLine xmlns:p14="http://schemas.microsoft.com/office/powerpoint/2010/main" xmlns:a14="http://schemas.microsoft.com/office/drawing/2010/main" xmlns:a16="http://schemas.microsoft.com/office/drawing/2014/main" xmlns="" w="9525">
+                <a14:hiddenLine xmlns="" xmlns:a16="http://schemas.microsoft.com/office/drawing/2014/main" xmlns:a14="http://schemas.microsoft.com/office/drawing/2010/main" xmlns:p14="http://schemas.microsoft.com/office/powerpoint/2010/main" w="9525">
                   <a:solidFill>
                     <a:srgbClr val="000000"/>
                   </a:solidFill>
@@ -33107,7 +33108,7 @@
             </a:ln>
             <a:extLst>
               <a:ext uri="{91240B29-F687-4f45-9708-019B960494DF}">
-                <a14:hiddenLine xmlns:p14="http://schemas.microsoft.com/office/powerpoint/2010/main" xmlns:a14="http://schemas.microsoft.com/office/drawing/2010/main" xmlns:a16="http://schemas.microsoft.com/office/drawing/2014/main" xmlns="" w="9525">
+                <a14:hiddenLine xmlns="" xmlns:a16="http://schemas.microsoft.com/office/drawing/2014/main" xmlns:a14="http://schemas.microsoft.com/office/drawing/2010/main" xmlns:p14="http://schemas.microsoft.com/office/powerpoint/2010/main" w="9525">
                   <a:solidFill>
                     <a:srgbClr val="000000"/>
                   </a:solidFill>
@@ -33194,7 +33195,7 @@
             </a:ln>
             <a:extLst>
               <a:ext uri="{91240B29-F687-4f45-9708-019B960494DF}">
-                <a14:hiddenLine xmlns:p14="http://schemas.microsoft.com/office/powerpoint/2010/main" xmlns:a14="http://schemas.microsoft.com/office/drawing/2010/main" xmlns:a16="http://schemas.microsoft.com/office/drawing/2014/main" xmlns="" w="9525">
+                <a14:hiddenLine xmlns="" xmlns:a16="http://schemas.microsoft.com/office/drawing/2014/main" xmlns:a14="http://schemas.microsoft.com/office/drawing/2010/main" xmlns:p14="http://schemas.microsoft.com/office/powerpoint/2010/main" w="9525">
                   <a:solidFill>
                     <a:srgbClr val="000000"/>
                   </a:solidFill>
@@ -33306,7 +33307,7 @@
             </a:ln>
             <a:extLst>
               <a:ext uri="{91240B29-F687-4f45-9708-019B960494DF}">
-                <a14:hiddenLine xmlns:p14="http://schemas.microsoft.com/office/powerpoint/2010/main" xmlns:a14="http://schemas.microsoft.com/office/drawing/2010/main" xmlns:a16="http://schemas.microsoft.com/office/drawing/2014/main" xmlns="" w="9525">
+                <a14:hiddenLine xmlns="" xmlns:a16="http://schemas.microsoft.com/office/drawing/2014/main" xmlns:a14="http://schemas.microsoft.com/office/drawing/2010/main" xmlns:p14="http://schemas.microsoft.com/office/powerpoint/2010/main" w="9525">
                   <a:solidFill>
                     <a:srgbClr val="000000"/>
                   </a:solidFill>
@@ -33396,7 +33397,7 @@
             </a:ln>
             <a:extLst>
               <a:ext uri="{91240B29-F687-4f45-9708-019B960494DF}">
-                <a14:hiddenLine xmlns:p14="http://schemas.microsoft.com/office/powerpoint/2010/main" xmlns:a14="http://schemas.microsoft.com/office/drawing/2010/main" xmlns:a16="http://schemas.microsoft.com/office/drawing/2014/main" xmlns="" w="9525">
+                <a14:hiddenLine xmlns="" xmlns:a16="http://schemas.microsoft.com/office/drawing/2014/main" xmlns:a14="http://schemas.microsoft.com/office/drawing/2010/main" xmlns:p14="http://schemas.microsoft.com/office/powerpoint/2010/main" w="9525">
                   <a:solidFill>
                     <a:srgbClr val="000000"/>
                   </a:solidFill>
@@ -33508,7 +33509,7 @@
             </a:ln>
             <a:extLst>
               <a:ext uri="{91240B29-F687-4f45-9708-019B960494DF}">
-                <a14:hiddenLine xmlns:p14="http://schemas.microsoft.com/office/powerpoint/2010/main" xmlns:a14="http://schemas.microsoft.com/office/drawing/2010/main" xmlns:a16="http://schemas.microsoft.com/office/drawing/2014/main" xmlns="" w="9525">
+                <a14:hiddenLine xmlns="" xmlns:a16="http://schemas.microsoft.com/office/drawing/2014/main" xmlns:a14="http://schemas.microsoft.com/office/drawing/2010/main" xmlns:p14="http://schemas.microsoft.com/office/powerpoint/2010/main" w="9525">
                   <a:solidFill>
                     <a:srgbClr val="000000"/>
                   </a:solidFill>
@@ -33598,7 +33599,7 @@
             </a:ln>
             <a:extLst>
               <a:ext uri="{91240B29-F687-4f45-9708-019B960494DF}">
-                <a14:hiddenLine xmlns:p14="http://schemas.microsoft.com/office/powerpoint/2010/main" xmlns:a14="http://schemas.microsoft.com/office/drawing/2010/main" xmlns:a16="http://schemas.microsoft.com/office/drawing/2014/main" xmlns="" w="9525">
+                <a14:hiddenLine xmlns="" xmlns:a16="http://schemas.microsoft.com/office/drawing/2014/main" xmlns:a14="http://schemas.microsoft.com/office/drawing/2010/main" xmlns:p14="http://schemas.microsoft.com/office/powerpoint/2010/main" w="9525">
                   <a:solidFill>
                     <a:srgbClr val="000000"/>
                   </a:solidFill>
@@ -33710,7 +33711,7 @@
             </a:ln>
             <a:extLst>
               <a:ext uri="{91240B29-F687-4f45-9708-019B960494DF}">
-                <a14:hiddenLine xmlns:p14="http://schemas.microsoft.com/office/powerpoint/2010/main" xmlns:a14="http://schemas.microsoft.com/office/drawing/2010/main" xmlns:a16="http://schemas.microsoft.com/office/drawing/2014/main" xmlns="" w="9525">
+                <a14:hiddenLine xmlns="" xmlns:a16="http://schemas.microsoft.com/office/drawing/2014/main" xmlns:a14="http://schemas.microsoft.com/office/drawing/2010/main" xmlns:p14="http://schemas.microsoft.com/office/powerpoint/2010/main" w="9525">
                   <a:solidFill>
                     <a:srgbClr val="000000"/>
                   </a:solidFill>
@@ -33766,7 +33767,7 @@
             </a:ln>
             <a:extLst>
               <a:ext uri="{91240B29-F687-4f45-9708-019B960494DF}">
-                <a14:hiddenLine xmlns:p14="http://schemas.microsoft.com/office/powerpoint/2010/main" xmlns:a14="http://schemas.microsoft.com/office/drawing/2010/main" xmlns:a16="http://schemas.microsoft.com/office/drawing/2014/main" xmlns="" w="9525">
+                <a14:hiddenLine xmlns="" xmlns:a16="http://schemas.microsoft.com/office/drawing/2014/main" xmlns:a14="http://schemas.microsoft.com/office/drawing/2010/main" xmlns:p14="http://schemas.microsoft.com/office/powerpoint/2010/main" w="9525">
                   <a:solidFill>
                     <a:srgbClr val="000000"/>
                   </a:solidFill>
@@ -34624,6 +34625,196 @@
       </p:grpSpPr>
       <p:sp>
         <p:nvSpPr>
+          <p:cNvPr id="2" name="Titolo 1">
+            <a:extLst>
+              <a:ext uri="{FF2B5EF4-FFF2-40B4-BE49-F238E27FC236}">
+                <a16:creationId xmlns:a16="http://schemas.microsoft.com/office/drawing/2014/main" id="{C77F9FF6-FF05-7B4D-3E6B-79C1E74A6029}"/>
+              </a:ext>
+            </a:extLst>
+          </p:cNvPr>
+          <p:cNvSpPr>
+            <a:spLocks noGrp="1"/>
+          </p:cNvSpPr>
+          <p:nvPr>
+            <p:ph type="title"/>
+          </p:nvPr>
+        </p:nvSpPr>
+        <p:spPr>
+          <a:xfrm>
+            <a:off x="1141413" y="537238"/>
+            <a:ext cx="9905998" cy="1478570"/>
+          </a:xfrm>
+        </p:spPr>
+        <p:txBody>
+          <a:bodyPr/>
+          <a:lstStyle/>
+          <a:p>
+            <a:r>
+              <a:rPr lang="it-IT" dirty="0"/>
+              <a:t>JOB 2.1: Ordinamento BY TAG</a:t>
+            </a:r>
+          </a:p>
+        </p:txBody>
+      </p:sp>
+      <p:sp>
+        <p:nvSpPr>
+          <p:cNvPr id="6" name="CasellaDiTesto 5">
+            <a:extLst>
+              <a:ext uri="{FF2B5EF4-FFF2-40B4-BE49-F238E27FC236}">
+                <a16:creationId xmlns:a16="http://schemas.microsoft.com/office/drawing/2014/main" id="{F266B023-035A-279E-B7D7-32073E125C8D}"/>
+              </a:ext>
+            </a:extLst>
+          </p:cNvPr>
+          <p:cNvSpPr txBox="1"/>
+          <p:nvPr/>
+        </p:nvSpPr>
+        <p:spPr>
+          <a:xfrm>
+            <a:off x="1249681" y="1727200"/>
+            <a:ext cx="6502399" cy="1569660"/>
+          </a:xfrm>
+          <a:prstGeom prst="rect">
+            <a:avLst/>
+          </a:prstGeom>
+          <a:noFill/>
+        </p:spPr>
+        <p:txBody>
+          <a:bodyPr wrap="square" rtlCol="0">
+            <a:spAutoFit/>
+          </a:bodyPr>
+          <a:lstStyle/>
+          <a:p>
+            <a:r>
+              <a:rPr lang="it-IT" sz="2400" dirty="0"/>
+              <a:t>Come aggiunta al job, sono stati ordinati i tag in modo decrescente in base al numero di visualizzazioni totali di tutti i video che contengono un certo tag.</a:t>
+            </a:r>
+          </a:p>
+        </p:txBody>
+      </p:sp>
+      <p:pic>
+        <p:nvPicPr>
+          <p:cNvPr id="4" name="Immagine 3">
+            <a:extLst>
+              <a:ext uri="{FF2B5EF4-FFF2-40B4-BE49-F238E27FC236}">
+                <a16:creationId xmlns:a16="http://schemas.microsoft.com/office/drawing/2014/main" id="{893EAE9A-7AB0-8182-383A-F2FEE5872171}"/>
+              </a:ext>
+            </a:extLst>
+          </p:cNvPr>
+          <p:cNvPicPr>
+            <a:picLocks noChangeAspect="1"/>
+          </p:cNvPicPr>
+          <p:nvPr/>
+        </p:nvPicPr>
+        <p:blipFill>
+          <a:blip r:embed="rId2"/>
+          <a:stretch>
+            <a:fillRect/>
+          </a:stretch>
+        </p:blipFill>
+        <p:spPr>
+          <a:xfrm>
+            <a:off x="1492409" y="4814969"/>
+            <a:ext cx="9204006" cy="616799"/>
+          </a:xfrm>
+          <a:prstGeom prst="round2DiagRect">
+            <a:avLst>
+              <a:gd name="adj1" fmla="val 16667"/>
+              <a:gd name="adj2" fmla="val 0"/>
+            </a:avLst>
+          </a:prstGeom>
+          <a:ln w="88900" cap="sq">
+            <a:solidFill>
+              <a:srgbClr val="FFFFFF"/>
+            </a:solidFill>
+            <a:miter lim="800000"/>
+          </a:ln>
+          <a:effectLst>
+            <a:outerShdw blurRad="254000" algn="tl" rotWithShape="0">
+              <a:srgbClr val="000000">
+                <a:alpha val="43000"/>
+              </a:srgbClr>
+            </a:outerShdw>
+          </a:effectLst>
+        </p:spPr>
+      </p:pic>
+      <p:pic>
+        <p:nvPicPr>
+          <p:cNvPr id="16" name="Immagine 15">
+            <a:extLst>
+              <a:ext uri="{FF2B5EF4-FFF2-40B4-BE49-F238E27FC236}">
+                <a16:creationId xmlns:a16="http://schemas.microsoft.com/office/drawing/2014/main" id="{5582E6D5-F3AB-E731-9675-24BF9D8992F1}"/>
+              </a:ext>
+            </a:extLst>
+          </p:cNvPr>
+          <p:cNvPicPr>
+            <a:picLocks noChangeAspect="1"/>
+          </p:cNvPicPr>
+          <p:nvPr/>
+        </p:nvPicPr>
+        <p:blipFill>
+          <a:blip r:embed="rId3"/>
+          <a:stretch>
+            <a:fillRect/>
+          </a:stretch>
+        </p:blipFill>
+        <p:spPr>
+          <a:xfrm>
+            <a:off x="8288732" y="1542412"/>
+            <a:ext cx="2758679" cy="2575783"/>
+          </a:xfrm>
+          <a:prstGeom prst="round2DiagRect">
+            <a:avLst>
+              <a:gd name="adj1" fmla="val 16667"/>
+              <a:gd name="adj2" fmla="val 0"/>
+            </a:avLst>
+          </a:prstGeom>
+          <a:ln w="88900" cap="sq">
+            <a:solidFill>
+              <a:srgbClr val="FFFFFF"/>
+            </a:solidFill>
+            <a:miter lim="800000"/>
+          </a:ln>
+          <a:effectLst>
+            <a:outerShdw blurRad="254000" algn="tl" rotWithShape="0">
+              <a:srgbClr val="000000">
+                <a:alpha val="43000"/>
+              </a:srgbClr>
+            </a:outerShdw>
+          </a:effectLst>
+        </p:spPr>
+      </p:pic>
+    </p:spTree>
+    <p:extLst>
+      <p:ext uri="{BB962C8B-B14F-4D97-AF65-F5344CB8AC3E}">
+        <p14:creationId xmlns:p14="http://schemas.microsoft.com/office/powerpoint/2010/main" val="3098907902"/>
+      </p:ext>
+    </p:extLst>
+  </p:cSld>
+  <p:clrMapOvr>
+    <a:masterClrMapping/>
+  </p:clrMapOvr>
+</p:sld>
+</file>
+
+<file path=ppt/slides/slide9.xml><?xml version="1.0" encoding="utf-8"?>
+<p:sld xmlns:a="http://schemas.openxmlformats.org/drawingml/2006/main" xmlns:r="http://schemas.openxmlformats.org/officeDocument/2006/relationships" xmlns:p="http://schemas.openxmlformats.org/presentationml/2006/main">
+  <p:cSld>
+    <p:spTree>
+      <p:nvGrpSpPr>
+        <p:cNvPr id="1" name=""/>
+        <p:cNvGrpSpPr/>
+        <p:nvPr/>
+      </p:nvGrpSpPr>
+      <p:grpSpPr>
+        <a:xfrm>
+          <a:off x="0" y="0"/>
+          <a:ext cx="0" cy="0"/>
+          <a:chOff x="0" y="0"/>
+          <a:chExt cx="0" cy="0"/>
+        </a:xfrm>
+      </p:grpSpPr>
+      <p:sp>
+        <p:nvSpPr>
           <p:cNvPr id="3" name="Segnaposto contenuto 2">
             <a:extLst>
               <a:ext uri="{FF2B5EF4-FFF2-40B4-BE49-F238E27FC236}">
@@ -34680,12 +34871,6 @@
             <a:r>
               <a:rPr lang="it-IT" sz="3600" dirty="0"/>
               <a:t>POSSIBILI EVOLUZIONI:</a:t>
-            </a:r>
-          </a:p>
-          <a:p>
-            <a:r>
-              <a:rPr lang="it-IT" dirty="0"/>
-              <a:t>Ordinamento dei tag per preferenza o popolarità;</a:t>
             </a:r>
           </a:p>
           <a:p>
